--- a/static/output/Presentation1_updated.pptx
+++ b/static/output/Presentation1_updated.pptx
@@ -4,6 +4,9 @@
   <p:sldMasterIdLst>
     <p:sldMasterId id="2147483648" r:id="rId1"/>
   </p:sldMasterIdLst>
+  <p:notesMasterIdLst>
+    <p:notesMasterId r:id="rId3"/>
+  </p:notesMasterIdLst>
   <p:sldIdLst>
     <p:sldId id="5341" r:id="rId2"/>
   </p:sldIdLst>
@@ -115,7 +118,8 @@
 <file path=ppt/revisionInfo.xml><?xml version="1.0" encoding="utf-8"?>
 <p1510:revInfo xmlns:a="http://schemas.openxmlformats.org/drawingml/2006/main" xmlns:r="http://schemas.openxmlformats.org/officeDocument/2006/relationships" xmlns:p1510="http://schemas.microsoft.com/office/powerpoint/2015/10/main">
   <p1510:revLst>
-    <p1510:client id="{C1E74DEC-41FC-4726-B715-3A1A92E8F955}" v="13" dt="2024-12-06T15:05:14.660"/>
+    <p1510:client id="{5DAFE90A-2DE0-40E0-BFAA-E22DE361C9B3}" v="1" dt="2024-12-06T15:59:09.446"/>
+    <p1510:client id="{C1E74DEC-41FC-4726-B715-3A1A92E8F955}" v="19" dt="2024-12-06T16:05:22.600"/>
   </p1510:revLst>
 </p1510:revInfo>
 </file>
@@ -123,14 +127,165 @@
 <file path=ppt/changesInfos/changesInfo1.xml><?xml version="1.0" encoding="utf-8"?>
 <pc:chgInfo xmlns:a="http://schemas.openxmlformats.org/drawingml/2006/main" xmlns:r="http://schemas.openxmlformats.org/officeDocument/2006/relationships" xmlns:ac="http://schemas.microsoft.com/office/drawing/2013/main/command" xmlns:pc="http://schemas.microsoft.com/office/powerpoint/2013/main/command">
   <pc:docChgLst>
-    <pc:chgData name="Sai Ram Penjarla" userId="6027b59d-6e14-4f7c-8ed4-9c2d6b31dd89" providerId="ADAL" clId="{C1E74DEC-41FC-4726-B715-3A1A92E8F955}"/>
-    <pc:docChg chg="modSld">
-      <pc:chgData name="Sai Ram Penjarla" userId="6027b59d-6e14-4f7c-8ed4-9c2d6b31dd89" providerId="ADAL" clId="{C1E74DEC-41FC-4726-B715-3A1A92E8F955}" dt="2024-12-06T15:05:14.660" v="12" actId="962"/>
+    <pc:chgData name="Sai Ram Penjarla" userId="6027b59d-6e14-4f7c-8ed4-9c2d6b31dd89" providerId="ADAL" clId="{5DAFE90A-2DE0-40E0-BFAA-E22DE361C9B3}"/>
+    <pc:docChg chg="custSel modSld">
+      <pc:chgData name="Sai Ram Penjarla" userId="6027b59d-6e14-4f7c-8ed4-9c2d6b31dd89" providerId="ADAL" clId="{5DAFE90A-2DE0-40E0-BFAA-E22DE361C9B3}" dt="2024-12-06T15:59:24.915" v="3" actId="1076"/>
       <pc:docMkLst>
         <pc:docMk/>
       </pc:docMkLst>
-      <pc:sldChg chg="modSp">
-        <pc:chgData name="Sai Ram Penjarla" userId="6027b59d-6e14-4f7c-8ed4-9c2d6b31dd89" providerId="ADAL" clId="{C1E74DEC-41FC-4726-B715-3A1A92E8F955}" dt="2024-12-06T15:05:14.660" v="12" actId="962"/>
+      <pc:sldChg chg="addSp delSp modSp mod">
+        <pc:chgData name="Sai Ram Penjarla" userId="6027b59d-6e14-4f7c-8ed4-9c2d6b31dd89" providerId="ADAL" clId="{5DAFE90A-2DE0-40E0-BFAA-E22DE361C9B3}" dt="2024-12-06T15:59:24.915" v="3" actId="1076"/>
+        <pc:sldMkLst>
+          <pc:docMk/>
+          <pc:sldMk cId="2404912196" sldId="5341"/>
+        </pc:sldMkLst>
+        <pc:spChg chg="mod">
+          <ac:chgData name="Sai Ram Penjarla" userId="6027b59d-6e14-4f7c-8ed4-9c2d6b31dd89" providerId="ADAL" clId="{5DAFE90A-2DE0-40E0-BFAA-E22DE361C9B3}" dt="2024-12-06T15:59:09.446" v="0"/>
+          <ac:spMkLst>
+            <pc:docMk/>
+            <pc:sldMk cId="2404912196" sldId="5341"/>
+            <ac:spMk id="10" creationId="{18BBDE8A-5BF2-8035-1FF1-2ABD7D012299}"/>
+          </ac:spMkLst>
+        </pc:spChg>
+        <pc:spChg chg="mod">
+          <ac:chgData name="Sai Ram Penjarla" userId="6027b59d-6e14-4f7c-8ed4-9c2d6b31dd89" providerId="ADAL" clId="{5DAFE90A-2DE0-40E0-BFAA-E22DE361C9B3}" dt="2024-12-06T15:59:09.446" v="0"/>
+          <ac:spMkLst>
+            <pc:docMk/>
+            <pc:sldMk cId="2404912196" sldId="5341"/>
+            <ac:spMk id="76" creationId="{2B4349AE-989E-39BD-9281-A1BFDE89A1AC}"/>
+          </ac:spMkLst>
+        </pc:spChg>
+        <pc:spChg chg="mod">
+          <ac:chgData name="Sai Ram Penjarla" userId="6027b59d-6e14-4f7c-8ed4-9c2d6b31dd89" providerId="ADAL" clId="{5DAFE90A-2DE0-40E0-BFAA-E22DE361C9B3}" dt="2024-12-06T15:59:09.446" v="0"/>
+          <ac:spMkLst>
+            <pc:docMk/>
+            <pc:sldMk cId="2404912196" sldId="5341"/>
+            <ac:spMk id="77" creationId="{0E9205DC-6AB5-C18D-6EAB-5939B63AE9C2}"/>
+          </ac:spMkLst>
+        </pc:spChg>
+        <pc:spChg chg="mod">
+          <ac:chgData name="Sai Ram Penjarla" userId="6027b59d-6e14-4f7c-8ed4-9c2d6b31dd89" providerId="ADAL" clId="{5DAFE90A-2DE0-40E0-BFAA-E22DE361C9B3}" dt="2024-12-06T15:59:09.446" v="0"/>
+          <ac:spMkLst>
+            <pc:docMk/>
+            <pc:sldMk cId="2404912196" sldId="5341"/>
+            <ac:spMk id="78" creationId="{414F67F3-F876-9FF8-A096-CC06C8AC398E}"/>
+          </ac:spMkLst>
+        </pc:spChg>
+        <pc:spChg chg="mod">
+          <ac:chgData name="Sai Ram Penjarla" userId="6027b59d-6e14-4f7c-8ed4-9c2d6b31dd89" providerId="ADAL" clId="{5DAFE90A-2DE0-40E0-BFAA-E22DE361C9B3}" dt="2024-12-06T15:59:09.446" v="0"/>
+          <ac:spMkLst>
+            <pc:docMk/>
+            <pc:sldMk cId="2404912196" sldId="5341"/>
+            <ac:spMk id="96" creationId="{4043A5FD-2899-2C20-6C55-916EFFEDA940}"/>
+          </ac:spMkLst>
+        </pc:spChg>
+        <pc:spChg chg="mod">
+          <ac:chgData name="Sai Ram Penjarla" userId="6027b59d-6e14-4f7c-8ed4-9c2d6b31dd89" providerId="ADAL" clId="{5DAFE90A-2DE0-40E0-BFAA-E22DE361C9B3}" dt="2024-12-06T15:59:09.446" v="0"/>
+          <ac:spMkLst>
+            <pc:docMk/>
+            <pc:sldMk cId="2404912196" sldId="5341"/>
+            <ac:spMk id="97" creationId="{1109D211-D7A3-C6C0-E5A2-11A52CB88A32}"/>
+          </ac:spMkLst>
+        </pc:spChg>
+        <pc:spChg chg="mod">
+          <ac:chgData name="Sai Ram Penjarla" userId="6027b59d-6e14-4f7c-8ed4-9c2d6b31dd89" providerId="ADAL" clId="{5DAFE90A-2DE0-40E0-BFAA-E22DE361C9B3}" dt="2024-12-06T15:59:09.446" v="0"/>
+          <ac:spMkLst>
+            <pc:docMk/>
+            <pc:sldMk cId="2404912196" sldId="5341"/>
+            <ac:spMk id="98" creationId="{17A546BA-35A5-43C1-DA32-7FFC7C272776}"/>
+          </ac:spMkLst>
+        </pc:spChg>
+        <pc:spChg chg="mod">
+          <ac:chgData name="Sai Ram Penjarla" userId="6027b59d-6e14-4f7c-8ed4-9c2d6b31dd89" providerId="ADAL" clId="{5DAFE90A-2DE0-40E0-BFAA-E22DE361C9B3}" dt="2024-12-06T15:59:09.446" v="0"/>
+          <ac:spMkLst>
+            <pc:docMk/>
+            <pc:sldMk cId="2404912196" sldId="5341"/>
+            <ac:spMk id="99" creationId="{2A5CF624-9BF5-4BAB-BE78-D43F91381ADE}"/>
+          </ac:spMkLst>
+        </pc:spChg>
+        <pc:spChg chg="mod">
+          <ac:chgData name="Sai Ram Penjarla" userId="6027b59d-6e14-4f7c-8ed4-9c2d6b31dd89" providerId="ADAL" clId="{5DAFE90A-2DE0-40E0-BFAA-E22DE361C9B3}" dt="2024-12-06T15:59:09.446" v="0"/>
+          <ac:spMkLst>
+            <pc:docMk/>
+            <pc:sldMk cId="2404912196" sldId="5341"/>
+            <ac:spMk id="100" creationId="{8C75BA7D-165A-07B7-F997-C2432DA1EAE1}"/>
+          </ac:spMkLst>
+        </pc:spChg>
+        <pc:spChg chg="mod">
+          <ac:chgData name="Sai Ram Penjarla" userId="6027b59d-6e14-4f7c-8ed4-9c2d6b31dd89" providerId="ADAL" clId="{5DAFE90A-2DE0-40E0-BFAA-E22DE361C9B3}" dt="2024-12-06T15:59:09.446" v="0"/>
+          <ac:spMkLst>
+            <pc:docMk/>
+            <pc:sldMk cId="2404912196" sldId="5341"/>
+            <ac:spMk id="101" creationId="{B496B943-749F-074F-C968-F497116AFAEB}"/>
+          </ac:spMkLst>
+        </pc:spChg>
+        <pc:spChg chg="mod">
+          <ac:chgData name="Sai Ram Penjarla" userId="6027b59d-6e14-4f7c-8ed4-9c2d6b31dd89" providerId="ADAL" clId="{5DAFE90A-2DE0-40E0-BFAA-E22DE361C9B3}" dt="2024-12-06T15:59:09.446" v="0"/>
+          <ac:spMkLst>
+            <pc:docMk/>
+            <pc:sldMk cId="2404912196" sldId="5341"/>
+            <ac:spMk id="102" creationId="{AA638ADE-6F23-AC24-BBB2-89ED8F04D2E8}"/>
+          </ac:spMkLst>
+        </pc:spChg>
+        <pc:spChg chg="mod">
+          <ac:chgData name="Sai Ram Penjarla" userId="6027b59d-6e14-4f7c-8ed4-9c2d6b31dd89" providerId="ADAL" clId="{5DAFE90A-2DE0-40E0-BFAA-E22DE361C9B3}" dt="2024-12-06T15:59:09.446" v="0"/>
+          <ac:spMkLst>
+            <pc:docMk/>
+            <pc:sldMk cId="2404912196" sldId="5341"/>
+            <ac:spMk id="103" creationId="{B5590D86-6D3C-C549-2B14-10A1AE9515BF}"/>
+          </ac:spMkLst>
+        </pc:spChg>
+        <pc:spChg chg="mod">
+          <ac:chgData name="Sai Ram Penjarla" userId="6027b59d-6e14-4f7c-8ed4-9c2d6b31dd89" providerId="ADAL" clId="{5DAFE90A-2DE0-40E0-BFAA-E22DE361C9B3}" dt="2024-12-06T15:59:09.446" v="0"/>
+          <ac:spMkLst>
+            <pc:docMk/>
+            <pc:sldMk cId="2404912196" sldId="5341"/>
+            <ac:spMk id="104" creationId="{6FC12949-9A55-45A9-4160-ECC1116C5B17}"/>
+          </ac:spMkLst>
+        </pc:spChg>
+        <pc:spChg chg="mod">
+          <ac:chgData name="Sai Ram Penjarla" userId="6027b59d-6e14-4f7c-8ed4-9c2d6b31dd89" providerId="ADAL" clId="{5DAFE90A-2DE0-40E0-BFAA-E22DE361C9B3}" dt="2024-12-06T15:59:09.446" v="0"/>
+          <ac:spMkLst>
+            <pc:docMk/>
+            <pc:sldMk cId="2404912196" sldId="5341"/>
+            <ac:spMk id="105" creationId="{3DC85267-9299-55EC-74C3-0861D18F720A}"/>
+          </ac:spMkLst>
+        </pc:spChg>
+        <pc:grpChg chg="add mod">
+          <ac:chgData name="Sai Ram Penjarla" userId="6027b59d-6e14-4f7c-8ed4-9c2d6b31dd89" providerId="ADAL" clId="{5DAFE90A-2DE0-40E0-BFAA-E22DE361C9B3}" dt="2024-12-06T15:59:24.915" v="3" actId="1076"/>
+          <ac:grpSpMkLst>
+            <pc:docMk/>
+            <pc:sldMk cId="2404912196" sldId="5341"/>
+            <ac:grpSpMk id="9" creationId="{D834F42D-6B5E-C90D-4684-C1B861F0E418}"/>
+          </ac:grpSpMkLst>
+        </pc:grpChg>
+        <pc:grpChg chg="del">
+          <ac:chgData name="Sai Ram Penjarla" userId="6027b59d-6e14-4f7c-8ed4-9c2d6b31dd89" providerId="ADAL" clId="{5DAFE90A-2DE0-40E0-BFAA-E22DE361C9B3}" dt="2024-12-06T15:59:12.867" v="2" actId="478"/>
+          <ac:grpSpMkLst>
+            <pc:docMk/>
+            <pc:sldMk cId="2404912196" sldId="5341"/>
+            <ac:grpSpMk id="75" creationId="{0810ABEF-2BDD-F5FB-8D1F-9A79FD35A988}"/>
+          </ac:grpSpMkLst>
+        </pc:grpChg>
+      </pc:sldChg>
+    </pc:docChg>
+  </pc:docChgLst>
+  <pc:docChgLst>
+    <pc:chgData name="Sai Ram Penjarla" userId="6027b59d-6e14-4f7c-8ed4-9c2d6b31dd89" providerId="ADAL" clId="{C1E74DEC-41FC-4726-B715-3A1A92E8F955}"/>
+    <pc:docChg chg="custSel addSld delSld modSld">
+      <pc:chgData name="Sai Ram Penjarla" userId="6027b59d-6e14-4f7c-8ed4-9c2d6b31dd89" providerId="ADAL" clId="{C1E74DEC-41FC-4726-B715-3A1A92E8F955}" dt="2024-12-06T16:06:55.229" v="20" actId="47"/>
+      <pc:docMkLst>
+        <pc:docMk/>
+      </pc:docMkLst>
+      <pc:sldChg chg="add del">
+        <pc:chgData name="Sai Ram Penjarla" userId="6027b59d-6e14-4f7c-8ed4-9c2d6b31dd89" providerId="ADAL" clId="{C1E74DEC-41FC-4726-B715-3A1A92E8F955}" dt="2024-12-06T16:06:55.229" v="20" actId="47"/>
+        <pc:sldMkLst>
+          <pc:docMk/>
+          <pc:sldMk cId="575943004" sldId="5334"/>
+        </pc:sldMkLst>
+      </pc:sldChg>
+      <pc:sldChg chg="addSp delSp modSp mod">
+        <pc:chgData name="Sai Ram Penjarla" userId="6027b59d-6e14-4f7c-8ed4-9c2d6b31dd89" providerId="ADAL" clId="{C1E74DEC-41FC-4726-B715-3A1A92E8F955}" dt="2024-12-06T15:54:51.419" v="15" actId="164"/>
         <pc:sldMkLst>
           <pc:docMk/>
           <pc:sldMk cId="2404912196" sldId="5341"/>
@@ -167,6 +322,102 @@
             <ac:spMk id="7" creationId="{0ADE0A56-E8F6-A03C-C731-A08FF687086B}"/>
           </ac:spMkLst>
         </pc:spChg>
+        <pc:spChg chg="del mod topLvl">
+          <ac:chgData name="Sai Ram Penjarla" userId="6027b59d-6e14-4f7c-8ed4-9c2d6b31dd89" providerId="ADAL" clId="{C1E74DEC-41FC-4726-B715-3A1A92E8F955}" dt="2024-12-06T15:54:48.862" v="14" actId="478"/>
+          <ac:spMkLst>
+            <pc:docMk/>
+            <pc:sldMk cId="2404912196" sldId="5341"/>
+            <ac:spMk id="10" creationId="{CC82B8F6-5D64-B259-1459-C1461C4BE992}"/>
+          </ac:spMkLst>
+        </pc:spChg>
+        <pc:spChg chg="mod topLvl">
+          <ac:chgData name="Sai Ram Penjarla" userId="6027b59d-6e14-4f7c-8ed4-9c2d6b31dd89" providerId="ADAL" clId="{C1E74DEC-41FC-4726-B715-3A1A92E8F955}" dt="2024-12-06T15:54:51.419" v="15" actId="164"/>
+          <ac:spMkLst>
+            <pc:docMk/>
+            <pc:sldMk cId="2404912196" sldId="5341"/>
+            <ac:spMk id="11" creationId="{4196F714-EC30-6C38-6688-EA837793AF47}"/>
+          </ac:spMkLst>
+        </pc:spChg>
+        <pc:spChg chg="mod topLvl">
+          <ac:chgData name="Sai Ram Penjarla" userId="6027b59d-6e14-4f7c-8ed4-9c2d6b31dd89" providerId="ADAL" clId="{C1E74DEC-41FC-4726-B715-3A1A92E8F955}" dt="2024-12-06T15:54:51.419" v="15" actId="164"/>
+          <ac:spMkLst>
+            <pc:docMk/>
+            <pc:sldMk cId="2404912196" sldId="5341"/>
+            <ac:spMk id="12" creationId="{9E851073-C354-59C2-AB55-AA2C46619461}"/>
+          </ac:spMkLst>
+        </pc:spChg>
+        <pc:spChg chg="mod topLvl">
+          <ac:chgData name="Sai Ram Penjarla" userId="6027b59d-6e14-4f7c-8ed4-9c2d6b31dd89" providerId="ADAL" clId="{C1E74DEC-41FC-4726-B715-3A1A92E8F955}" dt="2024-12-06T15:54:51.419" v="15" actId="164"/>
+          <ac:spMkLst>
+            <pc:docMk/>
+            <pc:sldMk cId="2404912196" sldId="5341"/>
+            <ac:spMk id="13" creationId="{D0A810BD-09A1-9412-6C7E-EF2332B566B9}"/>
+          </ac:spMkLst>
+        </pc:spChg>
+        <pc:spChg chg="mod topLvl">
+          <ac:chgData name="Sai Ram Penjarla" userId="6027b59d-6e14-4f7c-8ed4-9c2d6b31dd89" providerId="ADAL" clId="{C1E74DEC-41FC-4726-B715-3A1A92E8F955}" dt="2024-12-06T15:54:51.419" v="15" actId="164"/>
+          <ac:spMkLst>
+            <pc:docMk/>
+            <pc:sldMk cId="2404912196" sldId="5341"/>
+            <ac:spMk id="14" creationId="{C3D5A122-92D8-DF26-7340-07F6A2B8348F}"/>
+          </ac:spMkLst>
+        </pc:spChg>
+        <pc:spChg chg="mod topLvl">
+          <ac:chgData name="Sai Ram Penjarla" userId="6027b59d-6e14-4f7c-8ed4-9c2d6b31dd89" providerId="ADAL" clId="{C1E74DEC-41FC-4726-B715-3A1A92E8F955}" dt="2024-12-06T15:54:51.419" v="15" actId="164"/>
+          <ac:spMkLst>
+            <pc:docMk/>
+            <pc:sldMk cId="2404912196" sldId="5341"/>
+            <ac:spMk id="15" creationId="{AF4BF2EC-92EA-210B-2556-244696AEC9A5}"/>
+          </ac:spMkLst>
+        </pc:spChg>
+        <pc:spChg chg="mod topLvl">
+          <ac:chgData name="Sai Ram Penjarla" userId="6027b59d-6e14-4f7c-8ed4-9c2d6b31dd89" providerId="ADAL" clId="{C1E74DEC-41FC-4726-B715-3A1A92E8F955}" dt="2024-12-06T15:54:51.419" v="15" actId="164"/>
+          <ac:spMkLst>
+            <pc:docMk/>
+            <pc:sldMk cId="2404912196" sldId="5341"/>
+            <ac:spMk id="16" creationId="{E5DC0879-6A48-B241-240D-CD1CFFA900BB}"/>
+          </ac:spMkLst>
+        </pc:spChg>
+        <pc:spChg chg="mod topLvl">
+          <ac:chgData name="Sai Ram Penjarla" userId="6027b59d-6e14-4f7c-8ed4-9c2d6b31dd89" providerId="ADAL" clId="{C1E74DEC-41FC-4726-B715-3A1A92E8F955}" dt="2024-12-06T15:54:51.419" v="15" actId="164"/>
+          <ac:spMkLst>
+            <pc:docMk/>
+            <pc:sldMk cId="2404912196" sldId="5341"/>
+            <ac:spMk id="17" creationId="{13A8F1A1-E7A8-C32D-5AED-342DFCA50861}"/>
+          </ac:spMkLst>
+        </pc:spChg>
+        <pc:spChg chg="mod topLvl">
+          <ac:chgData name="Sai Ram Penjarla" userId="6027b59d-6e14-4f7c-8ed4-9c2d6b31dd89" providerId="ADAL" clId="{C1E74DEC-41FC-4726-B715-3A1A92E8F955}" dt="2024-12-06T15:54:51.419" v="15" actId="164"/>
+          <ac:spMkLst>
+            <pc:docMk/>
+            <pc:sldMk cId="2404912196" sldId="5341"/>
+            <ac:spMk id="18" creationId="{6126B458-56CE-8E32-E13A-CED5817C579B}"/>
+          </ac:spMkLst>
+        </pc:spChg>
+        <pc:spChg chg="mod topLvl">
+          <ac:chgData name="Sai Ram Penjarla" userId="6027b59d-6e14-4f7c-8ed4-9c2d6b31dd89" providerId="ADAL" clId="{C1E74DEC-41FC-4726-B715-3A1A92E8F955}" dt="2024-12-06T15:54:51.419" v="15" actId="164"/>
+          <ac:spMkLst>
+            <pc:docMk/>
+            <pc:sldMk cId="2404912196" sldId="5341"/>
+            <ac:spMk id="19" creationId="{5AE203A1-C3D6-35CE-A8ED-0F109B68D8E6}"/>
+          </ac:spMkLst>
+        </pc:spChg>
+        <pc:spChg chg="mod topLvl">
+          <ac:chgData name="Sai Ram Penjarla" userId="6027b59d-6e14-4f7c-8ed4-9c2d6b31dd89" providerId="ADAL" clId="{C1E74DEC-41FC-4726-B715-3A1A92E8F955}" dt="2024-12-06T15:54:51.419" v="15" actId="164"/>
+          <ac:spMkLst>
+            <pc:docMk/>
+            <pc:sldMk cId="2404912196" sldId="5341"/>
+            <ac:spMk id="20" creationId="{6DD90728-60FC-77F8-8077-CF440DA036DC}"/>
+          </ac:spMkLst>
+        </pc:spChg>
+        <pc:spChg chg="mod topLvl">
+          <ac:chgData name="Sai Ram Penjarla" userId="6027b59d-6e14-4f7c-8ed4-9c2d6b31dd89" providerId="ADAL" clId="{C1E74DEC-41FC-4726-B715-3A1A92E8F955}" dt="2024-12-06T15:54:51.419" v="15" actId="164"/>
+          <ac:spMkLst>
+            <pc:docMk/>
+            <pc:sldMk cId="2404912196" sldId="5341"/>
+            <ac:spMk id="21" creationId="{AEF4FE12-B32D-821E-C21D-BA2E87B5A063}"/>
+          </ac:spMkLst>
+        </pc:spChg>
         <pc:spChg chg="mod">
           <ac:chgData name="Sai Ram Penjarla" userId="6027b59d-6e14-4f7c-8ed4-9c2d6b31dd89" providerId="ADAL" clId="{C1E74DEC-41FC-4726-B715-3A1A92E8F955}" dt="2024-12-06T15:03:06.160" v="2" actId="962"/>
           <ac:spMkLst>
@@ -181,6 +432,22 @@
             <pc:docMk/>
             <pc:sldMk cId="2404912196" sldId="5341"/>
             <ac:spMk id="23" creationId="{45911A03-2442-E488-E188-9E0A9D685B23}"/>
+          </ac:spMkLst>
+        </pc:spChg>
+        <pc:spChg chg="mod topLvl">
+          <ac:chgData name="Sai Ram Penjarla" userId="6027b59d-6e14-4f7c-8ed4-9c2d6b31dd89" providerId="ADAL" clId="{C1E74DEC-41FC-4726-B715-3A1A92E8F955}" dt="2024-12-06T15:54:51.419" v="15" actId="164"/>
+          <ac:spMkLst>
+            <pc:docMk/>
+            <pc:sldMk cId="2404912196" sldId="5341"/>
+            <ac:spMk id="24" creationId="{90FCF441-6D09-0970-A4FF-AAD45D20EA3D}"/>
+          </ac:spMkLst>
+        </pc:spChg>
+        <pc:spChg chg="mod topLvl">
+          <ac:chgData name="Sai Ram Penjarla" userId="6027b59d-6e14-4f7c-8ed4-9c2d6b31dd89" providerId="ADAL" clId="{C1E74DEC-41FC-4726-B715-3A1A92E8F955}" dt="2024-12-06T15:54:51.419" v="15" actId="164"/>
+          <ac:spMkLst>
+            <pc:docMk/>
+            <pc:sldMk cId="2404912196" sldId="5341"/>
+            <ac:spMk id="25" creationId="{063E6B47-4F43-2213-08C9-646E5D2F34AB}"/>
           </ac:spMkLst>
         </pc:spChg>
         <pc:spChg chg="mod">
@@ -239,10 +506,397 @@
             <ac:spMk id="80" creationId="{F207B359-81AB-EDA1-7592-2CB219414FC0}"/>
           </ac:spMkLst>
         </pc:spChg>
+        <pc:grpChg chg="del">
+          <ac:chgData name="Sai Ram Penjarla" userId="6027b59d-6e14-4f7c-8ed4-9c2d6b31dd89" providerId="ADAL" clId="{C1E74DEC-41FC-4726-B715-3A1A92E8F955}" dt="2024-12-06T15:54:47.283" v="13" actId="165"/>
+          <ac:grpSpMkLst>
+            <pc:docMk/>
+            <pc:sldMk cId="2404912196" sldId="5341"/>
+            <ac:grpSpMk id="9" creationId="{E0465DD1-17AA-B2D9-8C9D-63CC181D7BDC}"/>
+          </ac:grpSpMkLst>
+        </pc:grpChg>
+        <pc:grpChg chg="add mod">
+          <ac:chgData name="Sai Ram Penjarla" userId="6027b59d-6e14-4f7c-8ed4-9c2d6b31dd89" providerId="ADAL" clId="{C1E74DEC-41FC-4726-B715-3A1A92E8F955}" dt="2024-12-06T15:54:51.419" v="15" actId="164"/>
+          <ac:grpSpMkLst>
+            <pc:docMk/>
+            <pc:sldMk cId="2404912196" sldId="5341"/>
+            <ac:grpSpMk id="75" creationId="{0810ABEF-2BDD-F5FB-8D1F-9A79FD35A988}"/>
+          </ac:grpSpMkLst>
+        </pc:grpChg>
+      </pc:sldChg>
+      <pc:sldChg chg="add del">
+        <pc:chgData name="Sai Ram Penjarla" userId="6027b59d-6e14-4f7c-8ed4-9c2d6b31dd89" providerId="ADAL" clId="{C1E74DEC-41FC-4726-B715-3A1A92E8F955}" dt="2024-12-06T16:06:55.229" v="20" actId="47"/>
+        <pc:sldMkLst>
+          <pc:docMk/>
+          <pc:sldMk cId="1661590058" sldId="5342"/>
+        </pc:sldMkLst>
+      </pc:sldChg>
+      <pc:sldChg chg="add del">
+        <pc:chgData name="Sai Ram Penjarla" userId="6027b59d-6e14-4f7c-8ed4-9c2d6b31dd89" providerId="ADAL" clId="{C1E74DEC-41FC-4726-B715-3A1A92E8F955}" dt="2024-12-06T16:06:55.229" v="20" actId="47"/>
+        <pc:sldMkLst>
+          <pc:docMk/>
+          <pc:sldMk cId="1881940035" sldId="5343"/>
+        </pc:sldMkLst>
+      </pc:sldChg>
+      <pc:sldChg chg="add del">
+        <pc:chgData name="Sai Ram Penjarla" userId="6027b59d-6e14-4f7c-8ed4-9c2d6b31dd89" providerId="ADAL" clId="{C1E74DEC-41FC-4726-B715-3A1A92E8F955}" dt="2024-12-06T16:06:55.229" v="20" actId="47"/>
+        <pc:sldMkLst>
+          <pc:docMk/>
+          <pc:sldMk cId="3724161654" sldId="5344"/>
+        </pc:sldMkLst>
       </pc:sldChg>
     </pc:docChg>
   </pc:docChgLst>
 </pc:chgInfo>
+</file>
+
+<file path=ppt/notesMasters/notesMaster1.xml><?xml version="1.0" encoding="utf-8"?>
+<p:notesMaster xmlns:a="http://schemas.openxmlformats.org/drawingml/2006/main" xmlns:r="http://schemas.openxmlformats.org/officeDocument/2006/relationships" xmlns:p="http://schemas.openxmlformats.org/presentationml/2006/main">
+  <p:cSld>
+    <p:bg>
+      <p:bgRef idx="1001">
+        <a:schemeClr val="bg1"/>
+      </p:bgRef>
+    </p:bg>
+    <p:spTree>
+      <p:nvGrpSpPr>
+        <p:cNvPr id="1" name=""/>
+        <p:cNvGrpSpPr/>
+        <p:nvPr/>
+      </p:nvGrpSpPr>
+      <p:grpSpPr>
+        <a:xfrm>
+          <a:off x="0" y="0"/>
+          <a:ext cx="0" cy="0"/>
+          <a:chOff x="0" y="0"/>
+          <a:chExt cx="0" cy="0"/>
+        </a:xfrm>
+      </p:grpSpPr>
+      <p:sp>
+        <p:nvSpPr>
+          <p:cNvPr id="2" name="Header Placeholder 1"/>
+          <p:cNvSpPr>
+            <a:spLocks noGrp="1"/>
+          </p:cNvSpPr>
+          <p:nvPr>
+            <p:ph type="hdr" sz="quarter"/>
+          </p:nvPr>
+        </p:nvSpPr>
+        <p:spPr>
+          <a:xfrm>
+            <a:off x="0" y="0"/>
+            <a:ext cx="2971800" cy="458788"/>
+          </a:xfrm>
+          <a:prstGeom prst="rect">
+            <a:avLst/>
+          </a:prstGeom>
+        </p:spPr>
+        <p:txBody>
+          <a:bodyPr vert="horz" lIns="91440" tIns="45720" rIns="91440" bIns="45720" rtlCol="0"/>
+          <a:lstStyle>
+            <a:lvl1pPr algn="l">
+              <a:defRPr sz="1200"/>
+            </a:lvl1pPr>
+          </a:lstStyle>
+          <a:p>
+            <a:endParaRPr lang="en-IN"/>
+          </a:p>
+        </p:txBody>
+      </p:sp>
+      <p:sp>
+        <p:nvSpPr>
+          <p:cNvPr id="3" name="Date Placeholder 2"/>
+          <p:cNvSpPr>
+            <a:spLocks noGrp="1"/>
+          </p:cNvSpPr>
+          <p:nvPr>
+            <p:ph type="dt" idx="1"/>
+          </p:nvPr>
+        </p:nvSpPr>
+        <p:spPr>
+          <a:xfrm>
+            <a:off x="3884613" y="0"/>
+            <a:ext cx="2971800" cy="458788"/>
+          </a:xfrm>
+          <a:prstGeom prst="rect">
+            <a:avLst/>
+          </a:prstGeom>
+        </p:spPr>
+        <p:txBody>
+          <a:bodyPr vert="horz" lIns="91440" tIns="45720" rIns="91440" bIns="45720" rtlCol="0"/>
+          <a:lstStyle>
+            <a:lvl1pPr algn="r">
+              <a:defRPr sz="1200"/>
+            </a:lvl1pPr>
+          </a:lstStyle>
+          <a:p>
+            <a:fld id="{64F6843F-7BD7-4A88-B56C-64EE82CE7A2B}" type="datetimeFigureOut">
+              <a:rPr lang="en-IN" smtClean="0"/>
+              <a:t>06-12-2024</a:t>
+            </a:fld>
+            <a:endParaRPr lang="en-IN"/>
+          </a:p>
+        </p:txBody>
+      </p:sp>
+      <p:sp>
+        <p:nvSpPr>
+          <p:cNvPr id="4" name="Slide Image Placeholder 3"/>
+          <p:cNvSpPr>
+            <a:spLocks noGrp="1" noRot="1" noChangeAspect="1"/>
+          </p:cNvSpPr>
+          <p:nvPr>
+            <p:ph type="sldImg" idx="2"/>
+          </p:nvPr>
+        </p:nvSpPr>
+        <p:spPr>
+          <a:xfrm>
+            <a:off x="685800" y="1143000"/>
+            <a:ext cx="5486400" cy="3086100"/>
+          </a:xfrm>
+          <a:prstGeom prst="rect">
+            <a:avLst/>
+          </a:prstGeom>
+          <a:noFill/>
+          <a:ln w="12700">
+            <a:solidFill>
+              <a:prstClr val="black"/>
+            </a:solidFill>
+          </a:ln>
+        </p:spPr>
+        <p:txBody>
+          <a:bodyPr vert="horz" lIns="91440" tIns="45720" rIns="91440" bIns="45720" rtlCol="0" anchor="ctr"/>
+          <a:lstStyle/>
+          <a:p>
+            <a:endParaRPr lang="en-IN"/>
+          </a:p>
+        </p:txBody>
+      </p:sp>
+      <p:sp>
+        <p:nvSpPr>
+          <p:cNvPr id="5" name="Notes Placeholder 4"/>
+          <p:cNvSpPr>
+            <a:spLocks noGrp="1"/>
+          </p:cNvSpPr>
+          <p:nvPr>
+            <p:ph type="body" sz="quarter" idx="3"/>
+          </p:nvPr>
+        </p:nvSpPr>
+        <p:spPr>
+          <a:xfrm>
+            <a:off x="685800" y="4400550"/>
+            <a:ext cx="5486400" cy="3600450"/>
+          </a:xfrm>
+          <a:prstGeom prst="rect">
+            <a:avLst/>
+          </a:prstGeom>
+        </p:spPr>
+        <p:txBody>
+          <a:bodyPr vert="horz" lIns="91440" tIns="45720" rIns="91440" bIns="45720" rtlCol="0"/>
+          <a:lstStyle/>
+          <a:p>
+            <a:pPr lvl="0"/>
+            <a:r>
+              <a:rPr lang="en-US"/>
+              <a:t>Click to edit Master text styles</a:t>
+            </a:r>
+          </a:p>
+          <a:p>
+            <a:pPr lvl="1"/>
+            <a:r>
+              <a:rPr lang="en-US"/>
+              <a:t>Second level</a:t>
+            </a:r>
+          </a:p>
+          <a:p>
+            <a:pPr lvl="2"/>
+            <a:r>
+              <a:rPr lang="en-US"/>
+              <a:t>Third level</a:t>
+            </a:r>
+          </a:p>
+          <a:p>
+            <a:pPr lvl="3"/>
+            <a:r>
+              <a:rPr lang="en-US"/>
+              <a:t>Fourth level</a:t>
+            </a:r>
+          </a:p>
+          <a:p>
+            <a:pPr lvl="4"/>
+            <a:r>
+              <a:rPr lang="en-US"/>
+              <a:t>Fifth level</a:t>
+            </a:r>
+            <a:endParaRPr lang="en-IN"/>
+          </a:p>
+        </p:txBody>
+      </p:sp>
+      <p:sp>
+        <p:nvSpPr>
+          <p:cNvPr id="6" name="Footer Placeholder 5"/>
+          <p:cNvSpPr>
+            <a:spLocks noGrp="1"/>
+          </p:cNvSpPr>
+          <p:nvPr>
+            <p:ph type="ftr" sz="quarter" idx="4"/>
+          </p:nvPr>
+        </p:nvSpPr>
+        <p:spPr>
+          <a:xfrm>
+            <a:off x="0" y="8685213"/>
+            <a:ext cx="2971800" cy="458787"/>
+          </a:xfrm>
+          <a:prstGeom prst="rect">
+            <a:avLst/>
+          </a:prstGeom>
+        </p:spPr>
+        <p:txBody>
+          <a:bodyPr vert="horz" lIns="91440" tIns="45720" rIns="91440" bIns="45720" rtlCol="0" anchor="b"/>
+          <a:lstStyle>
+            <a:lvl1pPr algn="l">
+              <a:defRPr sz="1200"/>
+            </a:lvl1pPr>
+          </a:lstStyle>
+          <a:p>
+            <a:endParaRPr lang="en-IN"/>
+          </a:p>
+        </p:txBody>
+      </p:sp>
+      <p:sp>
+        <p:nvSpPr>
+          <p:cNvPr id="7" name="Slide Number Placeholder 6"/>
+          <p:cNvSpPr>
+            <a:spLocks noGrp="1"/>
+          </p:cNvSpPr>
+          <p:nvPr>
+            <p:ph type="sldNum" sz="quarter" idx="5"/>
+          </p:nvPr>
+        </p:nvSpPr>
+        <p:spPr>
+          <a:xfrm>
+            <a:off x="3884613" y="8685213"/>
+            <a:ext cx="2971800" cy="458787"/>
+          </a:xfrm>
+          <a:prstGeom prst="rect">
+            <a:avLst/>
+          </a:prstGeom>
+        </p:spPr>
+        <p:txBody>
+          <a:bodyPr vert="horz" lIns="91440" tIns="45720" rIns="91440" bIns="45720" rtlCol="0" anchor="b"/>
+          <a:lstStyle>
+            <a:lvl1pPr algn="r">
+              <a:defRPr sz="1200"/>
+            </a:lvl1pPr>
+          </a:lstStyle>
+          <a:p>
+            <a:fld id="{551F3C0F-78D2-40C1-AC99-74342DBB05B1}" type="slidenum">
+              <a:rPr lang="en-IN" smtClean="0"/>
+              <a:t>‹#›</a:t>
+            </a:fld>
+            <a:endParaRPr lang="en-IN"/>
+          </a:p>
+        </p:txBody>
+      </p:sp>
+    </p:spTree>
+    <p:extLst>
+      <p:ext uri="{BB962C8B-B14F-4D97-AF65-F5344CB8AC3E}">
+        <p14:creationId xmlns:p14="http://schemas.microsoft.com/office/powerpoint/2010/main" val="496854204"/>
+      </p:ext>
+    </p:extLst>
+  </p:cSld>
+  <p:clrMap bg1="lt1" tx1="dk1" bg2="lt2" tx2="dk2" accent1="accent1" accent2="accent2" accent3="accent3" accent4="accent4" accent5="accent5" accent6="accent6" hlink="hlink" folHlink="folHlink"/>
+  <p:notesStyle>
+    <a:lvl1pPr marL="0" algn="l" defTabSz="914400" rtl="0" eaLnBrk="1" latinLnBrk="0" hangingPunct="1">
+      <a:defRPr sz="1200" kern="1200">
+        <a:solidFill>
+          <a:schemeClr val="tx1"/>
+        </a:solidFill>
+        <a:latin typeface="+mn-lt"/>
+        <a:ea typeface="+mn-ea"/>
+        <a:cs typeface="+mn-cs"/>
+      </a:defRPr>
+    </a:lvl1pPr>
+    <a:lvl2pPr marL="457200" algn="l" defTabSz="914400" rtl="0" eaLnBrk="1" latinLnBrk="0" hangingPunct="1">
+      <a:defRPr sz="1200" kern="1200">
+        <a:solidFill>
+          <a:schemeClr val="tx1"/>
+        </a:solidFill>
+        <a:latin typeface="+mn-lt"/>
+        <a:ea typeface="+mn-ea"/>
+        <a:cs typeface="+mn-cs"/>
+      </a:defRPr>
+    </a:lvl2pPr>
+    <a:lvl3pPr marL="914400" algn="l" defTabSz="914400" rtl="0" eaLnBrk="1" latinLnBrk="0" hangingPunct="1">
+      <a:defRPr sz="1200" kern="1200">
+        <a:solidFill>
+          <a:schemeClr val="tx1"/>
+        </a:solidFill>
+        <a:latin typeface="+mn-lt"/>
+        <a:ea typeface="+mn-ea"/>
+        <a:cs typeface="+mn-cs"/>
+      </a:defRPr>
+    </a:lvl3pPr>
+    <a:lvl4pPr marL="1371600" algn="l" defTabSz="914400" rtl="0" eaLnBrk="1" latinLnBrk="0" hangingPunct="1">
+      <a:defRPr sz="1200" kern="1200">
+        <a:solidFill>
+          <a:schemeClr val="tx1"/>
+        </a:solidFill>
+        <a:latin typeface="+mn-lt"/>
+        <a:ea typeface="+mn-ea"/>
+        <a:cs typeface="+mn-cs"/>
+      </a:defRPr>
+    </a:lvl4pPr>
+    <a:lvl5pPr marL="1828800" algn="l" defTabSz="914400" rtl="0" eaLnBrk="1" latinLnBrk="0" hangingPunct="1">
+      <a:defRPr sz="1200" kern="1200">
+        <a:solidFill>
+          <a:schemeClr val="tx1"/>
+        </a:solidFill>
+        <a:latin typeface="+mn-lt"/>
+        <a:ea typeface="+mn-ea"/>
+        <a:cs typeface="+mn-cs"/>
+      </a:defRPr>
+    </a:lvl5pPr>
+    <a:lvl6pPr marL="2286000" algn="l" defTabSz="914400" rtl="0" eaLnBrk="1" latinLnBrk="0" hangingPunct="1">
+      <a:defRPr sz="1200" kern="1200">
+        <a:solidFill>
+          <a:schemeClr val="tx1"/>
+        </a:solidFill>
+        <a:latin typeface="+mn-lt"/>
+        <a:ea typeface="+mn-ea"/>
+        <a:cs typeface="+mn-cs"/>
+      </a:defRPr>
+    </a:lvl6pPr>
+    <a:lvl7pPr marL="2743200" algn="l" defTabSz="914400" rtl="0" eaLnBrk="1" latinLnBrk="0" hangingPunct="1">
+      <a:defRPr sz="1200" kern="1200">
+        <a:solidFill>
+          <a:schemeClr val="tx1"/>
+        </a:solidFill>
+        <a:latin typeface="+mn-lt"/>
+        <a:ea typeface="+mn-ea"/>
+        <a:cs typeface="+mn-cs"/>
+      </a:defRPr>
+    </a:lvl7pPr>
+    <a:lvl8pPr marL="3200400" algn="l" defTabSz="914400" rtl="0" eaLnBrk="1" latinLnBrk="0" hangingPunct="1">
+      <a:defRPr sz="1200" kern="1200">
+        <a:solidFill>
+          <a:schemeClr val="tx1"/>
+        </a:solidFill>
+        <a:latin typeface="+mn-lt"/>
+        <a:ea typeface="+mn-ea"/>
+        <a:cs typeface="+mn-cs"/>
+      </a:defRPr>
+    </a:lvl8pPr>
+    <a:lvl9pPr marL="3657600" algn="l" defTabSz="914400" rtl="0" eaLnBrk="1" latinLnBrk="0" hangingPunct="1">
+      <a:defRPr sz="1200" kern="1200">
+        <a:solidFill>
+          <a:schemeClr val="tx1"/>
+        </a:solidFill>
+        <a:latin typeface="+mn-lt"/>
+        <a:ea typeface="+mn-ea"/>
+        <a:cs typeface="+mn-cs"/>
+      </a:defRPr>
+    </a:lvl9pPr>
+  </p:notesStyle>
+</p:notesMaster>
 </file>
 
 <file path=ppt/slideLayouts/slideLayout1.xml><?xml version="1.0" encoding="utf-8"?>
@@ -3579,7 +4233,7 @@
                 <a:ea typeface="Calibri" panose="020F0502020204030204" pitchFamily="34" charset="0"/>
                 <a:cs typeface="Arial" panose="020B0604020202020204" pitchFamily="34" charset="0"/>
               </a:rPr>
-              <a:t>Features and Integration Details</a:t>
+              <a:t>Transformer-based Models for Text Generation</a:t>
             </a:r>
             <a:endParaRPr lang="en-DE" sz="1600" dirty="0">
               <a:solidFill>
@@ -3632,7 +4286,7 @@
                 <a:ea typeface="Open Sans" panose="020B0606030504020204" pitchFamily="34" charset="0"/>
                 <a:cs typeface="Arial" panose="020B0604020202020204" pitchFamily="34" charset="0"/>
               </a:rPr>
-              <a:t>Technical Architecture of AI-Powered Chatbot</a:t>
+              <a:t>Architecture of Large Language Models</a:t>
             </a:r>
           </a:p>
         </p:txBody>
@@ -3673,7 +4327,7 @@
                 <a:ea typeface="Open Sans" panose="020B0606030504020204" pitchFamily="34" charset="0"/>
                 <a:cs typeface="Arial" panose="020B0604020202020204" pitchFamily="34" charset="0"/>
               </a:rPr>
-              <a:t>Exploring the Components of the Chatbot's Technical Setup</a:t>
+              <a:t>Exploring the Design of Large Language Models (LLMs)</a:t>
             </a:r>
           </a:p>
         </p:txBody>
@@ -3762,7 +4416,7 @@
                 <a:ea typeface="Aptos" panose="020B0004020202020204" pitchFamily="34" charset="0"/>
                 <a:cs typeface="Times New Roman" panose="02020603050405020304" pitchFamily="18" charset="0"/>
               </a:rPr>
-              <a:t>Vector Database for Process Queries</a:t>
+              <a:t>Transformer Architecture</a:t>
             </a:r>
             <a:endParaRPr lang="en-IN" b="1" dirty="0">
               <a:latin typeface="Calibri" panose="020F0502020204030204" pitchFamily="34" charset="0"/>
@@ -3807,7 +4461,7 @@
                 <a:ea typeface="Aptos" panose="020B0004020202020204" pitchFamily="34" charset="0"/>
                 <a:cs typeface="Times New Roman" panose="02020603050405020304" pitchFamily="18" charset="0"/>
               </a:rPr>
-              <a:t>Utilizes a vector database to handle process-related queries efficiently. This allows the chatbot to retrieve and provide accurate information on procedural steps and guidelines.</a:t>
+              <a:t>LLMs like GPT utilize transformer architectures, enabling parallel processing of input sequences and capturing long-range dependencies. This design enhances the model's ability to generate coherent and contextually relevant text.</a:t>
             </a:r>
             <a:endParaRPr lang="en-IN" sz="1050" dirty="0">
               <a:latin typeface="Calibri" panose="020F0502020204030204" pitchFamily="34" charset="0"/>
@@ -3817,2534 +4471,6 @@
           </a:p>
         </p:txBody>
       </p:sp>
-      <p:grpSp>
-        <p:nvGrpSpPr>
-          <p:cNvPr id="9" name="Group 8">
-            <a:extLst>
-              <a:ext uri="{FF2B5EF4-FFF2-40B4-BE49-F238E27FC236}">
-                <a16:creationId xmlns:a16="http://schemas.microsoft.com/office/drawing/2014/main" id="{E0465DD1-17AA-B2D9-8C9D-63CC181D7BDC}"/>
-              </a:ext>
-            </a:extLst>
-          </p:cNvPr>
-          <p:cNvGrpSpPr/>
-          <p:nvPr/>
-        </p:nvGrpSpPr>
-        <p:grpSpPr>
-          <a:xfrm>
-            <a:off x="790496" y="2798852"/>
-            <a:ext cx="530000" cy="530000"/>
-            <a:chOff x="466957" y="1741282"/>
-            <a:chExt cx="530000" cy="530000"/>
-          </a:xfrm>
-        </p:grpSpPr>
-        <p:sp>
-          <p:nvSpPr>
-            <p:cNvPr id="10" name="Shape1_20240823_150448">
-              <a:extLst>
-                <a:ext uri="{FF2B5EF4-FFF2-40B4-BE49-F238E27FC236}">
-                  <a16:creationId xmlns:a16="http://schemas.microsoft.com/office/drawing/2014/main" id="{CC82B8F6-5D64-B259-1459-C1461C4BE992}"/>
-                </a:ext>
-              </a:extLst>
-            </p:cNvPr>
-            <p:cNvSpPr>
-              <a:spLocks noChangeAspect="1"/>
-            </p:cNvSpPr>
-            <p:nvPr/>
-          </p:nvSpPr>
-          <p:spPr>
-            <a:xfrm>
-              <a:off x="466957" y="1741282"/>
-              <a:ext cx="530000" cy="530000"/>
-            </a:xfrm>
-            <a:prstGeom prst="ellipse">
-              <a:avLst/>
-            </a:prstGeom>
-            <a:solidFill>
-              <a:schemeClr val="accent2"/>
-            </a:solidFill>
-            <a:ln w="76200">
-              <a:noFill/>
-            </a:ln>
-            <a:effectLst>
-              <a:softEdge rad="0"/>
-            </a:effectLst>
-          </p:spPr>
-          <p:style>
-            <a:lnRef idx="2">
-              <a:schemeClr val="accent1">
-                <a:shade val="50000"/>
-              </a:schemeClr>
-            </a:lnRef>
-            <a:fillRef idx="1">
-              <a:schemeClr val="accent1"/>
-            </a:fillRef>
-            <a:effectRef idx="0">
-              <a:schemeClr val="accent1"/>
-            </a:effectRef>
-            <a:fontRef idx="minor">
-              <a:schemeClr val="lt1"/>
-            </a:fontRef>
-          </p:style>
-          <p:txBody>
-            <a:bodyPr wrap="square" rtlCol="0" anchor="ctr">
-              <a:noAutofit/>
-            </a:bodyPr>
-            <a:lstStyle/>
-            <a:p>
-              <a:pPr algn="ctr"/>
-              <a:endParaRPr lang="en-IN">
-                <a:latin typeface="Arial" panose="020B0604020202020204" pitchFamily="34" charset="0"/>
-                <a:cs typeface="Arial" panose="020B0604020202020204" pitchFamily="34" charset="0"/>
-              </a:endParaRPr>
-            </a:p>
-          </p:txBody>
-        </p:sp>
-        <p:sp>
-          <p:nvSpPr>
-            <p:cNvPr id="11" name="Freeform: Shape 10">
-              <a:extLst>
-                <a:ext uri="{FF2B5EF4-FFF2-40B4-BE49-F238E27FC236}">
-                  <a16:creationId xmlns:a16="http://schemas.microsoft.com/office/drawing/2014/main" id="{4196F714-EC30-6C38-6688-EA837793AF47}"/>
-                </a:ext>
-              </a:extLst>
-            </p:cNvPr>
-            <p:cNvSpPr/>
-            <p:nvPr/>
-          </p:nvSpPr>
-          <p:spPr>
-            <a:xfrm>
-              <a:off x="639930" y="1899952"/>
-              <a:ext cx="184991" cy="230012"/>
-            </a:xfrm>
-            <a:custGeom>
-              <a:avLst/>
-              <a:gdLst>
-                <a:gd name="connsiteX0" fmla="*/ 3547906 w 3631461"/>
-                <a:gd name="connsiteY0" fmla="*/ 4515225 h 4515224"/>
-                <a:gd name="connsiteX1" fmla="*/ 80342 w 3631461"/>
-                <a:gd name="connsiteY1" fmla="*/ 4515225 h 4515224"/>
-                <a:gd name="connsiteX2" fmla="*/ 0 w 3631461"/>
-                <a:gd name="connsiteY2" fmla="*/ 4434883 h 4515224"/>
-                <a:gd name="connsiteX3" fmla="*/ 0 w 3631461"/>
-                <a:gd name="connsiteY3" fmla="*/ 80342 h 4515224"/>
-                <a:gd name="connsiteX4" fmla="*/ 80342 w 3631461"/>
-                <a:gd name="connsiteY4" fmla="*/ 0 h 4515224"/>
-                <a:gd name="connsiteX5" fmla="*/ 2731631 w 3631461"/>
-                <a:gd name="connsiteY5" fmla="*/ 0 h 4515224"/>
-                <a:gd name="connsiteX6" fmla="*/ 2811973 w 3631461"/>
-                <a:gd name="connsiteY6" fmla="*/ 80342 h 4515224"/>
-                <a:gd name="connsiteX7" fmla="*/ 2731631 w 3631461"/>
-                <a:gd name="connsiteY7" fmla="*/ 160684 h 4515224"/>
-                <a:gd name="connsiteX8" fmla="*/ 154257 w 3631461"/>
-                <a:gd name="connsiteY8" fmla="*/ 160684 h 4515224"/>
-                <a:gd name="connsiteX9" fmla="*/ 154257 w 3631461"/>
-                <a:gd name="connsiteY9" fmla="*/ 4364182 h 4515224"/>
-                <a:gd name="connsiteX10" fmla="*/ 3470778 w 3631461"/>
-                <a:gd name="connsiteY10" fmla="*/ 4364182 h 4515224"/>
-                <a:gd name="connsiteX11" fmla="*/ 3470778 w 3631461"/>
-                <a:gd name="connsiteY11" fmla="*/ 3753582 h 4515224"/>
-                <a:gd name="connsiteX12" fmla="*/ 3551120 w 3631461"/>
-                <a:gd name="connsiteY12" fmla="*/ 3673240 h 4515224"/>
-                <a:gd name="connsiteX13" fmla="*/ 3631462 w 3631461"/>
-                <a:gd name="connsiteY13" fmla="*/ 3753582 h 4515224"/>
-                <a:gd name="connsiteX14" fmla="*/ 3631462 w 3631461"/>
-                <a:gd name="connsiteY14" fmla="*/ 4441310 h 4515224"/>
-                <a:gd name="connsiteX15" fmla="*/ 3547906 w 3631461"/>
-                <a:gd name="connsiteY15" fmla="*/ 4515225 h 4515224"/>
-                <a:gd name="connsiteX16" fmla="*/ 3547906 w 3631461"/>
-                <a:gd name="connsiteY16" fmla="*/ 1924996 h 4515224"/>
-                <a:gd name="connsiteX17" fmla="*/ 3467564 w 3631461"/>
-                <a:gd name="connsiteY17" fmla="*/ 1844654 h 4515224"/>
-                <a:gd name="connsiteX18" fmla="*/ 3467564 w 3631461"/>
-                <a:gd name="connsiteY18" fmla="*/ 899831 h 4515224"/>
-                <a:gd name="connsiteX19" fmla="*/ 3547906 w 3631461"/>
-                <a:gd name="connsiteY19" fmla="*/ 822703 h 4515224"/>
-                <a:gd name="connsiteX20" fmla="*/ 3625035 w 3631461"/>
-                <a:gd name="connsiteY20" fmla="*/ 899831 h 4515224"/>
-                <a:gd name="connsiteX21" fmla="*/ 3625035 w 3631461"/>
-                <a:gd name="connsiteY21" fmla="*/ 1851082 h 4515224"/>
-                <a:gd name="connsiteX22" fmla="*/ 3547906 w 3631461"/>
-                <a:gd name="connsiteY22" fmla="*/ 1924996 h 4515224"/>
-              </a:gdLst>
-              <a:ahLst/>
-              <a:cxnLst>
-                <a:cxn ang="0">
-                  <a:pos x="connsiteX0" y="connsiteY0"/>
-                </a:cxn>
-                <a:cxn ang="0">
-                  <a:pos x="connsiteX1" y="connsiteY1"/>
-                </a:cxn>
-                <a:cxn ang="0">
-                  <a:pos x="connsiteX2" y="connsiteY2"/>
-                </a:cxn>
-                <a:cxn ang="0">
-                  <a:pos x="connsiteX3" y="connsiteY3"/>
-                </a:cxn>
-                <a:cxn ang="0">
-                  <a:pos x="connsiteX4" y="connsiteY4"/>
-                </a:cxn>
-                <a:cxn ang="0">
-                  <a:pos x="connsiteX5" y="connsiteY5"/>
-                </a:cxn>
-                <a:cxn ang="0">
-                  <a:pos x="connsiteX6" y="connsiteY6"/>
-                </a:cxn>
-                <a:cxn ang="0">
-                  <a:pos x="connsiteX7" y="connsiteY7"/>
-                </a:cxn>
-                <a:cxn ang="0">
-                  <a:pos x="connsiteX8" y="connsiteY8"/>
-                </a:cxn>
-                <a:cxn ang="0">
-                  <a:pos x="connsiteX9" y="connsiteY9"/>
-                </a:cxn>
-                <a:cxn ang="0">
-                  <a:pos x="connsiteX10" y="connsiteY10"/>
-                </a:cxn>
-                <a:cxn ang="0">
-                  <a:pos x="connsiteX11" y="connsiteY11"/>
-                </a:cxn>
-                <a:cxn ang="0">
-                  <a:pos x="connsiteX12" y="connsiteY12"/>
-                </a:cxn>
-                <a:cxn ang="0">
-                  <a:pos x="connsiteX13" y="connsiteY13"/>
-                </a:cxn>
-                <a:cxn ang="0">
-                  <a:pos x="connsiteX14" y="connsiteY14"/>
-                </a:cxn>
-                <a:cxn ang="0">
-                  <a:pos x="connsiteX15" y="connsiteY15"/>
-                </a:cxn>
-                <a:cxn ang="0">
-                  <a:pos x="connsiteX16" y="connsiteY16"/>
-                </a:cxn>
-                <a:cxn ang="0">
-                  <a:pos x="connsiteX17" y="connsiteY17"/>
-                </a:cxn>
-                <a:cxn ang="0">
-                  <a:pos x="connsiteX18" y="connsiteY18"/>
-                </a:cxn>
-                <a:cxn ang="0">
-                  <a:pos x="connsiteX19" y="connsiteY19"/>
-                </a:cxn>
-                <a:cxn ang="0">
-                  <a:pos x="connsiteX20" y="connsiteY20"/>
-                </a:cxn>
-                <a:cxn ang="0">
-                  <a:pos x="connsiteX21" y="connsiteY21"/>
-                </a:cxn>
-                <a:cxn ang="0">
-                  <a:pos x="connsiteX22" y="connsiteY22"/>
-                </a:cxn>
-              </a:cxnLst>
-              <a:rect l="l" t="t" r="r" b="b"/>
-              <a:pathLst>
-                <a:path w="3631461" h="4515224">
-                  <a:moveTo>
-                    <a:pt x="3547906" y="4515225"/>
-                  </a:moveTo>
-                  <a:lnTo>
-                    <a:pt x="80342" y="4515225"/>
-                  </a:lnTo>
-                  <a:cubicBezTo>
-                    <a:pt x="35351" y="4515225"/>
-                    <a:pt x="0" y="4479875"/>
-                    <a:pt x="0" y="4434883"/>
-                  </a:cubicBezTo>
-                  <a:lnTo>
-                    <a:pt x="0" y="80342"/>
-                  </a:lnTo>
-                  <a:cubicBezTo>
-                    <a:pt x="0" y="35351"/>
-                    <a:pt x="35351" y="0"/>
-                    <a:pt x="80342" y="0"/>
-                  </a:cubicBezTo>
-                  <a:lnTo>
-                    <a:pt x="2731631" y="0"/>
-                  </a:lnTo>
-                  <a:cubicBezTo>
-                    <a:pt x="2776622" y="0"/>
-                    <a:pt x="2811973" y="35351"/>
-                    <a:pt x="2811973" y="80342"/>
-                  </a:cubicBezTo>
-                  <a:cubicBezTo>
-                    <a:pt x="2811973" y="125334"/>
-                    <a:pt x="2776622" y="160684"/>
-                    <a:pt x="2731631" y="160684"/>
-                  </a:cubicBezTo>
-                  <a:lnTo>
-                    <a:pt x="154257" y="160684"/>
-                  </a:lnTo>
-                  <a:lnTo>
-                    <a:pt x="154257" y="4364182"/>
-                  </a:lnTo>
-                  <a:lnTo>
-                    <a:pt x="3470778" y="4364182"/>
-                  </a:lnTo>
-                  <a:lnTo>
-                    <a:pt x="3470778" y="3753582"/>
-                  </a:lnTo>
-                  <a:cubicBezTo>
-                    <a:pt x="3470778" y="3708591"/>
-                    <a:pt x="3506128" y="3673240"/>
-                    <a:pt x="3551120" y="3673240"/>
-                  </a:cubicBezTo>
-                  <a:cubicBezTo>
-                    <a:pt x="3596111" y="3673240"/>
-                    <a:pt x="3631462" y="3708591"/>
-                    <a:pt x="3631462" y="3753582"/>
-                  </a:cubicBezTo>
-                  <a:lnTo>
-                    <a:pt x="3631462" y="4441310"/>
-                  </a:lnTo>
-                  <a:cubicBezTo>
-                    <a:pt x="3625035" y="4479875"/>
-                    <a:pt x="3589684" y="4515225"/>
-                    <a:pt x="3547906" y="4515225"/>
-                  </a:cubicBezTo>
-                  <a:close/>
-                  <a:moveTo>
-                    <a:pt x="3547906" y="1924996"/>
-                  </a:moveTo>
-                  <a:cubicBezTo>
-                    <a:pt x="3502915" y="1924996"/>
-                    <a:pt x="3467564" y="1889646"/>
-                    <a:pt x="3467564" y="1844654"/>
-                  </a:cubicBezTo>
-                  <a:lnTo>
-                    <a:pt x="3467564" y="899831"/>
-                  </a:lnTo>
-                  <a:cubicBezTo>
-                    <a:pt x="3467564" y="858053"/>
-                    <a:pt x="3502915" y="822703"/>
-                    <a:pt x="3547906" y="822703"/>
-                  </a:cubicBezTo>
-                  <a:cubicBezTo>
-                    <a:pt x="3589684" y="822703"/>
-                    <a:pt x="3625035" y="858053"/>
-                    <a:pt x="3625035" y="899831"/>
-                  </a:cubicBezTo>
-                  <a:lnTo>
-                    <a:pt x="3625035" y="1851082"/>
-                  </a:lnTo>
-                  <a:cubicBezTo>
-                    <a:pt x="3625035" y="1889646"/>
-                    <a:pt x="3589684" y="1924996"/>
-                    <a:pt x="3547906" y="1924996"/>
-                  </a:cubicBezTo>
-                  <a:close/>
-                </a:path>
-              </a:pathLst>
-            </a:custGeom>
-            <a:solidFill>
-              <a:schemeClr val="bg1"/>
-            </a:solidFill>
-            <a:ln w="3208" cap="flat">
-              <a:noFill/>
-              <a:prstDash val="solid"/>
-              <a:miter/>
-            </a:ln>
-          </p:spPr>
-          <p:txBody>
-            <a:bodyPr rtlCol="0" anchor="ctr"/>
-            <a:lstStyle/>
-            <a:p>
-              <a:endParaRPr lang="en-IN">
-                <a:latin typeface="Arial" panose="020B0604020202020204" pitchFamily="34" charset="0"/>
-                <a:ea typeface="Calibri" panose="020F0502020204030204" pitchFamily="34" charset="0"/>
-                <a:cs typeface="Arial" panose="020B0604020202020204" pitchFamily="34" charset="0"/>
-              </a:endParaRPr>
-            </a:p>
-          </p:txBody>
-        </p:sp>
-        <p:sp>
-          <p:nvSpPr>
-            <p:cNvPr id="12" name="Freeform: Shape 11">
-              <a:extLst>
-                <a:ext uri="{FF2B5EF4-FFF2-40B4-BE49-F238E27FC236}">
-                  <a16:creationId xmlns:a16="http://schemas.microsoft.com/office/drawing/2014/main" id="{9E851073-C354-59C2-AB55-AA2C46619461}"/>
-                </a:ext>
-              </a:extLst>
-            </p:cNvPr>
-            <p:cNvSpPr/>
-            <p:nvPr/>
-          </p:nvSpPr>
-          <p:spPr>
-            <a:xfrm>
-              <a:off x="774990" y="1900150"/>
-              <a:ext cx="49738" cy="49570"/>
-            </a:xfrm>
-            <a:custGeom>
-              <a:avLst/>
-              <a:gdLst>
-                <a:gd name="connsiteX0" fmla="*/ 896618 w 976385"/>
-                <a:gd name="connsiteY0" fmla="*/ 973076 h 973076"/>
-                <a:gd name="connsiteX1" fmla="*/ 80342 w 976385"/>
-                <a:gd name="connsiteY1" fmla="*/ 973076 h 973076"/>
-                <a:gd name="connsiteX2" fmla="*/ 0 w 976385"/>
-                <a:gd name="connsiteY2" fmla="*/ 892734 h 973076"/>
-                <a:gd name="connsiteX3" fmla="*/ 0 w 976385"/>
-                <a:gd name="connsiteY3" fmla="*/ 76459 h 973076"/>
-                <a:gd name="connsiteX4" fmla="*/ 48205 w 976385"/>
-                <a:gd name="connsiteY4" fmla="*/ 5758 h 973076"/>
-                <a:gd name="connsiteX5" fmla="*/ 131761 w 976385"/>
-                <a:gd name="connsiteY5" fmla="*/ 25040 h 973076"/>
-                <a:gd name="connsiteX6" fmla="*/ 954464 w 976385"/>
-                <a:gd name="connsiteY6" fmla="*/ 844529 h 973076"/>
-                <a:gd name="connsiteX7" fmla="*/ 970532 w 976385"/>
-                <a:gd name="connsiteY7" fmla="*/ 928085 h 973076"/>
-                <a:gd name="connsiteX8" fmla="*/ 896618 w 976385"/>
-                <a:gd name="connsiteY8" fmla="*/ 973076 h 973076"/>
-                <a:gd name="connsiteX9" fmla="*/ 154257 w 976385"/>
-                <a:gd name="connsiteY9" fmla="*/ 818820 h 973076"/>
-                <a:gd name="connsiteX10" fmla="*/ 707010 w 976385"/>
-                <a:gd name="connsiteY10" fmla="*/ 818820 h 973076"/>
-                <a:gd name="connsiteX11" fmla="*/ 154257 w 976385"/>
-                <a:gd name="connsiteY11" fmla="*/ 266066 h 973076"/>
-                <a:gd name="connsiteX12" fmla="*/ 154257 w 976385"/>
-                <a:gd name="connsiteY12" fmla="*/ 818820 h 973076"/>
-              </a:gdLst>
-              <a:ahLst/>
-              <a:cxnLst>
-                <a:cxn ang="0">
-                  <a:pos x="connsiteX0" y="connsiteY0"/>
-                </a:cxn>
-                <a:cxn ang="0">
-                  <a:pos x="connsiteX1" y="connsiteY1"/>
-                </a:cxn>
-                <a:cxn ang="0">
-                  <a:pos x="connsiteX2" y="connsiteY2"/>
-                </a:cxn>
-                <a:cxn ang="0">
-                  <a:pos x="connsiteX3" y="connsiteY3"/>
-                </a:cxn>
-                <a:cxn ang="0">
-                  <a:pos x="connsiteX4" y="connsiteY4"/>
-                </a:cxn>
-                <a:cxn ang="0">
-                  <a:pos x="connsiteX5" y="connsiteY5"/>
-                </a:cxn>
-                <a:cxn ang="0">
-                  <a:pos x="connsiteX6" y="connsiteY6"/>
-                </a:cxn>
-                <a:cxn ang="0">
-                  <a:pos x="connsiteX7" y="connsiteY7"/>
-                </a:cxn>
-                <a:cxn ang="0">
-                  <a:pos x="connsiteX8" y="connsiteY8"/>
-                </a:cxn>
-                <a:cxn ang="0">
-                  <a:pos x="connsiteX9" y="connsiteY9"/>
-                </a:cxn>
-                <a:cxn ang="0">
-                  <a:pos x="connsiteX10" y="connsiteY10"/>
-                </a:cxn>
-                <a:cxn ang="0">
-                  <a:pos x="connsiteX11" y="connsiteY11"/>
-                </a:cxn>
-                <a:cxn ang="0">
-                  <a:pos x="connsiteX12" y="connsiteY12"/>
-                </a:cxn>
-              </a:cxnLst>
-              <a:rect l="l" t="t" r="r" b="b"/>
-              <a:pathLst>
-                <a:path w="976385" h="973076">
-                  <a:moveTo>
-                    <a:pt x="896618" y="973076"/>
-                  </a:moveTo>
-                  <a:lnTo>
-                    <a:pt x="80342" y="973076"/>
-                  </a:lnTo>
-                  <a:cubicBezTo>
-                    <a:pt x="35351" y="973076"/>
-                    <a:pt x="0" y="937726"/>
-                    <a:pt x="0" y="892734"/>
-                  </a:cubicBezTo>
-                  <a:lnTo>
-                    <a:pt x="0" y="76459"/>
-                  </a:lnTo>
-                  <a:cubicBezTo>
-                    <a:pt x="0" y="47536"/>
-                    <a:pt x="16068" y="18612"/>
-                    <a:pt x="48205" y="5758"/>
-                  </a:cubicBezTo>
-                  <a:cubicBezTo>
-                    <a:pt x="80342" y="-7097"/>
-                    <a:pt x="109265" y="2544"/>
-                    <a:pt x="131761" y="25040"/>
-                  </a:cubicBezTo>
-                  <a:lnTo>
-                    <a:pt x="954464" y="844529"/>
-                  </a:lnTo>
-                  <a:cubicBezTo>
-                    <a:pt x="973746" y="867025"/>
-                    <a:pt x="983387" y="902375"/>
-                    <a:pt x="970532" y="928085"/>
-                  </a:cubicBezTo>
-                  <a:cubicBezTo>
-                    <a:pt x="957678" y="957008"/>
-                    <a:pt x="931968" y="973076"/>
-                    <a:pt x="896618" y="973076"/>
-                  </a:cubicBezTo>
-                  <a:close/>
-                  <a:moveTo>
-                    <a:pt x="154257" y="818820"/>
-                  </a:moveTo>
-                  <a:lnTo>
-                    <a:pt x="707010" y="818820"/>
-                  </a:lnTo>
-                  <a:lnTo>
-                    <a:pt x="154257" y="266066"/>
-                  </a:lnTo>
-                  <a:lnTo>
-                    <a:pt x="154257" y="818820"/>
-                  </a:lnTo>
-                  <a:close/>
-                </a:path>
-              </a:pathLst>
-            </a:custGeom>
-            <a:solidFill>
-              <a:schemeClr val="bg1"/>
-            </a:solidFill>
-            <a:ln w="3208" cap="flat">
-              <a:noFill/>
-              <a:prstDash val="solid"/>
-              <a:miter/>
-            </a:ln>
-          </p:spPr>
-          <p:txBody>
-            <a:bodyPr rtlCol="0" anchor="ctr"/>
-            <a:lstStyle/>
-            <a:p>
-              <a:endParaRPr lang="en-IN">
-                <a:latin typeface="Arial" panose="020B0604020202020204" pitchFamily="34" charset="0"/>
-                <a:ea typeface="Calibri" panose="020F0502020204030204" pitchFamily="34" charset="0"/>
-                <a:cs typeface="Arial" panose="020B0604020202020204" pitchFamily="34" charset="0"/>
-              </a:endParaRPr>
-            </a:p>
-          </p:txBody>
-        </p:sp>
-        <p:sp>
-          <p:nvSpPr>
-            <p:cNvPr id="13" name="Freeform: Shape 12">
-              <a:extLst>
-                <a:ext uri="{FF2B5EF4-FFF2-40B4-BE49-F238E27FC236}">
-                  <a16:creationId xmlns:a16="http://schemas.microsoft.com/office/drawing/2014/main" id="{D0A810BD-09A1-9412-6C7E-EF2332B566B9}"/>
-                </a:ext>
-              </a:extLst>
-            </p:cNvPr>
-            <p:cNvSpPr/>
-            <p:nvPr/>
-          </p:nvSpPr>
-          <p:spPr>
-            <a:xfrm>
-              <a:off x="611281" y="1871630"/>
-              <a:ext cx="157324" cy="218388"/>
-            </a:xfrm>
-            <a:custGeom>
-              <a:avLst/>
-              <a:gdLst>
-                <a:gd name="connsiteX0" fmla="*/ 642737 w 3088349"/>
-                <a:gd name="connsiteY0" fmla="*/ 4287054 h 4287053"/>
-                <a:gd name="connsiteX1" fmla="*/ 80342 w 3088349"/>
-                <a:gd name="connsiteY1" fmla="*/ 4287054 h 4287053"/>
-                <a:gd name="connsiteX2" fmla="*/ 0 w 3088349"/>
-                <a:gd name="connsiteY2" fmla="*/ 4206712 h 4287053"/>
-                <a:gd name="connsiteX3" fmla="*/ 0 w 3088349"/>
-                <a:gd name="connsiteY3" fmla="*/ 80342 h 4287053"/>
-                <a:gd name="connsiteX4" fmla="*/ 80342 w 3088349"/>
-                <a:gd name="connsiteY4" fmla="*/ 0 h 4287053"/>
-                <a:gd name="connsiteX5" fmla="*/ 3008007 w 3088349"/>
-                <a:gd name="connsiteY5" fmla="*/ 0 h 4287053"/>
-                <a:gd name="connsiteX6" fmla="*/ 3088350 w 3088349"/>
-                <a:gd name="connsiteY6" fmla="*/ 80342 h 4287053"/>
-                <a:gd name="connsiteX7" fmla="*/ 3088350 w 3088349"/>
-                <a:gd name="connsiteY7" fmla="*/ 636309 h 4287053"/>
-                <a:gd name="connsiteX8" fmla="*/ 3008007 w 3088349"/>
-                <a:gd name="connsiteY8" fmla="*/ 716651 h 4287053"/>
-                <a:gd name="connsiteX9" fmla="*/ 2927665 w 3088349"/>
-                <a:gd name="connsiteY9" fmla="*/ 636309 h 4287053"/>
-                <a:gd name="connsiteX10" fmla="*/ 2927665 w 3088349"/>
-                <a:gd name="connsiteY10" fmla="*/ 157470 h 4287053"/>
-                <a:gd name="connsiteX11" fmla="*/ 160684 w 3088349"/>
-                <a:gd name="connsiteY11" fmla="*/ 157470 h 4287053"/>
-                <a:gd name="connsiteX12" fmla="*/ 160684 w 3088349"/>
-                <a:gd name="connsiteY12" fmla="*/ 4126369 h 4287053"/>
-                <a:gd name="connsiteX13" fmla="*/ 642737 w 3088349"/>
-                <a:gd name="connsiteY13" fmla="*/ 4126369 h 4287053"/>
-                <a:gd name="connsiteX14" fmla="*/ 723079 w 3088349"/>
-                <a:gd name="connsiteY14" fmla="*/ 4206712 h 4287053"/>
-                <a:gd name="connsiteX15" fmla="*/ 642737 w 3088349"/>
-                <a:gd name="connsiteY15" fmla="*/ 4287054 h 4287053"/>
-              </a:gdLst>
-              <a:ahLst/>
-              <a:cxnLst>
-                <a:cxn ang="0">
-                  <a:pos x="connsiteX0" y="connsiteY0"/>
-                </a:cxn>
-                <a:cxn ang="0">
-                  <a:pos x="connsiteX1" y="connsiteY1"/>
-                </a:cxn>
-                <a:cxn ang="0">
-                  <a:pos x="connsiteX2" y="connsiteY2"/>
-                </a:cxn>
-                <a:cxn ang="0">
-                  <a:pos x="connsiteX3" y="connsiteY3"/>
-                </a:cxn>
-                <a:cxn ang="0">
-                  <a:pos x="connsiteX4" y="connsiteY4"/>
-                </a:cxn>
-                <a:cxn ang="0">
-                  <a:pos x="connsiteX5" y="connsiteY5"/>
-                </a:cxn>
-                <a:cxn ang="0">
-                  <a:pos x="connsiteX6" y="connsiteY6"/>
-                </a:cxn>
-                <a:cxn ang="0">
-                  <a:pos x="connsiteX7" y="connsiteY7"/>
-                </a:cxn>
-                <a:cxn ang="0">
-                  <a:pos x="connsiteX8" y="connsiteY8"/>
-                </a:cxn>
-                <a:cxn ang="0">
-                  <a:pos x="connsiteX9" y="connsiteY9"/>
-                </a:cxn>
-                <a:cxn ang="0">
-                  <a:pos x="connsiteX10" y="connsiteY10"/>
-                </a:cxn>
-                <a:cxn ang="0">
-                  <a:pos x="connsiteX11" y="connsiteY11"/>
-                </a:cxn>
-                <a:cxn ang="0">
-                  <a:pos x="connsiteX12" y="connsiteY12"/>
-                </a:cxn>
-                <a:cxn ang="0">
-                  <a:pos x="connsiteX13" y="connsiteY13"/>
-                </a:cxn>
-                <a:cxn ang="0">
-                  <a:pos x="connsiteX14" y="connsiteY14"/>
-                </a:cxn>
-                <a:cxn ang="0">
-                  <a:pos x="connsiteX15" y="connsiteY15"/>
-                </a:cxn>
-              </a:cxnLst>
-              <a:rect l="l" t="t" r="r" b="b"/>
-              <a:pathLst>
-                <a:path w="3088349" h="4287053">
-                  <a:moveTo>
-                    <a:pt x="642737" y="4287054"/>
-                  </a:moveTo>
-                  <a:lnTo>
-                    <a:pt x="80342" y="4287054"/>
-                  </a:lnTo>
-                  <a:cubicBezTo>
-                    <a:pt x="35351" y="4287054"/>
-                    <a:pt x="0" y="4251703"/>
-                    <a:pt x="0" y="4206712"/>
-                  </a:cubicBezTo>
-                  <a:lnTo>
-                    <a:pt x="0" y="80342"/>
-                  </a:lnTo>
-                  <a:cubicBezTo>
-                    <a:pt x="0" y="35351"/>
-                    <a:pt x="35351" y="0"/>
-                    <a:pt x="80342" y="0"/>
-                  </a:cubicBezTo>
-                  <a:lnTo>
-                    <a:pt x="3008007" y="0"/>
-                  </a:lnTo>
-                  <a:cubicBezTo>
-                    <a:pt x="3052999" y="0"/>
-                    <a:pt x="3088350" y="35351"/>
-                    <a:pt x="3088350" y="80342"/>
-                  </a:cubicBezTo>
-                  <a:lnTo>
-                    <a:pt x="3088350" y="636309"/>
-                  </a:lnTo>
-                  <a:cubicBezTo>
-                    <a:pt x="3088350" y="681301"/>
-                    <a:pt x="3052999" y="716651"/>
-                    <a:pt x="3008007" y="716651"/>
-                  </a:cubicBezTo>
-                  <a:cubicBezTo>
-                    <a:pt x="2963016" y="716651"/>
-                    <a:pt x="2927665" y="681301"/>
-                    <a:pt x="2927665" y="636309"/>
-                  </a:cubicBezTo>
-                  <a:lnTo>
-                    <a:pt x="2927665" y="157470"/>
-                  </a:lnTo>
-                  <a:lnTo>
-                    <a:pt x="160684" y="157470"/>
-                  </a:lnTo>
-                  <a:lnTo>
-                    <a:pt x="160684" y="4126369"/>
-                  </a:lnTo>
-                  <a:lnTo>
-                    <a:pt x="642737" y="4126369"/>
-                  </a:lnTo>
-                  <a:cubicBezTo>
-                    <a:pt x="687728" y="4126369"/>
-                    <a:pt x="723079" y="4161720"/>
-                    <a:pt x="723079" y="4206712"/>
-                  </a:cubicBezTo>
-                  <a:cubicBezTo>
-                    <a:pt x="723079" y="4251703"/>
-                    <a:pt x="681301" y="4287054"/>
-                    <a:pt x="642737" y="4287054"/>
-                  </a:cubicBezTo>
-                  <a:close/>
-                </a:path>
-              </a:pathLst>
-            </a:custGeom>
-            <a:solidFill>
-              <a:schemeClr val="bg1"/>
-            </a:solidFill>
-            <a:ln w="3208" cap="flat">
-              <a:noFill/>
-              <a:prstDash val="solid"/>
-              <a:miter/>
-            </a:ln>
-          </p:spPr>
-          <p:txBody>
-            <a:bodyPr rtlCol="0" anchor="ctr"/>
-            <a:lstStyle/>
-            <a:p>
-              <a:endParaRPr lang="en-IN">
-                <a:latin typeface="Arial" panose="020B0604020202020204" pitchFamily="34" charset="0"/>
-                <a:ea typeface="Calibri" panose="020F0502020204030204" pitchFamily="34" charset="0"/>
-                <a:cs typeface="Arial" panose="020B0604020202020204" pitchFamily="34" charset="0"/>
-              </a:endParaRPr>
-            </a:p>
-          </p:txBody>
-        </p:sp>
-        <p:sp>
-          <p:nvSpPr>
-            <p:cNvPr id="14" name="Freeform: Shape 13">
-              <a:extLst>
-                <a:ext uri="{FF2B5EF4-FFF2-40B4-BE49-F238E27FC236}">
-                  <a16:creationId xmlns:a16="http://schemas.microsoft.com/office/drawing/2014/main" id="{C3D5A122-92D8-DF26-7340-07F6A2B8348F}"/>
-                </a:ext>
-              </a:extLst>
-            </p:cNvPr>
-            <p:cNvSpPr/>
-            <p:nvPr/>
-          </p:nvSpPr>
-          <p:spPr>
-            <a:xfrm>
-              <a:off x="713926" y="1963880"/>
-              <a:ext cx="119221" cy="119262"/>
-            </a:xfrm>
-            <a:custGeom>
-              <a:avLst/>
-              <a:gdLst>
-                <a:gd name="connsiteX0" fmla="*/ 1169781 w 2340364"/>
-                <a:gd name="connsiteY0" fmla="*/ 2341168 h 2341168"/>
-                <a:gd name="connsiteX1" fmla="*/ 343864 w 2340364"/>
-                <a:gd name="connsiteY1" fmla="*/ 2000518 h 2341168"/>
-                <a:gd name="connsiteX2" fmla="*/ 0 w 2340364"/>
-                <a:gd name="connsiteY2" fmla="*/ 1171388 h 2341168"/>
-                <a:gd name="connsiteX3" fmla="*/ 343864 w 2340364"/>
-                <a:gd name="connsiteY3" fmla="*/ 342257 h 2341168"/>
-                <a:gd name="connsiteX4" fmla="*/ 1995697 w 2340364"/>
-                <a:gd name="connsiteY4" fmla="*/ 342257 h 2341168"/>
-                <a:gd name="connsiteX5" fmla="*/ 1995697 w 2340364"/>
-                <a:gd name="connsiteY5" fmla="*/ 2000518 h 2341168"/>
-                <a:gd name="connsiteX6" fmla="*/ 1169781 w 2340364"/>
-                <a:gd name="connsiteY6" fmla="*/ 2341168 h 2341168"/>
-                <a:gd name="connsiteX7" fmla="*/ 1169781 w 2340364"/>
-                <a:gd name="connsiteY7" fmla="*/ 159077 h 2341168"/>
-                <a:gd name="connsiteX8" fmla="*/ 453129 w 2340364"/>
-                <a:gd name="connsiteY8" fmla="*/ 451523 h 2341168"/>
-                <a:gd name="connsiteX9" fmla="*/ 453129 w 2340364"/>
-                <a:gd name="connsiteY9" fmla="*/ 1888039 h 2341168"/>
-                <a:gd name="connsiteX10" fmla="*/ 1169781 w 2340364"/>
-                <a:gd name="connsiteY10" fmla="*/ 2186912 h 2341168"/>
-                <a:gd name="connsiteX11" fmla="*/ 1889646 w 2340364"/>
-                <a:gd name="connsiteY11" fmla="*/ 1888039 h 2341168"/>
-                <a:gd name="connsiteX12" fmla="*/ 1889646 w 2340364"/>
-                <a:gd name="connsiteY12" fmla="*/ 451523 h 2341168"/>
-                <a:gd name="connsiteX13" fmla="*/ 1169781 w 2340364"/>
-                <a:gd name="connsiteY13" fmla="*/ 159077 h 2341168"/>
-              </a:gdLst>
-              <a:ahLst/>
-              <a:cxnLst>
-                <a:cxn ang="0">
-                  <a:pos x="connsiteX0" y="connsiteY0"/>
-                </a:cxn>
-                <a:cxn ang="0">
-                  <a:pos x="connsiteX1" y="connsiteY1"/>
-                </a:cxn>
-                <a:cxn ang="0">
-                  <a:pos x="connsiteX2" y="connsiteY2"/>
-                </a:cxn>
-                <a:cxn ang="0">
-                  <a:pos x="connsiteX3" y="connsiteY3"/>
-                </a:cxn>
-                <a:cxn ang="0">
-                  <a:pos x="connsiteX4" y="connsiteY4"/>
-                </a:cxn>
-                <a:cxn ang="0">
-                  <a:pos x="connsiteX5" y="connsiteY5"/>
-                </a:cxn>
-                <a:cxn ang="0">
-                  <a:pos x="connsiteX6" y="connsiteY6"/>
-                </a:cxn>
-                <a:cxn ang="0">
-                  <a:pos x="connsiteX7" y="connsiteY7"/>
-                </a:cxn>
-                <a:cxn ang="0">
-                  <a:pos x="connsiteX8" y="connsiteY8"/>
-                </a:cxn>
-                <a:cxn ang="0">
-                  <a:pos x="connsiteX9" y="connsiteY9"/>
-                </a:cxn>
-                <a:cxn ang="0">
-                  <a:pos x="connsiteX10" y="connsiteY10"/>
-                </a:cxn>
-                <a:cxn ang="0">
-                  <a:pos x="connsiteX11" y="connsiteY11"/>
-                </a:cxn>
-                <a:cxn ang="0">
-                  <a:pos x="connsiteX12" y="connsiteY12"/>
-                </a:cxn>
-                <a:cxn ang="0">
-                  <a:pos x="connsiteX13" y="connsiteY13"/>
-                </a:cxn>
-              </a:cxnLst>
-              <a:rect l="l" t="t" r="r" b="b"/>
-              <a:pathLst>
-                <a:path w="2340364" h="2341168">
-                  <a:moveTo>
-                    <a:pt x="1169781" y="2341168"/>
-                  </a:moveTo>
-                  <a:cubicBezTo>
-                    <a:pt x="858053" y="2341168"/>
-                    <a:pt x="565608" y="2222262"/>
-                    <a:pt x="343864" y="2000518"/>
-                  </a:cubicBezTo>
-                  <a:cubicBezTo>
-                    <a:pt x="118906" y="1775560"/>
-                    <a:pt x="0" y="1483115"/>
-                    <a:pt x="0" y="1171388"/>
-                  </a:cubicBezTo>
-                  <a:cubicBezTo>
-                    <a:pt x="0" y="859660"/>
-                    <a:pt x="118906" y="564001"/>
-                    <a:pt x="343864" y="342257"/>
-                  </a:cubicBezTo>
-                  <a:cubicBezTo>
-                    <a:pt x="796993" y="-114086"/>
-                    <a:pt x="1542568" y="-114086"/>
-                    <a:pt x="1995697" y="342257"/>
-                  </a:cubicBezTo>
-                  <a:cubicBezTo>
-                    <a:pt x="2455254" y="801814"/>
-                    <a:pt x="2455254" y="1544175"/>
-                    <a:pt x="1995697" y="2000518"/>
-                  </a:cubicBezTo>
-                  <a:cubicBezTo>
-                    <a:pt x="1777167" y="2222262"/>
-                    <a:pt x="1484722" y="2341168"/>
-                    <a:pt x="1169781" y="2341168"/>
-                  </a:cubicBezTo>
-                  <a:close/>
-                  <a:moveTo>
-                    <a:pt x="1169781" y="159077"/>
-                  </a:moveTo>
-                  <a:cubicBezTo>
-                    <a:pt x="912686" y="159077"/>
-                    <a:pt x="655591" y="255488"/>
-                    <a:pt x="453129" y="451523"/>
-                  </a:cubicBezTo>
-                  <a:cubicBezTo>
-                    <a:pt x="57846" y="850019"/>
-                    <a:pt x="57846" y="1492756"/>
-                    <a:pt x="453129" y="1888039"/>
-                  </a:cubicBezTo>
-                  <a:cubicBezTo>
-                    <a:pt x="645950" y="2080860"/>
-                    <a:pt x="899831" y="2186912"/>
-                    <a:pt x="1169781" y="2186912"/>
-                  </a:cubicBezTo>
-                  <a:cubicBezTo>
-                    <a:pt x="1442944" y="2186912"/>
-                    <a:pt x="1696825" y="2080860"/>
-                    <a:pt x="1889646" y="1888039"/>
-                  </a:cubicBezTo>
-                  <a:cubicBezTo>
-                    <a:pt x="2284929" y="1492756"/>
-                    <a:pt x="2284929" y="850019"/>
-                    <a:pt x="1889646" y="451523"/>
-                  </a:cubicBezTo>
-                  <a:cubicBezTo>
-                    <a:pt x="1687184" y="255488"/>
-                    <a:pt x="1430089" y="159077"/>
-                    <a:pt x="1169781" y="159077"/>
-                  </a:cubicBezTo>
-                  <a:close/>
-                </a:path>
-              </a:pathLst>
-            </a:custGeom>
-            <a:solidFill>
-              <a:schemeClr val="bg1"/>
-            </a:solidFill>
-            <a:ln w="3208" cap="flat">
-              <a:noFill/>
-              <a:prstDash val="solid"/>
-              <a:miter/>
-            </a:ln>
-          </p:spPr>
-          <p:txBody>
-            <a:bodyPr rtlCol="0" anchor="ctr"/>
-            <a:lstStyle/>
-            <a:p>
-              <a:endParaRPr lang="en-IN">
-                <a:latin typeface="Arial" panose="020B0604020202020204" pitchFamily="34" charset="0"/>
-                <a:ea typeface="Calibri" panose="020F0502020204030204" pitchFamily="34" charset="0"/>
-                <a:cs typeface="Arial" panose="020B0604020202020204" pitchFamily="34" charset="0"/>
-              </a:endParaRPr>
-            </a:p>
-          </p:txBody>
-        </p:sp>
-        <p:sp>
-          <p:nvSpPr>
-            <p:cNvPr id="15" name="Freeform: Shape 14">
-              <a:extLst>
-                <a:ext uri="{FF2B5EF4-FFF2-40B4-BE49-F238E27FC236}">
-                  <a16:creationId xmlns:a16="http://schemas.microsoft.com/office/drawing/2014/main" id="{AF4BF2EC-92EA-210B-2556-244696AEC9A5}"/>
-                </a:ext>
-              </a:extLst>
-            </p:cNvPr>
-            <p:cNvSpPr/>
-            <p:nvPr/>
-          </p:nvSpPr>
-          <p:spPr>
-            <a:xfrm>
-              <a:off x="814280" y="2064152"/>
-              <a:ext cx="76452" cy="76780"/>
-            </a:xfrm>
-            <a:custGeom>
-              <a:avLst/>
-              <a:gdLst>
-                <a:gd name="connsiteX0" fmla="*/ 1073370 w 1500789"/>
-                <a:gd name="connsiteY0" fmla="*/ 1507217 h 1507217"/>
-                <a:gd name="connsiteX1" fmla="*/ 935182 w 1500789"/>
-                <a:gd name="connsiteY1" fmla="*/ 1449371 h 1507217"/>
-                <a:gd name="connsiteX2" fmla="*/ 57846 w 1500789"/>
-                <a:gd name="connsiteY2" fmla="*/ 568822 h 1507217"/>
-                <a:gd name="connsiteX3" fmla="*/ 0 w 1500789"/>
-                <a:gd name="connsiteY3" fmla="*/ 430634 h 1507217"/>
-                <a:gd name="connsiteX4" fmla="*/ 57846 w 1500789"/>
-                <a:gd name="connsiteY4" fmla="*/ 292445 h 1507217"/>
-                <a:gd name="connsiteX5" fmla="*/ 292445 w 1500789"/>
-                <a:gd name="connsiteY5" fmla="*/ 57846 h 1507217"/>
-                <a:gd name="connsiteX6" fmla="*/ 565608 w 1500789"/>
-                <a:gd name="connsiteY6" fmla="*/ 57846 h 1507217"/>
-                <a:gd name="connsiteX7" fmla="*/ 1442944 w 1500789"/>
-                <a:gd name="connsiteY7" fmla="*/ 935182 h 1507217"/>
-                <a:gd name="connsiteX8" fmla="*/ 1442944 w 1500789"/>
-                <a:gd name="connsiteY8" fmla="*/ 1208345 h 1507217"/>
-                <a:gd name="connsiteX9" fmla="*/ 1205131 w 1500789"/>
-                <a:gd name="connsiteY9" fmla="*/ 1442944 h 1507217"/>
-                <a:gd name="connsiteX10" fmla="*/ 1073370 w 1500789"/>
-                <a:gd name="connsiteY10" fmla="*/ 1507217 h 1507217"/>
-                <a:gd name="connsiteX11" fmla="*/ 430634 w 1500789"/>
-                <a:gd name="connsiteY11" fmla="*/ 160684 h 1507217"/>
-                <a:gd name="connsiteX12" fmla="*/ 404924 w 1500789"/>
-                <a:gd name="connsiteY12" fmla="*/ 170325 h 1507217"/>
-                <a:gd name="connsiteX13" fmla="*/ 167112 w 1500789"/>
-                <a:gd name="connsiteY13" fmla="*/ 404924 h 1507217"/>
-                <a:gd name="connsiteX14" fmla="*/ 167112 w 1500789"/>
-                <a:gd name="connsiteY14" fmla="*/ 459557 h 1507217"/>
-                <a:gd name="connsiteX15" fmla="*/ 1047661 w 1500789"/>
-                <a:gd name="connsiteY15" fmla="*/ 1336892 h 1507217"/>
-                <a:gd name="connsiteX16" fmla="*/ 1099080 w 1500789"/>
-                <a:gd name="connsiteY16" fmla="*/ 1336892 h 1507217"/>
-                <a:gd name="connsiteX17" fmla="*/ 1336892 w 1500789"/>
-                <a:gd name="connsiteY17" fmla="*/ 1099080 h 1507217"/>
-                <a:gd name="connsiteX18" fmla="*/ 1336892 w 1500789"/>
-                <a:gd name="connsiteY18" fmla="*/ 1047661 h 1507217"/>
-                <a:gd name="connsiteX19" fmla="*/ 459557 w 1500789"/>
-                <a:gd name="connsiteY19" fmla="*/ 170325 h 1507217"/>
-                <a:gd name="connsiteX20" fmla="*/ 430634 w 1500789"/>
-                <a:gd name="connsiteY20" fmla="*/ 160684 h 1507217"/>
-              </a:gdLst>
-              <a:ahLst/>
-              <a:cxnLst>
-                <a:cxn ang="0">
-                  <a:pos x="connsiteX0" y="connsiteY0"/>
-                </a:cxn>
-                <a:cxn ang="0">
-                  <a:pos x="connsiteX1" y="connsiteY1"/>
-                </a:cxn>
-                <a:cxn ang="0">
-                  <a:pos x="connsiteX2" y="connsiteY2"/>
-                </a:cxn>
-                <a:cxn ang="0">
-                  <a:pos x="connsiteX3" y="connsiteY3"/>
-                </a:cxn>
-                <a:cxn ang="0">
-                  <a:pos x="connsiteX4" y="connsiteY4"/>
-                </a:cxn>
-                <a:cxn ang="0">
-                  <a:pos x="connsiteX5" y="connsiteY5"/>
-                </a:cxn>
-                <a:cxn ang="0">
-                  <a:pos x="connsiteX6" y="connsiteY6"/>
-                </a:cxn>
-                <a:cxn ang="0">
-                  <a:pos x="connsiteX7" y="connsiteY7"/>
-                </a:cxn>
-                <a:cxn ang="0">
-                  <a:pos x="connsiteX8" y="connsiteY8"/>
-                </a:cxn>
-                <a:cxn ang="0">
-                  <a:pos x="connsiteX9" y="connsiteY9"/>
-                </a:cxn>
-                <a:cxn ang="0">
-                  <a:pos x="connsiteX10" y="connsiteY10"/>
-                </a:cxn>
-                <a:cxn ang="0">
-                  <a:pos x="connsiteX11" y="connsiteY11"/>
-                </a:cxn>
-                <a:cxn ang="0">
-                  <a:pos x="connsiteX12" y="connsiteY12"/>
-                </a:cxn>
-                <a:cxn ang="0">
-                  <a:pos x="connsiteX13" y="connsiteY13"/>
-                </a:cxn>
-                <a:cxn ang="0">
-                  <a:pos x="connsiteX14" y="connsiteY14"/>
-                </a:cxn>
-                <a:cxn ang="0">
-                  <a:pos x="connsiteX15" y="connsiteY15"/>
-                </a:cxn>
-                <a:cxn ang="0">
-                  <a:pos x="connsiteX16" y="connsiteY16"/>
-                </a:cxn>
-                <a:cxn ang="0">
-                  <a:pos x="connsiteX17" y="connsiteY17"/>
-                </a:cxn>
-                <a:cxn ang="0">
-                  <a:pos x="connsiteX18" y="connsiteY18"/>
-                </a:cxn>
-                <a:cxn ang="0">
-                  <a:pos x="connsiteX19" y="connsiteY19"/>
-                </a:cxn>
-                <a:cxn ang="0">
-                  <a:pos x="connsiteX20" y="connsiteY20"/>
-                </a:cxn>
-              </a:cxnLst>
-              <a:rect l="l" t="t" r="r" b="b"/>
-              <a:pathLst>
-                <a:path w="1500789" h="1507217">
-                  <a:moveTo>
-                    <a:pt x="1073370" y="1507217"/>
-                  </a:moveTo>
-                  <a:cubicBezTo>
-                    <a:pt x="1018738" y="1507217"/>
-                    <a:pt x="970532" y="1484722"/>
-                    <a:pt x="935182" y="1449371"/>
-                  </a:cubicBezTo>
-                  <a:lnTo>
-                    <a:pt x="57846" y="568822"/>
-                  </a:lnTo>
-                  <a:cubicBezTo>
-                    <a:pt x="22496" y="533471"/>
-                    <a:pt x="0" y="485266"/>
-                    <a:pt x="0" y="430634"/>
-                  </a:cubicBezTo>
-                  <a:cubicBezTo>
-                    <a:pt x="0" y="379215"/>
-                    <a:pt x="22496" y="331009"/>
-                    <a:pt x="57846" y="292445"/>
-                  </a:cubicBezTo>
-                  <a:lnTo>
-                    <a:pt x="292445" y="57846"/>
-                  </a:lnTo>
-                  <a:cubicBezTo>
-                    <a:pt x="369574" y="-19282"/>
-                    <a:pt x="494907" y="-19282"/>
-                    <a:pt x="565608" y="57846"/>
-                  </a:cubicBezTo>
-                  <a:lnTo>
-                    <a:pt x="1442944" y="935182"/>
-                  </a:lnTo>
-                  <a:cubicBezTo>
-                    <a:pt x="1520072" y="1012310"/>
-                    <a:pt x="1520072" y="1137644"/>
-                    <a:pt x="1442944" y="1208345"/>
-                  </a:cubicBezTo>
-                  <a:lnTo>
-                    <a:pt x="1205131" y="1442944"/>
-                  </a:lnTo>
-                  <a:cubicBezTo>
-                    <a:pt x="1176208" y="1487935"/>
-                    <a:pt x="1128003" y="1507217"/>
-                    <a:pt x="1073370" y="1507217"/>
-                  </a:cubicBezTo>
-                  <a:close/>
-                  <a:moveTo>
-                    <a:pt x="430634" y="160684"/>
-                  </a:moveTo>
-                  <a:cubicBezTo>
-                    <a:pt x="420992" y="160684"/>
-                    <a:pt x="414565" y="163898"/>
-                    <a:pt x="404924" y="170325"/>
-                  </a:cubicBezTo>
-                  <a:lnTo>
-                    <a:pt x="167112" y="404924"/>
-                  </a:lnTo>
-                  <a:cubicBezTo>
-                    <a:pt x="154257" y="417779"/>
-                    <a:pt x="154257" y="446702"/>
-                    <a:pt x="167112" y="459557"/>
-                  </a:cubicBezTo>
-                  <a:lnTo>
-                    <a:pt x="1047661" y="1336892"/>
-                  </a:lnTo>
-                  <a:cubicBezTo>
-                    <a:pt x="1060515" y="1349747"/>
-                    <a:pt x="1086225" y="1349747"/>
-                    <a:pt x="1099080" y="1336892"/>
-                  </a:cubicBezTo>
-                  <a:lnTo>
-                    <a:pt x="1336892" y="1099080"/>
-                  </a:lnTo>
-                  <a:cubicBezTo>
-                    <a:pt x="1349747" y="1086225"/>
-                    <a:pt x="1349747" y="1060516"/>
-                    <a:pt x="1336892" y="1047661"/>
-                  </a:cubicBezTo>
-                  <a:lnTo>
-                    <a:pt x="459557" y="170325"/>
-                  </a:lnTo>
-                  <a:cubicBezTo>
-                    <a:pt x="449916" y="163898"/>
-                    <a:pt x="440275" y="160684"/>
-                    <a:pt x="430634" y="160684"/>
-                  </a:cubicBezTo>
-                  <a:close/>
-                </a:path>
-              </a:pathLst>
-            </a:custGeom>
-            <a:solidFill>
-              <a:schemeClr val="bg1"/>
-            </a:solidFill>
-            <a:ln w="3208" cap="flat">
-              <a:noFill/>
-              <a:prstDash val="solid"/>
-              <a:miter/>
-            </a:ln>
-          </p:spPr>
-          <p:txBody>
-            <a:bodyPr rtlCol="0" anchor="ctr"/>
-            <a:lstStyle/>
-            <a:p>
-              <a:endParaRPr lang="en-IN">
-                <a:latin typeface="Arial" panose="020B0604020202020204" pitchFamily="34" charset="0"/>
-                <a:ea typeface="Calibri" panose="020F0502020204030204" pitchFamily="34" charset="0"/>
-                <a:cs typeface="Arial" panose="020B0604020202020204" pitchFamily="34" charset="0"/>
-              </a:endParaRPr>
-            </a:p>
-          </p:txBody>
-        </p:sp>
-        <p:sp>
-          <p:nvSpPr>
-            <p:cNvPr id="16" name="Freeform: Shape 15">
-              <a:extLst>
-                <a:ext uri="{FF2B5EF4-FFF2-40B4-BE49-F238E27FC236}">
-                  <a16:creationId xmlns:a16="http://schemas.microsoft.com/office/drawing/2014/main" id="{E5DC0879-6A48-B241-240D-CD1CFFA900BB}"/>
-                </a:ext>
-              </a:extLst>
-            </p:cNvPr>
-            <p:cNvSpPr/>
-            <p:nvPr/>
-          </p:nvSpPr>
-          <p:spPr>
-            <a:xfrm>
-              <a:off x="808959" y="2058832"/>
-              <a:ext cx="21282" cy="21200"/>
-            </a:xfrm>
-            <a:custGeom>
-              <a:avLst/>
-              <a:gdLst>
-                <a:gd name="connsiteX0" fmla="*/ 335830 w 417778"/>
-                <a:gd name="connsiteY0" fmla="*/ 416172 h 416171"/>
-                <a:gd name="connsiteX1" fmla="*/ 281197 w 417778"/>
-                <a:gd name="connsiteY1" fmla="*/ 393676 h 416171"/>
-                <a:gd name="connsiteX2" fmla="*/ 24103 w 417778"/>
-                <a:gd name="connsiteY2" fmla="*/ 136582 h 416171"/>
-                <a:gd name="connsiteX3" fmla="*/ 24103 w 417778"/>
-                <a:gd name="connsiteY3" fmla="*/ 24103 h 416171"/>
-                <a:gd name="connsiteX4" fmla="*/ 133368 w 417778"/>
-                <a:gd name="connsiteY4" fmla="*/ 24103 h 416171"/>
-                <a:gd name="connsiteX5" fmla="*/ 393676 w 417778"/>
-                <a:gd name="connsiteY5" fmla="*/ 281197 h 416171"/>
-                <a:gd name="connsiteX6" fmla="*/ 393676 w 417778"/>
-                <a:gd name="connsiteY6" fmla="*/ 393676 h 416171"/>
-                <a:gd name="connsiteX7" fmla="*/ 335830 w 417778"/>
-                <a:gd name="connsiteY7" fmla="*/ 416172 h 416171"/>
-              </a:gdLst>
-              <a:ahLst/>
-              <a:cxnLst>
-                <a:cxn ang="0">
-                  <a:pos x="connsiteX0" y="connsiteY0"/>
-                </a:cxn>
-                <a:cxn ang="0">
-                  <a:pos x="connsiteX1" y="connsiteY1"/>
-                </a:cxn>
-                <a:cxn ang="0">
-                  <a:pos x="connsiteX2" y="connsiteY2"/>
-                </a:cxn>
-                <a:cxn ang="0">
-                  <a:pos x="connsiteX3" y="connsiteY3"/>
-                </a:cxn>
-                <a:cxn ang="0">
-                  <a:pos x="connsiteX4" y="connsiteY4"/>
-                </a:cxn>
-                <a:cxn ang="0">
-                  <a:pos x="connsiteX5" y="connsiteY5"/>
-                </a:cxn>
-                <a:cxn ang="0">
-                  <a:pos x="connsiteX6" y="connsiteY6"/>
-                </a:cxn>
-                <a:cxn ang="0">
-                  <a:pos x="connsiteX7" y="connsiteY7"/>
-                </a:cxn>
-              </a:cxnLst>
-              <a:rect l="l" t="t" r="r" b="b"/>
-              <a:pathLst>
-                <a:path w="417778" h="416171">
-                  <a:moveTo>
-                    <a:pt x="335830" y="416172"/>
-                  </a:moveTo>
-                  <a:cubicBezTo>
-                    <a:pt x="316548" y="416172"/>
-                    <a:pt x="294052" y="406531"/>
-                    <a:pt x="281197" y="393676"/>
-                  </a:cubicBezTo>
-                  <a:lnTo>
-                    <a:pt x="24103" y="136582"/>
-                  </a:lnTo>
-                  <a:cubicBezTo>
-                    <a:pt x="-8034" y="104445"/>
-                    <a:pt x="-8034" y="56239"/>
-                    <a:pt x="24103" y="24103"/>
-                  </a:cubicBezTo>
-                  <a:cubicBezTo>
-                    <a:pt x="53026" y="-8034"/>
-                    <a:pt x="104445" y="-8034"/>
-                    <a:pt x="133368" y="24103"/>
-                  </a:cubicBezTo>
-                  <a:lnTo>
-                    <a:pt x="393676" y="281197"/>
-                  </a:lnTo>
-                  <a:cubicBezTo>
-                    <a:pt x="425813" y="313334"/>
-                    <a:pt x="425813" y="361539"/>
-                    <a:pt x="393676" y="393676"/>
-                  </a:cubicBezTo>
-                  <a:cubicBezTo>
-                    <a:pt x="371180" y="406531"/>
-                    <a:pt x="351898" y="416172"/>
-                    <a:pt x="335830" y="416172"/>
-                  </a:cubicBezTo>
-                  <a:close/>
-                </a:path>
-              </a:pathLst>
-            </a:custGeom>
-            <a:solidFill>
-              <a:schemeClr val="bg1"/>
-            </a:solidFill>
-            <a:ln w="3208" cap="flat">
-              <a:noFill/>
-              <a:prstDash val="solid"/>
-              <a:miter/>
-            </a:ln>
-          </p:spPr>
-          <p:txBody>
-            <a:bodyPr rtlCol="0" anchor="ctr"/>
-            <a:lstStyle/>
-            <a:p>
-              <a:endParaRPr lang="en-IN">
-                <a:latin typeface="Arial" panose="020B0604020202020204" pitchFamily="34" charset="0"/>
-                <a:ea typeface="Calibri" panose="020F0502020204030204" pitchFamily="34" charset="0"/>
-                <a:cs typeface="Arial" panose="020B0604020202020204" pitchFamily="34" charset="0"/>
-              </a:endParaRPr>
-            </a:p>
-          </p:txBody>
-        </p:sp>
-        <p:sp>
-          <p:nvSpPr>
-            <p:cNvPr id="17" name="Freeform: Shape 16">
-              <a:extLst>
-                <a:ext uri="{FF2B5EF4-FFF2-40B4-BE49-F238E27FC236}">
-                  <a16:creationId xmlns:a16="http://schemas.microsoft.com/office/drawing/2014/main" id="{13A8F1A1-E7A8-C32D-5AED-342DFCA50861}"/>
-                </a:ext>
-              </a:extLst>
-            </p:cNvPr>
-            <p:cNvSpPr/>
-            <p:nvPr/>
-          </p:nvSpPr>
-          <p:spPr>
-            <a:xfrm>
-              <a:off x="663995" y="2095093"/>
-              <a:ext cx="118853" cy="8022"/>
-            </a:xfrm>
-            <a:custGeom>
-              <a:avLst/>
-              <a:gdLst>
-                <a:gd name="connsiteX0" fmla="*/ 2252792 w 2333133"/>
-                <a:gd name="connsiteY0" fmla="*/ 157470 h 157470"/>
-                <a:gd name="connsiteX1" fmla="*/ 80342 w 2333133"/>
-                <a:gd name="connsiteY1" fmla="*/ 157470 h 157470"/>
-                <a:gd name="connsiteX2" fmla="*/ 0 w 2333133"/>
-                <a:gd name="connsiteY2" fmla="*/ 77128 h 157470"/>
-                <a:gd name="connsiteX3" fmla="*/ 80342 w 2333133"/>
-                <a:gd name="connsiteY3" fmla="*/ 0 h 157470"/>
-                <a:gd name="connsiteX4" fmla="*/ 2252792 w 2333133"/>
-                <a:gd name="connsiteY4" fmla="*/ 0 h 157470"/>
-                <a:gd name="connsiteX5" fmla="*/ 2333134 w 2333133"/>
-                <a:gd name="connsiteY5" fmla="*/ 77128 h 157470"/>
-                <a:gd name="connsiteX6" fmla="*/ 2252792 w 2333133"/>
-                <a:gd name="connsiteY6" fmla="*/ 157470 h 157470"/>
-              </a:gdLst>
-              <a:ahLst/>
-              <a:cxnLst>
-                <a:cxn ang="0">
-                  <a:pos x="connsiteX0" y="connsiteY0"/>
-                </a:cxn>
-                <a:cxn ang="0">
-                  <a:pos x="connsiteX1" y="connsiteY1"/>
-                </a:cxn>
-                <a:cxn ang="0">
-                  <a:pos x="connsiteX2" y="connsiteY2"/>
-                </a:cxn>
-                <a:cxn ang="0">
-                  <a:pos x="connsiteX3" y="connsiteY3"/>
-                </a:cxn>
-                <a:cxn ang="0">
-                  <a:pos x="connsiteX4" y="connsiteY4"/>
-                </a:cxn>
-                <a:cxn ang="0">
-                  <a:pos x="connsiteX5" y="connsiteY5"/>
-                </a:cxn>
-                <a:cxn ang="0">
-                  <a:pos x="connsiteX6" y="connsiteY6"/>
-                </a:cxn>
-              </a:cxnLst>
-              <a:rect l="l" t="t" r="r" b="b"/>
-              <a:pathLst>
-                <a:path w="2333133" h="157470">
-                  <a:moveTo>
-                    <a:pt x="2252792" y="157470"/>
-                  </a:moveTo>
-                  <a:lnTo>
-                    <a:pt x="80342" y="157470"/>
-                  </a:lnTo>
-                  <a:cubicBezTo>
-                    <a:pt x="35351" y="157470"/>
-                    <a:pt x="0" y="122120"/>
-                    <a:pt x="0" y="77128"/>
-                  </a:cubicBezTo>
-                  <a:cubicBezTo>
-                    <a:pt x="0" y="35351"/>
-                    <a:pt x="35351" y="0"/>
-                    <a:pt x="80342" y="0"/>
-                  </a:cubicBezTo>
-                  <a:lnTo>
-                    <a:pt x="2252792" y="0"/>
-                  </a:lnTo>
-                  <a:cubicBezTo>
-                    <a:pt x="2297784" y="0"/>
-                    <a:pt x="2333134" y="35351"/>
-                    <a:pt x="2333134" y="77128"/>
-                  </a:cubicBezTo>
-                  <a:cubicBezTo>
-                    <a:pt x="2333134" y="122120"/>
-                    <a:pt x="2297784" y="157470"/>
-                    <a:pt x="2252792" y="157470"/>
-                  </a:cubicBezTo>
-                  <a:close/>
-                </a:path>
-              </a:pathLst>
-            </a:custGeom>
-            <a:solidFill>
-              <a:schemeClr val="bg1"/>
-            </a:solidFill>
-            <a:ln w="3208" cap="flat">
-              <a:noFill/>
-              <a:prstDash val="solid"/>
-              <a:miter/>
-            </a:ln>
-          </p:spPr>
-          <p:txBody>
-            <a:bodyPr rtlCol="0" anchor="ctr"/>
-            <a:lstStyle/>
-            <a:p>
-              <a:endParaRPr lang="en-IN">
-                <a:latin typeface="Arial" panose="020B0604020202020204" pitchFamily="34" charset="0"/>
-                <a:ea typeface="Calibri" panose="020F0502020204030204" pitchFamily="34" charset="0"/>
-                <a:cs typeface="Arial" panose="020B0604020202020204" pitchFamily="34" charset="0"/>
-              </a:endParaRPr>
-            </a:p>
-          </p:txBody>
-        </p:sp>
-        <p:sp>
-          <p:nvSpPr>
-            <p:cNvPr id="18" name="Freeform: Shape 17">
-              <a:extLst>
-                <a:ext uri="{FF2B5EF4-FFF2-40B4-BE49-F238E27FC236}">
-                  <a16:creationId xmlns:a16="http://schemas.microsoft.com/office/drawing/2014/main" id="{6126B458-56CE-8E32-E13A-CED5817C579B}"/>
-                </a:ext>
-              </a:extLst>
-            </p:cNvPr>
-            <p:cNvSpPr/>
-            <p:nvPr/>
-          </p:nvSpPr>
-          <p:spPr>
-            <a:xfrm>
-              <a:off x="663995" y="2064807"/>
-              <a:ext cx="45184" cy="8185"/>
-            </a:xfrm>
-            <a:custGeom>
-              <a:avLst/>
-              <a:gdLst>
-                <a:gd name="connsiteX0" fmla="*/ 809848 w 886976"/>
-                <a:gd name="connsiteY0" fmla="*/ 160684 h 160684"/>
-                <a:gd name="connsiteX1" fmla="*/ 80342 w 886976"/>
-                <a:gd name="connsiteY1" fmla="*/ 160684 h 160684"/>
-                <a:gd name="connsiteX2" fmla="*/ 0 w 886976"/>
-                <a:gd name="connsiteY2" fmla="*/ 80342 h 160684"/>
-                <a:gd name="connsiteX3" fmla="*/ 80342 w 886976"/>
-                <a:gd name="connsiteY3" fmla="*/ 0 h 160684"/>
-                <a:gd name="connsiteX4" fmla="*/ 806634 w 886976"/>
-                <a:gd name="connsiteY4" fmla="*/ 0 h 160684"/>
-                <a:gd name="connsiteX5" fmla="*/ 886977 w 886976"/>
-                <a:gd name="connsiteY5" fmla="*/ 80342 h 160684"/>
-                <a:gd name="connsiteX6" fmla="*/ 809848 w 886976"/>
-                <a:gd name="connsiteY6" fmla="*/ 160684 h 160684"/>
-              </a:gdLst>
-              <a:ahLst/>
-              <a:cxnLst>
-                <a:cxn ang="0">
-                  <a:pos x="connsiteX0" y="connsiteY0"/>
-                </a:cxn>
-                <a:cxn ang="0">
-                  <a:pos x="connsiteX1" y="connsiteY1"/>
-                </a:cxn>
-                <a:cxn ang="0">
-                  <a:pos x="connsiteX2" y="connsiteY2"/>
-                </a:cxn>
-                <a:cxn ang="0">
-                  <a:pos x="connsiteX3" y="connsiteY3"/>
-                </a:cxn>
-                <a:cxn ang="0">
-                  <a:pos x="connsiteX4" y="connsiteY4"/>
-                </a:cxn>
-                <a:cxn ang="0">
-                  <a:pos x="connsiteX5" y="connsiteY5"/>
-                </a:cxn>
-                <a:cxn ang="0">
-                  <a:pos x="connsiteX6" y="connsiteY6"/>
-                </a:cxn>
-              </a:cxnLst>
-              <a:rect l="l" t="t" r="r" b="b"/>
-              <a:pathLst>
-                <a:path w="886976" h="160684">
-                  <a:moveTo>
-                    <a:pt x="809848" y="160684"/>
-                  </a:moveTo>
-                  <a:lnTo>
-                    <a:pt x="80342" y="160684"/>
-                  </a:lnTo>
-                  <a:cubicBezTo>
-                    <a:pt x="35351" y="160684"/>
-                    <a:pt x="0" y="125334"/>
-                    <a:pt x="0" y="80342"/>
-                  </a:cubicBezTo>
-                  <a:cubicBezTo>
-                    <a:pt x="0" y="35351"/>
-                    <a:pt x="35351" y="0"/>
-                    <a:pt x="80342" y="0"/>
-                  </a:cubicBezTo>
-                  <a:lnTo>
-                    <a:pt x="806634" y="0"/>
-                  </a:lnTo>
-                  <a:cubicBezTo>
-                    <a:pt x="851626" y="0"/>
-                    <a:pt x="886977" y="35351"/>
-                    <a:pt x="886977" y="80342"/>
-                  </a:cubicBezTo>
-                  <a:cubicBezTo>
-                    <a:pt x="886977" y="125334"/>
-                    <a:pt x="851626" y="160684"/>
-                    <a:pt x="809848" y="160684"/>
-                  </a:cubicBezTo>
-                  <a:close/>
-                </a:path>
-              </a:pathLst>
-            </a:custGeom>
-            <a:solidFill>
-              <a:schemeClr val="bg1"/>
-            </a:solidFill>
-            <a:ln w="3208" cap="flat">
-              <a:noFill/>
-              <a:prstDash val="solid"/>
-              <a:miter/>
-            </a:ln>
-          </p:spPr>
-          <p:txBody>
-            <a:bodyPr rtlCol="0" anchor="ctr"/>
-            <a:lstStyle/>
-            <a:p>
-              <a:endParaRPr lang="en-IN">
-                <a:latin typeface="Arial" panose="020B0604020202020204" pitchFamily="34" charset="0"/>
-                <a:ea typeface="Calibri" panose="020F0502020204030204" pitchFamily="34" charset="0"/>
-                <a:cs typeface="Arial" panose="020B0604020202020204" pitchFamily="34" charset="0"/>
-              </a:endParaRPr>
-            </a:p>
-          </p:txBody>
-        </p:sp>
-        <p:sp>
-          <p:nvSpPr>
-            <p:cNvPr id="19" name="Freeform: Shape 18">
-              <a:extLst>
-                <a:ext uri="{FF2B5EF4-FFF2-40B4-BE49-F238E27FC236}">
-                  <a16:creationId xmlns:a16="http://schemas.microsoft.com/office/drawing/2014/main" id="{5AE203A1-C3D6-35CE-A8ED-0F109B68D8E6}"/>
-                </a:ext>
-              </a:extLst>
-            </p:cNvPr>
-            <p:cNvSpPr/>
-            <p:nvPr/>
-          </p:nvSpPr>
-          <p:spPr>
-            <a:xfrm>
-              <a:off x="663995" y="2034685"/>
-              <a:ext cx="45184" cy="8185"/>
-            </a:xfrm>
-            <a:custGeom>
-              <a:avLst/>
-              <a:gdLst>
-                <a:gd name="connsiteX0" fmla="*/ 809848 w 886976"/>
-                <a:gd name="connsiteY0" fmla="*/ 160684 h 160684"/>
-                <a:gd name="connsiteX1" fmla="*/ 80342 w 886976"/>
-                <a:gd name="connsiteY1" fmla="*/ 160684 h 160684"/>
-                <a:gd name="connsiteX2" fmla="*/ 0 w 886976"/>
-                <a:gd name="connsiteY2" fmla="*/ 80342 h 160684"/>
-                <a:gd name="connsiteX3" fmla="*/ 80342 w 886976"/>
-                <a:gd name="connsiteY3" fmla="*/ 0 h 160684"/>
-                <a:gd name="connsiteX4" fmla="*/ 806634 w 886976"/>
-                <a:gd name="connsiteY4" fmla="*/ 0 h 160684"/>
-                <a:gd name="connsiteX5" fmla="*/ 886977 w 886976"/>
-                <a:gd name="connsiteY5" fmla="*/ 80342 h 160684"/>
-                <a:gd name="connsiteX6" fmla="*/ 809848 w 886976"/>
-                <a:gd name="connsiteY6" fmla="*/ 160684 h 160684"/>
-              </a:gdLst>
-              <a:ahLst/>
-              <a:cxnLst>
-                <a:cxn ang="0">
-                  <a:pos x="connsiteX0" y="connsiteY0"/>
-                </a:cxn>
-                <a:cxn ang="0">
-                  <a:pos x="connsiteX1" y="connsiteY1"/>
-                </a:cxn>
-                <a:cxn ang="0">
-                  <a:pos x="connsiteX2" y="connsiteY2"/>
-                </a:cxn>
-                <a:cxn ang="0">
-                  <a:pos x="connsiteX3" y="connsiteY3"/>
-                </a:cxn>
-                <a:cxn ang="0">
-                  <a:pos x="connsiteX4" y="connsiteY4"/>
-                </a:cxn>
-                <a:cxn ang="0">
-                  <a:pos x="connsiteX5" y="connsiteY5"/>
-                </a:cxn>
-                <a:cxn ang="0">
-                  <a:pos x="connsiteX6" y="connsiteY6"/>
-                </a:cxn>
-              </a:cxnLst>
-              <a:rect l="l" t="t" r="r" b="b"/>
-              <a:pathLst>
-                <a:path w="886976" h="160684">
-                  <a:moveTo>
-                    <a:pt x="809848" y="160684"/>
-                  </a:moveTo>
-                  <a:lnTo>
-                    <a:pt x="80342" y="160684"/>
-                  </a:lnTo>
-                  <a:cubicBezTo>
-                    <a:pt x="35351" y="160684"/>
-                    <a:pt x="0" y="122120"/>
-                    <a:pt x="0" y="80342"/>
-                  </a:cubicBezTo>
-                  <a:cubicBezTo>
-                    <a:pt x="0" y="35351"/>
-                    <a:pt x="35351" y="0"/>
-                    <a:pt x="80342" y="0"/>
-                  </a:cubicBezTo>
-                  <a:lnTo>
-                    <a:pt x="806634" y="0"/>
-                  </a:lnTo>
-                  <a:cubicBezTo>
-                    <a:pt x="851626" y="0"/>
-                    <a:pt x="886977" y="35351"/>
-                    <a:pt x="886977" y="80342"/>
-                  </a:cubicBezTo>
-                  <a:cubicBezTo>
-                    <a:pt x="886977" y="122120"/>
-                    <a:pt x="851626" y="160684"/>
-                    <a:pt x="809848" y="160684"/>
-                  </a:cubicBezTo>
-                  <a:close/>
-                </a:path>
-              </a:pathLst>
-            </a:custGeom>
-            <a:solidFill>
-              <a:schemeClr val="bg1"/>
-            </a:solidFill>
-            <a:ln w="3208" cap="flat">
-              <a:noFill/>
-              <a:prstDash val="solid"/>
-              <a:miter/>
-            </a:ln>
-          </p:spPr>
-          <p:txBody>
-            <a:bodyPr rtlCol="0" anchor="ctr"/>
-            <a:lstStyle/>
-            <a:p>
-              <a:endParaRPr lang="en-IN">
-                <a:latin typeface="Arial" panose="020B0604020202020204" pitchFamily="34" charset="0"/>
-                <a:ea typeface="Calibri" panose="020F0502020204030204" pitchFamily="34" charset="0"/>
-                <a:cs typeface="Arial" panose="020B0604020202020204" pitchFamily="34" charset="0"/>
-              </a:endParaRPr>
-            </a:p>
-          </p:txBody>
-        </p:sp>
-        <p:sp>
-          <p:nvSpPr>
-            <p:cNvPr id="20" name="Freeform: Shape 19">
-              <a:extLst>
-                <a:ext uri="{FF2B5EF4-FFF2-40B4-BE49-F238E27FC236}">
-                  <a16:creationId xmlns:a16="http://schemas.microsoft.com/office/drawing/2014/main" id="{6DD90728-60FC-77F8-8077-CF440DA036DC}"/>
-                </a:ext>
-              </a:extLst>
-            </p:cNvPr>
-            <p:cNvSpPr/>
-            <p:nvPr/>
-          </p:nvSpPr>
-          <p:spPr>
-            <a:xfrm>
-              <a:off x="663995" y="2004398"/>
-              <a:ext cx="45184" cy="8185"/>
-            </a:xfrm>
-            <a:custGeom>
-              <a:avLst/>
-              <a:gdLst>
-                <a:gd name="connsiteX0" fmla="*/ 809848 w 886976"/>
-                <a:gd name="connsiteY0" fmla="*/ 160684 h 160684"/>
-                <a:gd name="connsiteX1" fmla="*/ 80342 w 886976"/>
-                <a:gd name="connsiteY1" fmla="*/ 160684 h 160684"/>
-                <a:gd name="connsiteX2" fmla="*/ 0 w 886976"/>
-                <a:gd name="connsiteY2" fmla="*/ 80342 h 160684"/>
-                <a:gd name="connsiteX3" fmla="*/ 80342 w 886976"/>
-                <a:gd name="connsiteY3" fmla="*/ 0 h 160684"/>
-                <a:gd name="connsiteX4" fmla="*/ 806634 w 886976"/>
-                <a:gd name="connsiteY4" fmla="*/ 0 h 160684"/>
-                <a:gd name="connsiteX5" fmla="*/ 886977 w 886976"/>
-                <a:gd name="connsiteY5" fmla="*/ 80342 h 160684"/>
-                <a:gd name="connsiteX6" fmla="*/ 809848 w 886976"/>
-                <a:gd name="connsiteY6" fmla="*/ 160684 h 160684"/>
-              </a:gdLst>
-              <a:ahLst/>
-              <a:cxnLst>
-                <a:cxn ang="0">
-                  <a:pos x="connsiteX0" y="connsiteY0"/>
-                </a:cxn>
-                <a:cxn ang="0">
-                  <a:pos x="connsiteX1" y="connsiteY1"/>
-                </a:cxn>
-                <a:cxn ang="0">
-                  <a:pos x="connsiteX2" y="connsiteY2"/>
-                </a:cxn>
-                <a:cxn ang="0">
-                  <a:pos x="connsiteX3" y="connsiteY3"/>
-                </a:cxn>
-                <a:cxn ang="0">
-                  <a:pos x="connsiteX4" y="connsiteY4"/>
-                </a:cxn>
-                <a:cxn ang="0">
-                  <a:pos x="connsiteX5" y="connsiteY5"/>
-                </a:cxn>
-                <a:cxn ang="0">
-                  <a:pos x="connsiteX6" y="connsiteY6"/>
-                </a:cxn>
-              </a:cxnLst>
-              <a:rect l="l" t="t" r="r" b="b"/>
-              <a:pathLst>
-                <a:path w="886976" h="160684">
-                  <a:moveTo>
-                    <a:pt x="809848" y="160684"/>
-                  </a:moveTo>
-                  <a:lnTo>
-                    <a:pt x="80342" y="160684"/>
-                  </a:lnTo>
-                  <a:cubicBezTo>
-                    <a:pt x="35351" y="160684"/>
-                    <a:pt x="0" y="125334"/>
-                    <a:pt x="0" y="80342"/>
-                  </a:cubicBezTo>
-                  <a:cubicBezTo>
-                    <a:pt x="0" y="35351"/>
-                    <a:pt x="35351" y="0"/>
-                    <a:pt x="80342" y="0"/>
-                  </a:cubicBezTo>
-                  <a:lnTo>
-                    <a:pt x="806634" y="0"/>
-                  </a:lnTo>
-                  <a:cubicBezTo>
-                    <a:pt x="851626" y="0"/>
-                    <a:pt x="886977" y="35351"/>
-                    <a:pt x="886977" y="80342"/>
-                  </a:cubicBezTo>
-                  <a:cubicBezTo>
-                    <a:pt x="886977" y="125334"/>
-                    <a:pt x="851626" y="160684"/>
-                    <a:pt x="809848" y="160684"/>
-                  </a:cubicBezTo>
-                  <a:close/>
-                </a:path>
-              </a:pathLst>
-            </a:custGeom>
-            <a:solidFill>
-              <a:schemeClr val="bg1"/>
-            </a:solidFill>
-            <a:ln w="3208" cap="flat">
-              <a:noFill/>
-              <a:prstDash val="solid"/>
-              <a:miter/>
-            </a:ln>
-          </p:spPr>
-          <p:txBody>
-            <a:bodyPr rtlCol="0" anchor="ctr"/>
-            <a:lstStyle/>
-            <a:p>
-              <a:endParaRPr lang="en-IN">
-                <a:latin typeface="Arial" panose="020B0604020202020204" pitchFamily="34" charset="0"/>
-                <a:ea typeface="Calibri" panose="020F0502020204030204" pitchFamily="34" charset="0"/>
-                <a:cs typeface="Arial" panose="020B0604020202020204" pitchFamily="34" charset="0"/>
-              </a:endParaRPr>
-            </a:p>
-          </p:txBody>
-        </p:sp>
-        <p:sp>
-          <p:nvSpPr>
-            <p:cNvPr id="21" name="Freeform: Shape 20">
-              <a:extLst>
-                <a:ext uri="{FF2B5EF4-FFF2-40B4-BE49-F238E27FC236}">
-                  <a16:creationId xmlns:a16="http://schemas.microsoft.com/office/drawing/2014/main" id="{AEF4FE12-B32D-821E-C21D-BA2E87B5A063}"/>
-                </a:ext>
-              </a:extLst>
-            </p:cNvPr>
-            <p:cNvSpPr/>
-            <p:nvPr/>
-          </p:nvSpPr>
-          <p:spPr>
-            <a:xfrm>
-              <a:off x="663995" y="1973948"/>
-              <a:ext cx="45184" cy="8185"/>
-            </a:xfrm>
-            <a:custGeom>
-              <a:avLst/>
-              <a:gdLst>
-                <a:gd name="connsiteX0" fmla="*/ 809848 w 886976"/>
-                <a:gd name="connsiteY0" fmla="*/ 160684 h 160684"/>
-                <a:gd name="connsiteX1" fmla="*/ 80342 w 886976"/>
-                <a:gd name="connsiteY1" fmla="*/ 160684 h 160684"/>
-                <a:gd name="connsiteX2" fmla="*/ 0 w 886976"/>
-                <a:gd name="connsiteY2" fmla="*/ 80342 h 160684"/>
-                <a:gd name="connsiteX3" fmla="*/ 80342 w 886976"/>
-                <a:gd name="connsiteY3" fmla="*/ 0 h 160684"/>
-                <a:gd name="connsiteX4" fmla="*/ 806634 w 886976"/>
-                <a:gd name="connsiteY4" fmla="*/ 0 h 160684"/>
-                <a:gd name="connsiteX5" fmla="*/ 886977 w 886976"/>
-                <a:gd name="connsiteY5" fmla="*/ 80342 h 160684"/>
-                <a:gd name="connsiteX6" fmla="*/ 809848 w 886976"/>
-                <a:gd name="connsiteY6" fmla="*/ 160684 h 160684"/>
-              </a:gdLst>
-              <a:ahLst/>
-              <a:cxnLst>
-                <a:cxn ang="0">
-                  <a:pos x="connsiteX0" y="connsiteY0"/>
-                </a:cxn>
-                <a:cxn ang="0">
-                  <a:pos x="connsiteX1" y="connsiteY1"/>
-                </a:cxn>
-                <a:cxn ang="0">
-                  <a:pos x="connsiteX2" y="connsiteY2"/>
-                </a:cxn>
-                <a:cxn ang="0">
-                  <a:pos x="connsiteX3" y="connsiteY3"/>
-                </a:cxn>
-                <a:cxn ang="0">
-                  <a:pos x="connsiteX4" y="connsiteY4"/>
-                </a:cxn>
-                <a:cxn ang="0">
-                  <a:pos x="connsiteX5" y="connsiteY5"/>
-                </a:cxn>
-                <a:cxn ang="0">
-                  <a:pos x="connsiteX6" y="connsiteY6"/>
-                </a:cxn>
-              </a:cxnLst>
-              <a:rect l="l" t="t" r="r" b="b"/>
-              <a:pathLst>
-                <a:path w="886976" h="160684">
-                  <a:moveTo>
-                    <a:pt x="809848" y="160684"/>
-                  </a:moveTo>
-                  <a:lnTo>
-                    <a:pt x="80342" y="160684"/>
-                  </a:lnTo>
-                  <a:cubicBezTo>
-                    <a:pt x="35351" y="160684"/>
-                    <a:pt x="0" y="125334"/>
-                    <a:pt x="0" y="80342"/>
-                  </a:cubicBezTo>
-                  <a:cubicBezTo>
-                    <a:pt x="0" y="38564"/>
-                    <a:pt x="35351" y="0"/>
-                    <a:pt x="80342" y="0"/>
-                  </a:cubicBezTo>
-                  <a:lnTo>
-                    <a:pt x="806634" y="0"/>
-                  </a:lnTo>
-                  <a:cubicBezTo>
-                    <a:pt x="851626" y="0"/>
-                    <a:pt x="886977" y="38564"/>
-                    <a:pt x="886977" y="80342"/>
-                  </a:cubicBezTo>
-                  <a:cubicBezTo>
-                    <a:pt x="886977" y="125334"/>
-                    <a:pt x="851626" y="160684"/>
-                    <a:pt x="809848" y="160684"/>
-                  </a:cubicBezTo>
-                  <a:close/>
-                </a:path>
-              </a:pathLst>
-            </a:custGeom>
-            <a:solidFill>
-              <a:schemeClr val="bg1"/>
-            </a:solidFill>
-            <a:ln w="3208" cap="flat">
-              <a:noFill/>
-              <a:prstDash val="solid"/>
-              <a:miter/>
-            </a:ln>
-          </p:spPr>
-          <p:txBody>
-            <a:bodyPr rtlCol="0" anchor="ctr"/>
-            <a:lstStyle/>
-            <a:p>
-              <a:endParaRPr lang="en-IN">
-                <a:latin typeface="Arial" panose="020B0604020202020204" pitchFamily="34" charset="0"/>
-                <a:ea typeface="Calibri" panose="020F0502020204030204" pitchFamily="34" charset="0"/>
-                <a:cs typeface="Arial" panose="020B0604020202020204" pitchFamily="34" charset="0"/>
-              </a:endParaRPr>
-            </a:p>
-          </p:txBody>
-        </p:sp>
-        <p:sp>
-          <p:nvSpPr>
-            <p:cNvPr id="24" name="Freeform: Shape 23">
-              <a:extLst>
-                <a:ext uri="{FF2B5EF4-FFF2-40B4-BE49-F238E27FC236}">
-                  <a16:creationId xmlns:a16="http://schemas.microsoft.com/office/drawing/2014/main" id="{90FCF441-6D09-0970-A4FF-AAD45D20EA3D}"/>
-                </a:ext>
-              </a:extLst>
-            </p:cNvPr>
-            <p:cNvSpPr/>
-            <p:nvPr/>
-          </p:nvSpPr>
-          <p:spPr>
-            <a:xfrm>
-              <a:off x="663995" y="1943335"/>
-              <a:ext cx="97407" cy="8185"/>
-            </a:xfrm>
-            <a:custGeom>
-              <a:avLst/>
-              <a:gdLst>
-                <a:gd name="connsiteX0" fmla="*/ 1831799 w 1912141"/>
-                <a:gd name="connsiteY0" fmla="*/ 160684 h 160684"/>
-                <a:gd name="connsiteX1" fmla="*/ 80342 w 1912141"/>
-                <a:gd name="connsiteY1" fmla="*/ 160684 h 160684"/>
-                <a:gd name="connsiteX2" fmla="*/ 0 w 1912141"/>
-                <a:gd name="connsiteY2" fmla="*/ 80342 h 160684"/>
-                <a:gd name="connsiteX3" fmla="*/ 80342 w 1912141"/>
-                <a:gd name="connsiteY3" fmla="*/ 0 h 160684"/>
-                <a:gd name="connsiteX4" fmla="*/ 1831799 w 1912141"/>
-                <a:gd name="connsiteY4" fmla="*/ 0 h 160684"/>
-                <a:gd name="connsiteX5" fmla="*/ 1912141 w 1912141"/>
-                <a:gd name="connsiteY5" fmla="*/ 80342 h 160684"/>
-                <a:gd name="connsiteX6" fmla="*/ 1831799 w 1912141"/>
-                <a:gd name="connsiteY6" fmla="*/ 160684 h 160684"/>
-              </a:gdLst>
-              <a:ahLst/>
-              <a:cxnLst>
-                <a:cxn ang="0">
-                  <a:pos x="connsiteX0" y="connsiteY0"/>
-                </a:cxn>
-                <a:cxn ang="0">
-                  <a:pos x="connsiteX1" y="connsiteY1"/>
-                </a:cxn>
-                <a:cxn ang="0">
-                  <a:pos x="connsiteX2" y="connsiteY2"/>
-                </a:cxn>
-                <a:cxn ang="0">
-                  <a:pos x="connsiteX3" y="connsiteY3"/>
-                </a:cxn>
-                <a:cxn ang="0">
-                  <a:pos x="connsiteX4" y="connsiteY4"/>
-                </a:cxn>
-                <a:cxn ang="0">
-                  <a:pos x="connsiteX5" y="connsiteY5"/>
-                </a:cxn>
-                <a:cxn ang="0">
-                  <a:pos x="connsiteX6" y="connsiteY6"/>
-                </a:cxn>
-              </a:cxnLst>
-              <a:rect l="l" t="t" r="r" b="b"/>
-              <a:pathLst>
-                <a:path w="1912141" h="160684">
-                  <a:moveTo>
-                    <a:pt x="1831799" y="160684"/>
-                  </a:moveTo>
-                  <a:lnTo>
-                    <a:pt x="80342" y="160684"/>
-                  </a:lnTo>
-                  <a:cubicBezTo>
-                    <a:pt x="35351" y="160684"/>
-                    <a:pt x="0" y="125334"/>
-                    <a:pt x="0" y="80342"/>
-                  </a:cubicBezTo>
-                  <a:cubicBezTo>
-                    <a:pt x="0" y="35351"/>
-                    <a:pt x="35351" y="0"/>
-                    <a:pt x="80342" y="0"/>
-                  </a:cubicBezTo>
-                  <a:lnTo>
-                    <a:pt x="1831799" y="0"/>
-                  </a:lnTo>
-                  <a:cubicBezTo>
-                    <a:pt x="1876791" y="0"/>
-                    <a:pt x="1912141" y="35351"/>
-                    <a:pt x="1912141" y="80342"/>
-                  </a:cubicBezTo>
-                  <a:cubicBezTo>
-                    <a:pt x="1912141" y="125334"/>
-                    <a:pt x="1876791" y="160684"/>
-                    <a:pt x="1831799" y="160684"/>
-                  </a:cubicBezTo>
-                  <a:close/>
-                </a:path>
-              </a:pathLst>
-            </a:custGeom>
-            <a:solidFill>
-              <a:schemeClr val="bg1"/>
-            </a:solidFill>
-            <a:ln w="3208" cap="flat">
-              <a:noFill/>
-              <a:prstDash val="solid"/>
-              <a:miter/>
-            </a:ln>
-          </p:spPr>
-          <p:txBody>
-            <a:bodyPr rtlCol="0" anchor="ctr"/>
-            <a:lstStyle/>
-            <a:p>
-              <a:endParaRPr lang="en-IN">
-                <a:latin typeface="Arial" panose="020B0604020202020204" pitchFamily="34" charset="0"/>
-                <a:ea typeface="Calibri" panose="020F0502020204030204" pitchFamily="34" charset="0"/>
-                <a:cs typeface="Arial" panose="020B0604020202020204" pitchFamily="34" charset="0"/>
-              </a:endParaRPr>
-            </a:p>
-          </p:txBody>
-        </p:sp>
-        <p:sp>
-          <p:nvSpPr>
-            <p:cNvPr id="25" name="Freeform: Shape 24">
-              <a:extLst>
-                <a:ext uri="{FF2B5EF4-FFF2-40B4-BE49-F238E27FC236}">
-                  <a16:creationId xmlns:a16="http://schemas.microsoft.com/office/drawing/2014/main" id="{063E6B47-4F43-2213-08C9-646E5D2F34AB}"/>
-                </a:ext>
-              </a:extLst>
-            </p:cNvPr>
-            <p:cNvSpPr/>
-            <p:nvPr/>
-          </p:nvSpPr>
-          <p:spPr>
-            <a:xfrm>
-              <a:off x="732152" y="1998681"/>
-              <a:ext cx="83050" cy="50247"/>
-            </a:xfrm>
-            <a:custGeom>
-              <a:avLst/>
-              <a:gdLst>
-                <a:gd name="connsiteX0" fmla="*/ 436000 w 1630317"/>
-                <a:gd name="connsiteY0" fmla="*/ 986364 h 986363"/>
-                <a:gd name="connsiteX1" fmla="*/ 413504 w 1630317"/>
-                <a:gd name="connsiteY1" fmla="*/ 983150 h 986363"/>
-                <a:gd name="connsiteX2" fmla="*/ 403863 w 1630317"/>
-                <a:gd name="connsiteY2" fmla="*/ 983150 h 986363"/>
-                <a:gd name="connsiteX3" fmla="*/ 378154 w 1630317"/>
-                <a:gd name="connsiteY3" fmla="*/ 976723 h 986363"/>
-                <a:gd name="connsiteX4" fmla="*/ 355658 w 1630317"/>
-                <a:gd name="connsiteY4" fmla="*/ 967082 h 986363"/>
-                <a:gd name="connsiteX5" fmla="*/ 333162 w 1630317"/>
-                <a:gd name="connsiteY5" fmla="*/ 954227 h 986363"/>
-                <a:gd name="connsiteX6" fmla="*/ 333162 w 1630317"/>
-                <a:gd name="connsiteY6" fmla="*/ 954227 h 986363"/>
-                <a:gd name="connsiteX7" fmla="*/ 326735 w 1630317"/>
-                <a:gd name="connsiteY7" fmla="*/ 951013 h 986363"/>
-                <a:gd name="connsiteX8" fmla="*/ 304239 w 1630317"/>
-                <a:gd name="connsiteY8" fmla="*/ 938159 h 986363"/>
-                <a:gd name="connsiteX9" fmla="*/ 291384 w 1630317"/>
-                <a:gd name="connsiteY9" fmla="*/ 928518 h 986363"/>
-                <a:gd name="connsiteX10" fmla="*/ 288171 w 1630317"/>
-                <a:gd name="connsiteY10" fmla="*/ 925304 h 986363"/>
-                <a:gd name="connsiteX11" fmla="*/ 288171 w 1630317"/>
-                <a:gd name="connsiteY11" fmla="*/ 925304 h 986363"/>
-                <a:gd name="connsiteX12" fmla="*/ 288171 w 1630317"/>
-                <a:gd name="connsiteY12" fmla="*/ 925304 h 986363"/>
-                <a:gd name="connsiteX13" fmla="*/ 268888 w 1630317"/>
-                <a:gd name="connsiteY13" fmla="*/ 915663 h 986363"/>
-                <a:gd name="connsiteX14" fmla="*/ 256034 w 1630317"/>
-                <a:gd name="connsiteY14" fmla="*/ 902808 h 986363"/>
-                <a:gd name="connsiteX15" fmla="*/ 239965 w 1630317"/>
-                <a:gd name="connsiteY15" fmla="*/ 873885 h 986363"/>
-                <a:gd name="connsiteX16" fmla="*/ 27862 w 1630317"/>
-                <a:gd name="connsiteY16" fmla="*/ 510739 h 986363"/>
-                <a:gd name="connsiteX17" fmla="*/ 104991 w 1630317"/>
-                <a:gd name="connsiteY17" fmla="*/ 221507 h 986363"/>
-                <a:gd name="connsiteX18" fmla="*/ 108204 w 1630317"/>
-                <a:gd name="connsiteY18" fmla="*/ 221507 h 986363"/>
-                <a:gd name="connsiteX19" fmla="*/ 400649 w 1630317"/>
-                <a:gd name="connsiteY19" fmla="*/ 298636 h 986363"/>
-                <a:gd name="connsiteX20" fmla="*/ 509915 w 1630317"/>
-                <a:gd name="connsiteY20" fmla="*/ 491457 h 986363"/>
-                <a:gd name="connsiteX21" fmla="*/ 1313336 w 1630317"/>
-                <a:gd name="connsiteY21" fmla="*/ 28686 h 986363"/>
-                <a:gd name="connsiteX22" fmla="*/ 1602567 w 1630317"/>
-                <a:gd name="connsiteY22" fmla="*/ 102601 h 986363"/>
-                <a:gd name="connsiteX23" fmla="*/ 1522225 w 1630317"/>
-                <a:gd name="connsiteY23" fmla="*/ 395046 h 986363"/>
-                <a:gd name="connsiteX24" fmla="*/ 538838 w 1630317"/>
-                <a:gd name="connsiteY24" fmla="*/ 954227 h 986363"/>
-                <a:gd name="connsiteX25" fmla="*/ 516342 w 1630317"/>
-                <a:gd name="connsiteY25" fmla="*/ 967082 h 986363"/>
-                <a:gd name="connsiteX26" fmla="*/ 497060 w 1630317"/>
-                <a:gd name="connsiteY26" fmla="*/ 976723 h 986363"/>
-                <a:gd name="connsiteX27" fmla="*/ 487419 w 1630317"/>
-                <a:gd name="connsiteY27" fmla="*/ 983150 h 986363"/>
-                <a:gd name="connsiteX28" fmla="*/ 458496 w 1630317"/>
-                <a:gd name="connsiteY28" fmla="*/ 986364 h 986363"/>
-                <a:gd name="connsiteX29" fmla="*/ 452068 w 1630317"/>
-                <a:gd name="connsiteY29" fmla="*/ 986364 h 986363"/>
-                <a:gd name="connsiteX30" fmla="*/ 436000 w 1630317"/>
-                <a:gd name="connsiteY30" fmla="*/ 986364 h 986363"/>
-                <a:gd name="connsiteX31" fmla="*/ 416718 w 1630317"/>
-                <a:gd name="connsiteY31" fmla="*/ 825680 h 986363"/>
-                <a:gd name="connsiteX32" fmla="*/ 416718 w 1630317"/>
-                <a:gd name="connsiteY32" fmla="*/ 825680 h 986363"/>
-                <a:gd name="connsiteX33" fmla="*/ 426359 w 1630317"/>
-                <a:gd name="connsiteY33" fmla="*/ 825680 h 986363"/>
-                <a:gd name="connsiteX34" fmla="*/ 436000 w 1630317"/>
-                <a:gd name="connsiteY34" fmla="*/ 825680 h 986363"/>
-                <a:gd name="connsiteX35" fmla="*/ 439214 w 1630317"/>
-                <a:gd name="connsiteY35" fmla="*/ 825680 h 986363"/>
-                <a:gd name="connsiteX36" fmla="*/ 442427 w 1630317"/>
-                <a:gd name="connsiteY36" fmla="*/ 825680 h 986363"/>
-                <a:gd name="connsiteX37" fmla="*/ 452068 w 1630317"/>
-                <a:gd name="connsiteY37" fmla="*/ 822466 h 986363"/>
-                <a:gd name="connsiteX38" fmla="*/ 461709 w 1630317"/>
-                <a:gd name="connsiteY38" fmla="*/ 816039 h 986363"/>
-                <a:gd name="connsiteX39" fmla="*/ 471350 w 1630317"/>
-                <a:gd name="connsiteY39" fmla="*/ 812825 h 986363"/>
-                <a:gd name="connsiteX40" fmla="*/ 1441883 w 1630317"/>
-                <a:gd name="connsiteY40" fmla="*/ 250430 h 986363"/>
-                <a:gd name="connsiteX41" fmla="*/ 1464379 w 1630317"/>
-                <a:gd name="connsiteY41" fmla="*/ 176516 h 986363"/>
-                <a:gd name="connsiteX42" fmla="*/ 1387250 w 1630317"/>
-                <a:gd name="connsiteY42" fmla="*/ 157234 h 986363"/>
-                <a:gd name="connsiteX43" fmla="*/ 516342 w 1630317"/>
-                <a:gd name="connsiteY43" fmla="*/ 661782 h 986363"/>
-                <a:gd name="connsiteX44" fmla="*/ 407077 w 1630317"/>
-                <a:gd name="connsiteY44" fmla="*/ 632859 h 986363"/>
-                <a:gd name="connsiteX45" fmla="*/ 256034 w 1630317"/>
-                <a:gd name="connsiteY45" fmla="*/ 375764 h 986363"/>
-                <a:gd name="connsiteX46" fmla="*/ 182119 w 1630317"/>
-                <a:gd name="connsiteY46" fmla="*/ 353268 h 986363"/>
-                <a:gd name="connsiteX47" fmla="*/ 162837 w 1630317"/>
-                <a:gd name="connsiteY47" fmla="*/ 430397 h 986363"/>
-                <a:gd name="connsiteX48" fmla="*/ 381367 w 1630317"/>
-                <a:gd name="connsiteY48" fmla="*/ 803184 h 986363"/>
-                <a:gd name="connsiteX49" fmla="*/ 391008 w 1630317"/>
-                <a:gd name="connsiteY49" fmla="*/ 812825 h 986363"/>
-                <a:gd name="connsiteX50" fmla="*/ 394222 w 1630317"/>
-                <a:gd name="connsiteY50" fmla="*/ 816039 h 986363"/>
-                <a:gd name="connsiteX51" fmla="*/ 403863 w 1630317"/>
-                <a:gd name="connsiteY51" fmla="*/ 825680 h 986363"/>
-                <a:gd name="connsiteX52" fmla="*/ 407077 w 1630317"/>
-                <a:gd name="connsiteY52" fmla="*/ 828893 h 986363"/>
-                <a:gd name="connsiteX53" fmla="*/ 416718 w 1630317"/>
-                <a:gd name="connsiteY53" fmla="*/ 835321 h 986363"/>
-                <a:gd name="connsiteX54" fmla="*/ 416718 w 1630317"/>
-                <a:gd name="connsiteY54" fmla="*/ 825680 h 986363"/>
-              </a:gdLst>
-              <a:ahLst/>
-              <a:cxnLst>
-                <a:cxn ang="0">
-                  <a:pos x="connsiteX0" y="connsiteY0"/>
-                </a:cxn>
-                <a:cxn ang="0">
-                  <a:pos x="connsiteX1" y="connsiteY1"/>
-                </a:cxn>
-                <a:cxn ang="0">
-                  <a:pos x="connsiteX2" y="connsiteY2"/>
-                </a:cxn>
-                <a:cxn ang="0">
-                  <a:pos x="connsiteX3" y="connsiteY3"/>
-                </a:cxn>
-                <a:cxn ang="0">
-                  <a:pos x="connsiteX4" y="connsiteY4"/>
-                </a:cxn>
-                <a:cxn ang="0">
-                  <a:pos x="connsiteX5" y="connsiteY5"/>
-                </a:cxn>
-                <a:cxn ang="0">
-                  <a:pos x="connsiteX6" y="connsiteY6"/>
-                </a:cxn>
-                <a:cxn ang="0">
-                  <a:pos x="connsiteX7" y="connsiteY7"/>
-                </a:cxn>
-                <a:cxn ang="0">
-                  <a:pos x="connsiteX8" y="connsiteY8"/>
-                </a:cxn>
-                <a:cxn ang="0">
-                  <a:pos x="connsiteX9" y="connsiteY9"/>
-                </a:cxn>
-                <a:cxn ang="0">
-                  <a:pos x="connsiteX10" y="connsiteY10"/>
-                </a:cxn>
-                <a:cxn ang="0">
-                  <a:pos x="connsiteX11" y="connsiteY11"/>
-                </a:cxn>
-                <a:cxn ang="0">
-                  <a:pos x="connsiteX12" y="connsiteY12"/>
-                </a:cxn>
-                <a:cxn ang="0">
-                  <a:pos x="connsiteX13" y="connsiteY13"/>
-                </a:cxn>
-                <a:cxn ang="0">
-                  <a:pos x="connsiteX14" y="connsiteY14"/>
-                </a:cxn>
-                <a:cxn ang="0">
-                  <a:pos x="connsiteX15" y="connsiteY15"/>
-                </a:cxn>
-                <a:cxn ang="0">
-                  <a:pos x="connsiteX16" y="connsiteY16"/>
-                </a:cxn>
-                <a:cxn ang="0">
-                  <a:pos x="connsiteX17" y="connsiteY17"/>
-                </a:cxn>
-                <a:cxn ang="0">
-                  <a:pos x="connsiteX18" y="connsiteY18"/>
-                </a:cxn>
-                <a:cxn ang="0">
-                  <a:pos x="connsiteX19" y="connsiteY19"/>
-                </a:cxn>
-                <a:cxn ang="0">
-                  <a:pos x="connsiteX20" y="connsiteY20"/>
-                </a:cxn>
-                <a:cxn ang="0">
-                  <a:pos x="connsiteX21" y="connsiteY21"/>
-                </a:cxn>
-                <a:cxn ang="0">
-                  <a:pos x="connsiteX22" y="connsiteY22"/>
-                </a:cxn>
-                <a:cxn ang="0">
-                  <a:pos x="connsiteX23" y="connsiteY23"/>
-                </a:cxn>
-                <a:cxn ang="0">
-                  <a:pos x="connsiteX24" y="connsiteY24"/>
-                </a:cxn>
-                <a:cxn ang="0">
-                  <a:pos x="connsiteX25" y="connsiteY25"/>
-                </a:cxn>
-                <a:cxn ang="0">
-                  <a:pos x="connsiteX26" y="connsiteY26"/>
-                </a:cxn>
-                <a:cxn ang="0">
-                  <a:pos x="connsiteX27" y="connsiteY27"/>
-                </a:cxn>
-                <a:cxn ang="0">
-                  <a:pos x="connsiteX28" y="connsiteY28"/>
-                </a:cxn>
-                <a:cxn ang="0">
-                  <a:pos x="connsiteX29" y="connsiteY29"/>
-                </a:cxn>
-                <a:cxn ang="0">
-                  <a:pos x="connsiteX30" y="connsiteY30"/>
-                </a:cxn>
-                <a:cxn ang="0">
-                  <a:pos x="connsiteX31" y="connsiteY31"/>
-                </a:cxn>
-                <a:cxn ang="0">
-                  <a:pos x="connsiteX32" y="connsiteY32"/>
-                </a:cxn>
-                <a:cxn ang="0">
-                  <a:pos x="connsiteX33" y="connsiteY33"/>
-                </a:cxn>
-                <a:cxn ang="0">
-                  <a:pos x="connsiteX34" y="connsiteY34"/>
-                </a:cxn>
-                <a:cxn ang="0">
-                  <a:pos x="connsiteX35" y="connsiteY35"/>
-                </a:cxn>
-                <a:cxn ang="0">
-                  <a:pos x="connsiteX36" y="connsiteY36"/>
-                </a:cxn>
-                <a:cxn ang="0">
-                  <a:pos x="connsiteX37" y="connsiteY37"/>
-                </a:cxn>
-                <a:cxn ang="0">
-                  <a:pos x="connsiteX38" y="connsiteY38"/>
-                </a:cxn>
-                <a:cxn ang="0">
-                  <a:pos x="connsiteX39" y="connsiteY39"/>
-                </a:cxn>
-                <a:cxn ang="0">
-                  <a:pos x="connsiteX40" y="connsiteY40"/>
-                </a:cxn>
-                <a:cxn ang="0">
-                  <a:pos x="connsiteX41" y="connsiteY41"/>
-                </a:cxn>
-                <a:cxn ang="0">
-                  <a:pos x="connsiteX42" y="connsiteY42"/>
-                </a:cxn>
-                <a:cxn ang="0">
-                  <a:pos x="connsiteX43" y="connsiteY43"/>
-                </a:cxn>
-                <a:cxn ang="0">
-                  <a:pos x="connsiteX44" y="connsiteY44"/>
-                </a:cxn>
-                <a:cxn ang="0">
-                  <a:pos x="connsiteX45" y="connsiteY45"/>
-                </a:cxn>
-                <a:cxn ang="0">
-                  <a:pos x="connsiteX46" y="connsiteY46"/>
-                </a:cxn>
-                <a:cxn ang="0">
-                  <a:pos x="connsiteX47" y="connsiteY47"/>
-                </a:cxn>
-                <a:cxn ang="0">
-                  <a:pos x="connsiteX48" y="connsiteY48"/>
-                </a:cxn>
-                <a:cxn ang="0">
-                  <a:pos x="connsiteX49" y="connsiteY49"/>
-                </a:cxn>
-                <a:cxn ang="0">
-                  <a:pos x="connsiteX50" y="connsiteY50"/>
-                </a:cxn>
-                <a:cxn ang="0">
-                  <a:pos x="connsiteX51" y="connsiteY51"/>
-                </a:cxn>
-                <a:cxn ang="0">
-                  <a:pos x="connsiteX52" y="connsiteY52"/>
-                </a:cxn>
-                <a:cxn ang="0">
-                  <a:pos x="connsiteX53" y="connsiteY53"/>
-                </a:cxn>
-                <a:cxn ang="0">
-                  <a:pos x="connsiteX54" y="connsiteY54"/>
-                </a:cxn>
-              </a:cxnLst>
-              <a:rect l="l" t="t" r="r" b="b"/>
-              <a:pathLst>
-                <a:path w="1630317" h="986363">
-                  <a:moveTo>
-                    <a:pt x="436000" y="986364"/>
-                  </a:moveTo>
-                  <a:cubicBezTo>
-                    <a:pt x="426359" y="986364"/>
-                    <a:pt x="416718" y="986364"/>
-                    <a:pt x="413504" y="983150"/>
-                  </a:cubicBezTo>
-                  <a:lnTo>
-                    <a:pt x="403863" y="983150"/>
-                  </a:lnTo>
-                  <a:cubicBezTo>
-                    <a:pt x="394222" y="983150"/>
-                    <a:pt x="384581" y="983150"/>
-                    <a:pt x="378154" y="976723"/>
-                  </a:cubicBezTo>
-                  <a:cubicBezTo>
-                    <a:pt x="368513" y="976723"/>
-                    <a:pt x="362085" y="973509"/>
-                    <a:pt x="355658" y="967082"/>
-                  </a:cubicBezTo>
-                  <a:cubicBezTo>
-                    <a:pt x="346017" y="963868"/>
-                    <a:pt x="336376" y="960654"/>
-                    <a:pt x="333162" y="954227"/>
-                  </a:cubicBezTo>
-                  <a:cubicBezTo>
-                    <a:pt x="333162" y="954227"/>
-                    <a:pt x="333162" y="954227"/>
-                    <a:pt x="333162" y="954227"/>
-                  </a:cubicBezTo>
-                  <a:cubicBezTo>
-                    <a:pt x="333162" y="954227"/>
-                    <a:pt x="326735" y="954227"/>
-                    <a:pt x="326735" y="951013"/>
-                  </a:cubicBezTo>
-                  <a:cubicBezTo>
-                    <a:pt x="320307" y="947800"/>
-                    <a:pt x="313880" y="941372"/>
-                    <a:pt x="304239" y="938159"/>
-                  </a:cubicBezTo>
-                  <a:cubicBezTo>
-                    <a:pt x="301025" y="931731"/>
-                    <a:pt x="297812" y="931731"/>
-                    <a:pt x="291384" y="928518"/>
-                  </a:cubicBezTo>
-                  <a:lnTo>
-                    <a:pt x="288171" y="925304"/>
-                  </a:lnTo>
-                  <a:cubicBezTo>
-                    <a:pt x="288171" y="925304"/>
-                    <a:pt x="288171" y="925304"/>
-                    <a:pt x="288171" y="925304"/>
-                  </a:cubicBezTo>
-                  <a:cubicBezTo>
-                    <a:pt x="288171" y="925304"/>
-                    <a:pt x="288171" y="925304"/>
-                    <a:pt x="288171" y="925304"/>
-                  </a:cubicBezTo>
-                  <a:lnTo>
-                    <a:pt x="268888" y="915663"/>
-                  </a:lnTo>
-                  <a:cubicBezTo>
-                    <a:pt x="265675" y="909235"/>
-                    <a:pt x="262461" y="906022"/>
-                    <a:pt x="256034" y="902808"/>
-                  </a:cubicBezTo>
-                  <a:cubicBezTo>
-                    <a:pt x="246393" y="893167"/>
-                    <a:pt x="243179" y="883526"/>
-                    <a:pt x="239965" y="873885"/>
-                  </a:cubicBezTo>
-                  <a:lnTo>
-                    <a:pt x="27862" y="510739"/>
-                  </a:lnTo>
-                  <a:cubicBezTo>
-                    <a:pt x="-29984" y="407901"/>
-                    <a:pt x="5366" y="282567"/>
-                    <a:pt x="104991" y="221507"/>
-                  </a:cubicBezTo>
-                  <a:cubicBezTo>
-                    <a:pt x="104991" y="221507"/>
-                    <a:pt x="104991" y="221507"/>
-                    <a:pt x="108204" y="221507"/>
-                  </a:cubicBezTo>
-                  <a:cubicBezTo>
-                    <a:pt x="211042" y="160447"/>
-                    <a:pt x="339589" y="202225"/>
-                    <a:pt x="400649" y="298636"/>
-                  </a:cubicBezTo>
-                  <a:lnTo>
-                    <a:pt x="509915" y="491457"/>
-                  </a:lnTo>
-                  <a:lnTo>
-                    <a:pt x="1313336" y="28686"/>
-                  </a:lnTo>
-                  <a:cubicBezTo>
-                    <a:pt x="1409746" y="-29160"/>
-                    <a:pt x="1541507" y="2977"/>
-                    <a:pt x="1602567" y="102601"/>
-                  </a:cubicBezTo>
-                  <a:cubicBezTo>
-                    <a:pt x="1660413" y="205439"/>
-                    <a:pt x="1625063" y="337200"/>
-                    <a:pt x="1522225" y="395046"/>
-                  </a:cubicBezTo>
-                  <a:lnTo>
-                    <a:pt x="538838" y="954227"/>
-                  </a:lnTo>
-                  <a:cubicBezTo>
-                    <a:pt x="529197" y="960654"/>
-                    <a:pt x="522769" y="963868"/>
-                    <a:pt x="516342" y="967082"/>
-                  </a:cubicBezTo>
-                  <a:cubicBezTo>
-                    <a:pt x="509915" y="973509"/>
-                    <a:pt x="500274" y="973509"/>
-                    <a:pt x="497060" y="976723"/>
-                  </a:cubicBezTo>
-                  <a:cubicBezTo>
-                    <a:pt x="493846" y="976723"/>
-                    <a:pt x="493846" y="983150"/>
-                    <a:pt x="487419" y="983150"/>
-                  </a:cubicBezTo>
-                  <a:cubicBezTo>
-                    <a:pt x="477778" y="986364"/>
-                    <a:pt x="471350" y="986364"/>
-                    <a:pt x="458496" y="986364"/>
-                  </a:cubicBezTo>
-                  <a:lnTo>
-                    <a:pt x="452068" y="986364"/>
-                  </a:lnTo>
-                  <a:cubicBezTo>
-                    <a:pt x="448855" y="986364"/>
-                    <a:pt x="439214" y="986364"/>
-                    <a:pt x="436000" y="986364"/>
-                  </a:cubicBezTo>
-                  <a:close/>
-                  <a:moveTo>
-                    <a:pt x="416718" y="825680"/>
-                  </a:moveTo>
-                  <a:lnTo>
-                    <a:pt x="416718" y="825680"/>
-                  </a:lnTo>
-                  <a:cubicBezTo>
-                    <a:pt x="419932" y="825680"/>
-                    <a:pt x="426359" y="825680"/>
-                    <a:pt x="426359" y="825680"/>
-                  </a:cubicBezTo>
-                  <a:cubicBezTo>
-                    <a:pt x="429573" y="825680"/>
-                    <a:pt x="429573" y="825680"/>
-                    <a:pt x="436000" y="825680"/>
-                  </a:cubicBezTo>
-                  <a:lnTo>
-                    <a:pt x="439214" y="825680"/>
-                  </a:lnTo>
-                  <a:cubicBezTo>
-                    <a:pt x="439214" y="825680"/>
-                    <a:pt x="439214" y="825680"/>
-                    <a:pt x="442427" y="825680"/>
-                  </a:cubicBezTo>
-                  <a:cubicBezTo>
-                    <a:pt x="448855" y="825680"/>
-                    <a:pt x="448855" y="825680"/>
-                    <a:pt x="452068" y="822466"/>
-                  </a:cubicBezTo>
-                  <a:cubicBezTo>
-                    <a:pt x="458496" y="822466"/>
-                    <a:pt x="458496" y="816039"/>
-                    <a:pt x="461709" y="816039"/>
-                  </a:cubicBezTo>
-                  <a:cubicBezTo>
-                    <a:pt x="461709" y="816039"/>
-                    <a:pt x="464923" y="816039"/>
-                    <a:pt x="471350" y="812825"/>
-                  </a:cubicBezTo>
-                  <a:lnTo>
-                    <a:pt x="1441883" y="250430"/>
-                  </a:lnTo>
-                  <a:cubicBezTo>
-                    <a:pt x="1467592" y="234362"/>
-                    <a:pt x="1477233" y="202225"/>
-                    <a:pt x="1464379" y="176516"/>
-                  </a:cubicBezTo>
-                  <a:cubicBezTo>
-                    <a:pt x="1451524" y="147593"/>
-                    <a:pt x="1416173" y="141165"/>
-                    <a:pt x="1387250" y="157234"/>
-                  </a:cubicBezTo>
-                  <a:lnTo>
-                    <a:pt x="516342" y="661782"/>
-                  </a:lnTo>
-                  <a:cubicBezTo>
-                    <a:pt x="477778" y="684278"/>
-                    <a:pt x="429573" y="671423"/>
-                    <a:pt x="407077" y="632859"/>
-                  </a:cubicBezTo>
-                  <a:lnTo>
-                    <a:pt x="256034" y="375764"/>
-                  </a:lnTo>
-                  <a:cubicBezTo>
-                    <a:pt x="243179" y="350055"/>
-                    <a:pt x="207828" y="340414"/>
-                    <a:pt x="182119" y="353268"/>
-                  </a:cubicBezTo>
-                  <a:cubicBezTo>
-                    <a:pt x="153196" y="372550"/>
-                    <a:pt x="143555" y="401474"/>
-                    <a:pt x="162837" y="430397"/>
-                  </a:cubicBezTo>
-                  <a:lnTo>
-                    <a:pt x="381367" y="803184"/>
-                  </a:lnTo>
-                  <a:cubicBezTo>
-                    <a:pt x="384581" y="809611"/>
-                    <a:pt x="384581" y="809611"/>
-                    <a:pt x="391008" y="812825"/>
-                  </a:cubicBezTo>
-                  <a:cubicBezTo>
-                    <a:pt x="391008" y="812825"/>
-                    <a:pt x="391008" y="812825"/>
-                    <a:pt x="394222" y="816039"/>
-                  </a:cubicBezTo>
-                  <a:cubicBezTo>
-                    <a:pt x="400649" y="816039"/>
-                    <a:pt x="400649" y="822466"/>
-                    <a:pt x="403863" y="825680"/>
-                  </a:cubicBezTo>
-                  <a:cubicBezTo>
-                    <a:pt x="403863" y="825680"/>
-                    <a:pt x="407077" y="825680"/>
-                    <a:pt x="407077" y="828893"/>
-                  </a:cubicBezTo>
-                  <a:cubicBezTo>
-                    <a:pt x="413504" y="828893"/>
-                    <a:pt x="413504" y="835321"/>
-                    <a:pt x="416718" y="835321"/>
-                  </a:cubicBezTo>
-                  <a:cubicBezTo>
-                    <a:pt x="413504" y="825680"/>
-                    <a:pt x="416718" y="825680"/>
-                    <a:pt x="416718" y="825680"/>
-                  </a:cubicBezTo>
-                  <a:close/>
-                </a:path>
-              </a:pathLst>
-            </a:custGeom>
-            <a:solidFill>
-              <a:schemeClr val="bg1"/>
-            </a:solidFill>
-            <a:ln w="3208" cap="flat">
-              <a:noFill/>
-              <a:prstDash val="solid"/>
-              <a:miter/>
-            </a:ln>
-          </p:spPr>
-          <p:txBody>
-            <a:bodyPr rtlCol="0" anchor="ctr"/>
-            <a:lstStyle/>
-            <a:p>
-              <a:endParaRPr lang="en-IN">
-                <a:latin typeface="Arial" panose="020B0604020202020204" pitchFamily="34" charset="0"/>
-                <a:ea typeface="Calibri" panose="020F0502020204030204" pitchFamily="34" charset="0"/>
-                <a:cs typeface="Arial" panose="020B0604020202020204" pitchFamily="34" charset="0"/>
-              </a:endParaRPr>
-            </a:p>
-          </p:txBody>
-        </p:sp>
-      </p:grpSp>
       <p:sp>
         <p:nvSpPr>
           <p:cNvPr id="55" name="heading2">
@@ -6380,7 +4506,7 @@
                 <a:ea typeface="Aptos" panose="020B0004020202020204" pitchFamily="34" charset="0"/>
                 <a:cs typeface="Times New Roman" panose="02020603050405020304" pitchFamily="18" charset="0"/>
               </a:rPr>
-              <a:t>NL2SQL for Data Queries</a:t>
+              <a:t>Training on Vast Text Datasets</a:t>
             </a:r>
             <a:endParaRPr lang="en-IN" b="1" dirty="0">
               <a:latin typeface="Calibri" panose="020F0502020204030204" pitchFamily="34" charset="0"/>
@@ -6430,7 +4556,7 @@
                 <a:ea typeface="Aptos" panose="020B0004020202020204" pitchFamily="34" charset="0"/>
                 <a:cs typeface="Times New Roman" panose="02020603050405020304" pitchFamily="18" charset="0"/>
               </a:rPr>
-              <a:t>Incorporates NL2SQL approach for data-related queries, enabling users to ask questions in natural language and receive SQL-based responses for data retrieval and analysis.</a:t>
+              <a:t>LLMs are trained on massive text corpora to learn language patterns and semantics. This extensive training enables models to understand context, syntax, and semantics, resulting in more human-like text generation.</a:t>
             </a:r>
             <a:endParaRPr lang="en-IN" sz="1050" kern="100" dirty="0">
               <a:effectLst/>
@@ -9004,7 +7130,7 @@
                 <a:ea typeface="Aptos" panose="020B0004020202020204" pitchFamily="34" charset="0"/>
                 <a:cs typeface="Times New Roman" panose="02020603050405020304" pitchFamily="18" charset="0"/>
               </a:rPr>
-              <a:t>Integration with Microsoft Teams</a:t>
+              <a:t>Key Components</a:t>
             </a:r>
             <a:endParaRPr lang="en-IN" b="1" dirty="0">
               <a:latin typeface="Calibri" panose="020F0502020204030204" pitchFamily="34" charset="0"/>
@@ -9049,7 +7175,7 @@
                 <a:ea typeface="Aptos" panose="020B0004020202020204" pitchFamily="34" charset="0"/>
                 <a:cs typeface="Times New Roman" panose="02020603050405020304" pitchFamily="18" charset="0"/>
               </a:rPr>
-              <a:t>Seamless integration with Microsoft Teams for enhanced collaboration and communication. Users can interact with the chatbot directly within the Teams platform, improving accessibility and productivity.</a:t>
+              <a:t>LLMs incorporate self-attention mechanisms to weigh input tokens differently based on relevance, enhancing context understanding. Positional encodings help the model understand the sequential order of words in text generation tasks.</a:t>
             </a:r>
             <a:endParaRPr lang="en-US" sz="1050" b="0" i="0" dirty="0">
               <a:effectLst/>
@@ -11623,7 +9749,7 @@
                 <a:ea typeface="Aptos" panose="020B0004020202020204" pitchFamily="34" charset="0"/>
                 <a:cs typeface="Times New Roman" panose="02020603050405020304" pitchFamily="18" charset="0"/>
               </a:rPr>
-              <a:t>Copilot Studio Configuration</a:t>
+              <a:t>Language Understanding</a:t>
             </a:r>
             <a:endParaRPr lang="en-IN" b="1" dirty="0">
               <a:latin typeface="Calibri" panose="020F0502020204030204" pitchFamily="34" charset="0"/>
@@ -11668,7 +9794,7 @@
                 <a:ea typeface="Aptos" panose="020B0004020202020204" pitchFamily="34" charset="0"/>
                 <a:cs typeface="Times New Roman" panose="02020603050405020304" pitchFamily="18" charset="0"/>
               </a:rPr>
-              <a:t>Configuration and customization of the chatbot are facilitated through Copilot Studio, providing an intuitive interface for setting up responses, workflows, and user interactions.</a:t>
+              <a:t>LLMs excel in language understanding tasks by capturing intricate relationships between words, phrases, and sentences. This enables the model to generate coherent and contextually appropriate responses in various NLP applications.</a:t>
             </a:r>
             <a:endParaRPr lang="en-IN" sz="1050" dirty="0">
               <a:latin typeface="Calibri" panose="020F0502020204030204" pitchFamily="34" charset="0"/>
@@ -14241,7 +12367,7 @@
                 <a:ea typeface="Aptos" panose="020B0004020202020204" pitchFamily="34" charset="0"/>
                 <a:cs typeface="Times New Roman" panose="02020603050405020304" pitchFamily="18" charset="0"/>
               </a:rPr>
-              <a:t>Dynamic Learning Database</a:t>
+              <a:t>Text Generation Capabilities</a:t>
             </a:r>
             <a:endParaRPr lang="en-IN" b="1" dirty="0">
               <a:latin typeface="Calibri" panose="020F0502020204030204" pitchFamily="34" charset="0"/>
@@ -14291,7 +12417,7 @@
                 <a:ea typeface="Aptos" panose="020B0004020202020204" pitchFamily="34" charset="0"/>
                 <a:cs typeface="Times New Roman" panose="02020603050405020304" pitchFamily="18" charset="0"/>
               </a:rPr>
-              <a:t>The chatbot's database employs dynamic learning capabilities, allowing it to adapt and improve responses based on user interactions. This ensures continuous enhancement of the chatbot's knowledge base.</a:t>
+              <a:t>LLMs can generate human-like text by predicting the next word in a sequence based on learned patterns. The models leverage context from preceding words to produce fluent and contextually relevant text outputs.</a:t>
             </a:r>
             <a:endParaRPr lang="en-IN" sz="1050" kern="100" dirty="0">
               <a:effectLst/>
@@ -16264,6 +14390,2534 @@
               <a:extLst>
                 <a:ext uri="{FF2B5EF4-FFF2-40B4-BE49-F238E27FC236}">
                   <a16:creationId xmlns:a16="http://schemas.microsoft.com/office/drawing/2014/main" id="{7133AFE3-E13C-BC83-CE60-F401B1D86946}"/>
+                </a:ext>
+              </a:extLst>
+            </p:cNvPr>
+            <p:cNvSpPr/>
+            <p:nvPr/>
+          </p:nvSpPr>
+          <p:spPr>
+            <a:xfrm>
+              <a:off x="732152" y="1998681"/>
+              <a:ext cx="83050" cy="50247"/>
+            </a:xfrm>
+            <a:custGeom>
+              <a:avLst/>
+              <a:gdLst>
+                <a:gd name="connsiteX0" fmla="*/ 436000 w 1630317"/>
+                <a:gd name="connsiteY0" fmla="*/ 986364 h 986363"/>
+                <a:gd name="connsiteX1" fmla="*/ 413504 w 1630317"/>
+                <a:gd name="connsiteY1" fmla="*/ 983150 h 986363"/>
+                <a:gd name="connsiteX2" fmla="*/ 403863 w 1630317"/>
+                <a:gd name="connsiteY2" fmla="*/ 983150 h 986363"/>
+                <a:gd name="connsiteX3" fmla="*/ 378154 w 1630317"/>
+                <a:gd name="connsiteY3" fmla="*/ 976723 h 986363"/>
+                <a:gd name="connsiteX4" fmla="*/ 355658 w 1630317"/>
+                <a:gd name="connsiteY4" fmla="*/ 967082 h 986363"/>
+                <a:gd name="connsiteX5" fmla="*/ 333162 w 1630317"/>
+                <a:gd name="connsiteY5" fmla="*/ 954227 h 986363"/>
+                <a:gd name="connsiteX6" fmla="*/ 333162 w 1630317"/>
+                <a:gd name="connsiteY6" fmla="*/ 954227 h 986363"/>
+                <a:gd name="connsiteX7" fmla="*/ 326735 w 1630317"/>
+                <a:gd name="connsiteY7" fmla="*/ 951013 h 986363"/>
+                <a:gd name="connsiteX8" fmla="*/ 304239 w 1630317"/>
+                <a:gd name="connsiteY8" fmla="*/ 938159 h 986363"/>
+                <a:gd name="connsiteX9" fmla="*/ 291384 w 1630317"/>
+                <a:gd name="connsiteY9" fmla="*/ 928518 h 986363"/>
+                <a:gd name="connsiteX10" fmla="*/ 288171 w 1630317"/>
+                <a:gd name="connsiteY10" fmla="*/ 925304 h 986363"/>
+                <a:gd name="connsiteX11" fmla="*/ 288171 w 1630317"/>
+                <a:gd name="connsiteY11" fmla="*/ 925304 h 986363"/>
+                <a:gd name="connsiteX12" fmla="*/ 288171 w 1630317"/>
+                <a:gd name="connsiteY12" fmla="*/ 925304 h 986363"/>
+                <a:gd name="connsiteX13" fmla="*/ 268888 w 1630317"/>
+                <a:gd name="connsiteY13" fmla="*/ 915663 h 986363"/>
+                <a:gd name="connsiteX14" fmla="*/ 256034 w 1630317"/>
+                <a:gd name="connsiteY14" fmla="*/ 902808 h 986363"/>
+                <a:gd name="connsiteX15" fmla="*/ 239965 w 1630317"/>
+                <a:gd name="connsiteY15" fmla="*/ 873885 h 986363"/>
+                <a:gd name="connsiteX16" fmla="*/ 27862 w 1630317"/>
+                <a:gd name="connsiteY16" fmla="*/ 510739 h 986363"/>
+                <a:gd name="connsiteX17" fmla="*/ 104991 w 1630317"/>
+                <a:gd name="connsiteY17" fmla="*/ 221507 h 986363"/>
+                <a:gd name="connsiteX18" fmla="*/ 108204 w 1630317"/>
+                <a:gd name="connsiteY18" fmla="*/ 221507 h 986363"/>
+                <a:gd name="connsiteX19" fmla="*/ 400649 w 1630317"/>
+                <a:gd name="connsiteY19" fmla="*/ 298636 h 986363"/>
+                <a:gd name="connsiteX20" fmla="*/ 509915 w 1630317"/>
+                <a:gd name="connsiteY20" fmla="*/ 491457 h 986363"/>
+                <a:gd name="connsiteX21" fmla="*/ 1313336 w 1630317"/>
+                <a:gd name="connsiteY21" fmla="*/ 28686 h 986363"/>
+                <a:gd name="connsiteX22" fmla="*/ 1602567 w 1630317"/>
+                <a:gd name="connsiteY22" fmla="*/ 102601 h 986363"/>
+                <a:gd name="connsiteX23" fmla="*/ 1522225 w 1630317"/>
+                <a:gd name="connsiteY23" fmla="*/ 395046 h 986363"/>
+                <a:gd name="connsiteX24" fmla="*/ 538838 w 1630317"/>
+                <a:gd name="connsiteY24" fmla="*/ 954227 h 986363"/>
+                <a:gd name="connsiteX25" fmla="*/ 516342 w 1630317"/>
+                <a:gd name="connsiteY25" fmla="*/ 967082 h 986363"/>
+                <a:gd name="connsiteX26" fmla="*/ 497060 w 1630317"/>
+                <a:gd name="connsiteY26" fmla="*/ 976723 h 986363"/>
+                <a:gd name="connsiteX27" fmla="*/ 487419 w 1630317"/>
+                <a:gd name="connsiteY27" fmla="*/ 983150 h 986363"/>
+                <a:gd name="connsiteX28" fmla="*/ 458496 w 1630317"/>
+                <a:gd name="connsiteY28" fmla="*/ 986364 h 986363"/>
+                <a:gd name="connsiteX29" fmla="*/ 452068 w 1630317"/>
+                <a:gd name="connsiteY29" fmla="*/ 986364 h 986363"/>
+                <a:gd name="connsiteX30" fmla="*/ 436000 w 1630317"/>
+                <a:gd name="connsiteY30" fmla="*/ 986364 h 986363"/>
+                <a:gd name="connsiteX31" fmla="*/ 416718 w 1630317"/>
+                <a:gd name="connsiteY31" fmla="*/ 825680 h 986363"/>
+                <a:gd name="connsiteX32" fmla="*/ 416718 w 1630317"/>
+                <a:gd name="connsiteY32" fmla="*/ 825680 h 986363"/>
+                <a:gd name="connsiteX33" fmla="*/ 426359 w 1630317"/>
+                <a:gd name="connsiteY33" fmla="*/ 825680 h 986363"/>
+                <a:gd name="connsiteX34" fmla="*/ 436000 w 1630317"/>
+                <a:gd name="connsiteY34" fmla="*/ 825680 h 986363"/>
+                <a:gd name="connsiteX35" fmla="*/ 439214 w 1630317"/>
+                <a:gd name="connsiteY35" fmla="*/ 825680 h 986363"/>
+                <a:gd name="connsiteX36" fmla="*/ 442427 w 1630317"/>
+                <a:gd name="connsiteY36" fmla="*/ 825680 h 986363"/>
+                <a:gd name="connsiteX37" fmla="*/ 452068 w 1630317"/>
+                <a:gd name="connsiteY37" fmla="*/ 822466 h 986363"/>
+                <a:gd name="connsiteX38" fmla="*/ 461709 w 1630317"/>
+                <a:gd name="connsiteY38" fmla="*/ 816039 h 986363"/>
+                <a:gd name="connsiteX39" fmla="*/ 471350 w 1630317"/>
+                <a:gd name="connsiteY39" fmla="*/ 812825 h 986363"/>
+                <a:gd name="connsiteX40" fmla="*/ 1441883 w 1630317"/>
+                <a:gd name="connsiteY40" fmla="*/ 250430 h 986363"/>
+                <a:gd name="connsiteX41" fmla="*/ 1464379 w 1630317"/>
+                <a:gd name="connsiteY41" fmla="*/ 176516 h 986363"/>
+                <a:gd name="connsiteX42" fmla="*/ 1387250 w 1630317"/>
+                <a:gd name="connsiteY42" fmla="*/ 157234 h 986363"/>
+                <a:gd name="connsiteX43" fmla="*/ 516342 w 1630317"/>
+                <a:gd name="connsiteY43" fmla="*/ 661782 h 986363"/>
+                <a:gd name="connsiteX44" fmla="*/ 407077 w 1630317"/>
+                <a:gd name="connsiteY44" fmla="*/ 632859 h 986363"/>
+                <a:gd name="connsiteX45" fmla="*/ 256034 w 1630317"/>
+                <a:gd name="connsiteY45" fmla="*/ 375764 h 986363"/>
+                <a:gd name="connsiteX46" fmla="*/ 182119 w 1630317"/>
+                <a:gd name="connsiteY46" fmla="*/ 353268 h 986363"/>
+                <a:gd name="connsiteX47" fmla="*/ 162837 w 1630317"/>
+                <a:gd name="connsiteY47" fmla="*/ 430397 h 986363"/>
+                <a:gd name="connsiteX48" fmla="*/ 381367 w 1630317"/>
+                <a:gd name="connsiteY48" fmla="*/ 803184 h 986363"/>
+                <a:gd name="connsiteX49" fmla="*/ 391008 w 1630317"/>
+                <a:gd name="connsiteY49" fmla="*/ 812825 h 986363"/>
+                <a:gd name="connsiteX50" fmla="*/ 394222 w 1630317"/>
+                <a:gd name="connsiteY50" fmla="*/ 816039 h 986363"/>
+                <a:gd name="connsiteX51" fmla="*/ 403863 w 1630317"/>
+                <a:gd name="connsiteY51" fmla="*/ 825680 h 986363"/>
+                <a:gd name="connsiteX52" fmla="*/ 407077 w 1630317"/>
+                <a:gd name="connsiteY52" fmla="*/ 828893 h 986363"/>
+                <a:gd name="connsiteX53" fmla="*/ 416718 w 1630317"/>
+                <a:gd name="connsiteY53" fmla="*/ 835321 h 986363"/>
+                <a:gd name="connsiteX54" fmla="*/ 416718 w 1630317"/>
+                <a:gd name="connsiteY54" fmla="*/ 825680 h 986363"/>
+              </a:gdLst>
+              <a:ahLst/>
+              <a:cxnLst>
+                <a:cxn ang="0">
+                  <a:pos x="connsiteX0" y="connsiteY0"/>
+                </a:cxn>
+                <a:cxn ang="0">
+                  <a:pos x="connsiteX1" y="connsiteY1"/>
+                </a:cxn>
+                <a:cxn ang="0">
+                  <a:pos x="connsiteX2" y="connsiteY2"/>
+                </a:cxn>
+                <a:cxn ang="0">
+                  <a:pos x="connsiteX3" y="connsiteY3"/>
+                </a:cxn>
+                <a:cxn ang="0">
+                  <a:pos x="connsiteX4" y="connsiteY4"/>
+                </a:cxn>
+                <a:cxn ang="0">
+                  <a:pos x="connsiteX5" y="connsiteY5"/>
+                </a:cxn>
+                <a:cxn ang="0">
+                  <a:pos x="connsiteX6" y="connsiteY6"/>
+                </a:cxn>
+                <a:cxn ang="0">
+                  <a:pos x="connsiteX7" y="connsiteY7"/>
+                </a:cxn>
+                <a:cxn ang="0">
+                  <a:pos x="connsiteX8" y="connsiteY8"/>
+                </a:cxn>
+                <a:cxn ang="0">
+                  <a:pos x="connsiteX9" y="connsiteY9"/>
+                </a:cxn>
+                <a:cxn ang="0">
+                  <a:pos x="connsiteX10" y="connsiteY10"/>
+                </a:cxn>
+                <a:cxn ang="0">
+                  <a:pos x="connsiteX11" y="connsiteY11"/>
+                </a:cxn>
+                <a:cxn ang="0">
+                  <a:pos x="connsiteX12" y="connsiteY12"/>
+                </a:cxn>
+                <a:cxn ang="0">
+                  <a:pos x="connsiteX13" y="connsiteY13"/>
+                </a:cxn>
+                <a:cxn ang="0">
+                  <a:pos x="connsiteX14" y="connsiteY14"/>
+                </a:cxn>
+                <a:cxn ang="0">
+                  <a:pos x="connsiteX15" y="connsiteY15"/>
+                </a:cxn>
+                <a:cxn ang="0">
+                  <a:pos x="connsiteX16" y="connsiteY16"/>
+                </a:cxn>
+                <a:cxn ang="0">
+                  <a:pos x="connsiteX17" y="connsiteY17"/>
+                </a:cxn>
+                <a:cxn ang="0">
+                  <a:pos x="connsiteX18" y="connsiteY18"/>
+                </a:cxn>
+                <a:cxn ang="0">
+                  <a:pos x="connsiteX19" y="connsiteY19"/>
+                </a:cxn>
+                <a:cxn ang="0">
+                  <a:pos x="connsiteX20" y="connsiteY20"/>
+                </a:cxn>
+                <a:cxn ang="0">
+                  <a:pos x="connsiteX21" y="connsiteY21"/>
+                </a:cxn>
+                <a:cxn ang="0">
+                  <a:pos x="connsiteX22" y="connsiteY22"/>
+                </a:cxn>
+                <a:cxn ang="0">
+                  <a:pos x="connsiteX23" y="connsiteY23"/>
+                </a:cxn>
+                <a:cxn ang="0">
+                  <a:pos x="connsiteX24" y="connsiteY24"/>
+                </a:cxn>
+                <a:cxn ang="0">
+                  <a:pos x="connsiteX25" y="connsiteY25"/>
+                </a:cxn>
+                <a:cxn ang="0">
+                  <a:pos x="connsiteX26" y="connsiteY26"/>
+                </a:cxn>
+                <a:cxn ang="0">
+                  <a:pos x="connsiteX27" y="connsiteY27"/>
+                </a:cxn>
+                <a:cxn ang="0">
+                  <a:pos x="connsiteX28" y="connsiteY28"/>
+                </a:cxn>
+                <a:cxn ang="0">
+                  <a:pos x="connsiteX29" y="connsiteY29"/>
+                </a:cxn>
+                <a:cxn ang="0">
+                  <a:pos x="connsiteX30" y="connsiteY30"/>
+                </a:cxn>
+                <a:cxn ang="0">
+                  <a:pos x="connsiteX31" y="connsiteY31"/>
+                </a:cxn>
+                <a:cxn ang="0">
+                  <a:pos x="connsiteX32" y="connsiteY32"/>
+                </a:cxn>
+                <a:cxn ang="0">
+                  <a:pos x="connsiteX33" y="connsiteY33"/>
+                </a:cxn>
+                <a:cxn ang="0">
+                  <a:pos x="connsiteX34" y="connsiteY34"/>
+                </a:cxn>
+                <a:cxn ang="0">
+                  <a:pos x="connsiteX35" y="connsiteY35"/>
+                </a:cxn>
+                <a:cxn ang="0">
+                  <a:pos x="connsiteX36" y="connsiteY36"/>
+                </a:cxn>
+                <a:cxn ang="0">
+                  <a:pos x="connsiteX37" y="connsiteY37"/>
+                </a:cxn>
+                <a:cxn ang="0">
+                  <a:pos x="connsiteX38" y="connsiteY38"/>
+                </a:cxn>
+                <a:cxn ang="0">
+                  <a:pos x="connsiteX39" y="connsiteY39"/>
+                </a:cxn>
+                <a:cxn ang="0">
+                  <a:pos x="connsiteX40" y="connsiteY40"/>
+                </a:cxn>
+                <a:cxn ang="0">
+                  <a:pos x="connsiteX41" y="connsiteY41"/>
+                </a:cxn>
+                <a:cxn ang="0">
+                  <a:pos x="connsiteX42" y="connsiteY42"/>
+                </a:cxn>
+                <a:cxn ang="0">
+                  <a:pos x="connsiteX43" y="connsiteY43"/>
+                </a:cxn>
+                <a:cxn ang="0">
+                  <a:pos x="connsiteX44" y="connsiteY44"/>
+                </a:cxn>
+                <a:cxn ang="0">
+                  <a:pos x="connsiteX45" y="connsiteY45"/>
+                </a:cxn>
+                <a:cxn ang="0">
+                  <a:pos x="connsiteX46" y="connsiteY46"/>
+                </a:cxn>
+                <a:cxn ang="0">
+                  <a:pos x="connsiteX47" y="connsiteY47"/>
+                </a:cxn>
+                <a:cxn ang="0">
+                  <a:pos x="connsiteX48" y="connsiteY48"/>
+                </a:cxn>
+                <a:cxn ang="0">
+                  <a:pos x="connsiteX49" y="connsiteY49"/>
+                </a:cxn>
+                <a:cxn ang="0">
+                  <a:pos x="connsiteX50" y="connsiteY50"/>
+                </a:cxn>
+                <a:cxn ang="0">
+                  <a:pos x="connsiteX51" y="connsiteY51"/>
+                </a:cxn>
+                <a:cxn ang="0">
+                  <a:pos x="connsiteX52" y="connsiteY52"/>
+                </a:cxn>
+                <a:cxn ang="0">
+                  <a:pos x="connsiteX53" y="connsiteY53"/>
+                </a:cxn>
+                <a:cxn ang="0">
+                  <a:pos x="connsiteX54" y="connsiteY54"/>
+                </a:cxn>
+              </a:cxnLst>
+              <a:rect l="l" t="t" r="r" b="b"/>
+              <a:pathLst>
+                <a:path w="1630317" h="986363">
+                  <a:moveTo>
+                    <a:pt x="436000" y="986364"/>
+                  </a:moveTo>
+                  <a:cubicBezTo>
+                    <a:pt x="426359" y="986364"/>
+                    <a:pt x="416718" y="986364"/>
+                    <a:pt x="413504" y="983150"/>
+                  </a:cubicBezTo>
+                  <a:lnTo>
+                    <a:pt x="403863" y="983150"/>
+                  </a:lnTo>
+                  <a:cubicBezTo>
+                    <a:pt x="394222" y="983150"/>
+                    <a:pt x="384581" y="983150"/>
+                    <a:pt x="378154" y="976723"/>
+                  </a:cubicBezTo>
+                  <a:cubicBezTo>
+                    <a:pt x="368513" y="976723"/>
+                    <a:pt x="362085" y="973509"/>
+                    <a:pt x="355658" y="967082"/>
+                  </a:cubicBezTo>
+                  <a:cubicBezTo>
+                    <a:pt x="346017" y="963868"/>
+                    <a:pt x="336376" y="960654"/>
+                    <a:pt x="333162" y="954227"/>
+                  </a:cubicBezTo>
+                  <a:cubicBezTo>
+                    <a:pt x="333162" y="954227"/>
+                    <a:pt x="333162" y="954227"/>
+                    <a:pt x="333162" y="954227"/>
+                  </a:cubicBezTo>
+                  <a:cubicBezTo>
+                    <a:pt x="333162" y="954227"/>
+                    <a:pt x="326735" y="954227"/>
+                    <a:pt x="326735" y="951013"/>
+                  </a:cubicBezTo>
+                  <a:cubicBezTo>
+                    <a:pt x="320307" y="947800"/>
+                    <a:pt x="313880" y="941372"/>
+                    <a:pt x="304239" y="938159"/>
+                  </a:cubicBezTo>
+                  <a:cubicBezTo>
+                    <a:pt x="301025" y="931731"/>
+                    <a:pt x="297812" y="931731"/>
+                    <a:pt x="291384" y="928518"/>
+                  </a:cubicBezTo>
+                  <a:lnTo>
+                    <a:pt x="288171" y="925304"/>
+                  </a:lnTo>
+                  <a:cubicBezTo>
+                    <a:pt x="288171" y="925304"/>
+                    <a:pt x="288171" y="925304"/>
+                    <a:pt x="288171" y="925304"/>
+                  </a:cubicBezTo>
+                  <a:cubicBezTo>
+                    <a:pt x="288171" y="925304"/>
+                    <a:pt x="288171" y="925304"/>
+                    <a:pt x="288171" y="925304"/>
+                  </a:cubicBezTo>
+                  <a:lnTo>
+                    <a:pt x="268888" y="915663"/>
+                  </a:lnTo>
+                  <a:cubicBezTo>
+                    <a:pt x="265675" y="909235"/>
+                    <a:pt x="262461" y="906022"/>
+                    <a:pt x="256034" y="902808"/>
+                  </a:cubicBezTo>
+                  <a:cubicBezTo>
+                    <a:pt x="246393" y="893167"/>
+                    <a:pt x="243179" y="883526"/>
+                    <a:pt x="239965" y="873885"/>
+                  </a:cubicBezTo>
+                  <a:lnTo>
+                    <a:pt x="27862" y="510739"/>
+                  </a:lnTo>
+                  <a:cubicBezTo>
+                    <a:pt x="-29984" y="407901"/>
+                    <a:pt x="5366" y="282567"/>
+                    <a:pt x="104991" y="221507"/>
+                  </a:cubicBezTo>
+                  <a:cubicBezTo>
+                    <a:pt x="104991" y="221507"/>
+                    <a:pt x="104991" y="221507"/>
+                    <a:pt x="108204" y="221507"/>
+                  </a:cubicBezTo>
+                  <a:cubicBezTo>
+                    <a:pt x="211042" y="160447"/>
+                    <a:pt x="339589" y="202225"/>
+                    <a:pt x="400649" y="298636"/>
+                  </a:cubicBezTo>
+                  <a:lnTo>
+                    <a:pt x="509915" y="491457"/>
+                  </a:lnTo>
+                  <a:lnTo>
+                    <a:pt x="1313336" y="28686"/>
+                  </a:lnTo>
+                  <a:cubicBezTo>
+                    <a:pt x="1409746" y="-29160"/>
+                    <a:pt x="1541507" y="2977"/>
+                    <a:pt x="1602567" y="102601"/>
+                  </a:cubicBezTo>
+                  <a:cubicBezTo>
+                    <a:pt x="1660413" y="205439"/>
+                    <a:pt x="1625063" y="337200"/>
+                    <a:pt x="1522225" y="395046"/>
+                  </a:cubicBezTo>
+                  <a:lnTo>
+                    <a:pt x="538838" y="954227"/>
+                  </a:lnTo>
+                  <a:cubicBezTo>
+                    <a:pt x="529197" y="960654"/>
+                    <a:pt x="522769" y="963868"/>
+                    <a:pt x="516342" y="967082"/>
+                  </a:cubicBezTo>
+                  <a:cubicBezTo>
+                    <a:pt x="509915" y="973509"/>
+                    <a:pt x="500274" y="973509"/>
+                    <a:pt x="497060" y="976723"/>
+                  </a:cubicBezTo>
+                  <a:cubicBezTo>
+                    <a:pt x="493846" y="976723"/>
+                    <a:pt x="493846" y="983150"/>
+                    <a:pt x="487419" y="983150"/>
+                  </a:cubicBezTo>
+                  <a:cubicBezTo>
+                    <a:pt x="477778" y="986364"/>
+                    <a:pt x="471350" y="986364"/>
+                    <a:pt x="458496" y="986364"/>
+                  </a:cubicBezTo>
+                  <a:lnTo>
+                    <a:pt x="452068" y="986364"/>
+                  </a:lnTo>
+                  <a:cubicBezTo>
+                    <a:pt x="448855" y="986364"/>
+                    <a:pt x="439214" y="986364"/>
+                    <a:pt x="436000" y="986364"/>
+                  </a:cubicBezTo>
+                  <a:close/>
+                  <a:moveTo>
+                    <a:pt x="416718" y="825680"/>
+                  </a:moveTo>
+                  <a:lnTo>
+                    <a:pt x="416718" y="825680"/>
+                  </a:lnTo>
+                  <a:cubicBezTo>
+                    <a:pt x="419932" y="825680"/>
+                    <a:pt x="426359" y="825680"/>
+                    <a:pt x="426359" y="825680"/>
+                  </a:cubicBezTo>
+                  <a:cubicBezTo>
+                    <a:pt x="429573" y="825680"/>
+                    <a:pt x="429573" y="825680"/>
+                    <a:pt x="436000" y="825680"/>
+                  </a:cubicBezTo>
+                  <a:lnTo>
+                    <a:pt x="439214" y="825680"/>
+                  </a:lnTo>
+                  <a:cubicBezTo>
+                    <a:pt x="439214" y="825680"/>
+                    <a:pt x="439214" y="825680"/>
+                    <a:pt x="442427" y="825680"/>
+                  </a:cubicBezTo>
+                  <a:cubicBezTo>
+                    <a:pt x="448855" y="825680"/>
+                    <a:pt x="448855" y="825680"/>
+                    <a:pt x="452068" y="822466"/>
+                  </a:cubicBezTo>
+                  <a:cubicBezTo>
+                    <a:pt x="458496" y="822466"/>
+                    <a:pt x="458496" y="816039"/>
+                    <a:pt x="461709" y="816039"/>
+                  </a:cubicBezTo>
+                  <a:cubicBezTo>
+                    <a:pt x="461709" y="816039"/>
+                    <a:pt x="464923" y="816039"/>
+                    <a:pt x="471350" y="812825"/>
+                  </a:cubicBezTo>
+                  <a:lnTo>
+                    <a:pt x="1441883" y="250430"/>
+                  </a:lnTo>
+                  <a:cubicBezTo>
+                    <a:pt x="1467592" y="234362"/>
+                    <a:pt x="1477233" y="202225"/>
+                    <a:pt x="1464379" y="176516"/>
+                  </a:cubicBezTo>
+                  <a:cubicBezTo>
+                    <a:pt x="1451524" y="147593"/>
+                    <a:pt x="1416173" y="141165"/>
+                    <a:pt x="1387250" y="157234"/>
+                  </a:cubicBezTo>
+                  <a:lnTo>
+                    <a:pt x="516342" y="661782"/>
+                  </a:lnTo>
+                  <a:cubicBezTo>
+                    <a:pt x="477778" y="684278"/>
+                    <a:pt x="429573" y="671423"/>
+                    <a:pt x="407077" y="632859"/>
+                  </a:cubicBezTo>
+                  <a:lnTo>
+                    <a:pt x="256034" y="375764"/>
+                  </a:lnTo>
+                  <a:cubicBezTo>
+                    <a:pt x="243179" y="350055"/>
+                    <a:pt x="207828" y="340414"/>
+                    <a:pt x="182119" y="353268"/>
+                  </a:cubicBezTo>
+                  <a:cubicBezTo>
+                    <a:pt x="153196" y="372550"/>
+                    <a:pt x="143555" y="401474"/>
+                    <a:pt x="162837" y="430397"/>
+                  </a:cubicBezTo>
+                  <a:lnTo>
+                    <a:pt x="381367" y="803184"/>
+                  </a:lnTo>
+                  <a:cubicBezTo>
+                    <a:pt x="384581" y="809611"/>
+                    <a:pt x="384581" y="809611"/>
+                    <a:pt x="391008" y="812825"/>
+                  </a:cubicBezTo>
+                  <a:cubicBezTo>
+                    <a:pt x="391008" y="812825"/>
+                    <a:pt x="391008" y="812825"/>
+                    <a:pt x="394222" y="816039"/>
+                  </a:cubicBezTo>
+                  <a:cubicBezTo>
+                    <a:pt x="400649" y="816039"/>
+                    <a:pt x="400649" y="822466"/>
+                    <a:pt x="403863" y="825680"/>
+                  </a:cubicBezTo>
+                  <a:cubicBezTo>
+                    <a:pt x="403863" y="825680"/>
+                    <a:pt x="407077" y="825680"/>
+                    <a:pt x="407077" y="828893"/>
+                  </a:cubicBezTo>
+                  <a:cubicBezTo>
+                    <a:pt x="413504" y="828893"/>
+                    <a:pt x="413504" y="835321"/>
+                    <a:pt x="416718" y="835321"/>
+                  </a:cubicBezTo>
+                  <a:cubicBezTo>
+                    <a:pt x="413504" y="825680"/>
+                    <a:pt x="416718" y="825680"/>
+                    <a:pt x="416718" y="825680"/>
+                  </a:cubicBezTo>
+                  <a:close/>
+                </a:path>
+              </a:pathLst>
+            </a:custGeom>
+            <a:solidFill>
+              <a:schemeClr val="bg1"/>
+            </a:solidFill>
+            <a:ln w="3208" cap="flat">
+              <a:noFill/>
+              <a:prstDash val="solid"/>
+              <a:miter/>
+            </a:ln>
+          </p:spPr>
+          <p:txBody>
+            <a:bodyPr rtlCol="0" anchor="ctr"/>
+            <a:lstStyle/>
+            <a:p>
+              <a:endParaRPr lang="en-IN">
+                <a:latin typeface="Arial" panose="020B0604020202020204" pitchFamily="34" charset="0"/>
+                <a:ea typeface="Calibri" panose="020F0502020204030204" pitchFamily="34" charset="0"/>
+                <a:cs typeface="Arial" panose="020B0604020202020204" pitchFamily="34" charset="0"/>
+              </a:endParaRPr>
+            </a:p>
+          </p:txBody>
+        </p:sp>
+      </p:grpSp>
+      <p:grpSp>
+        <p:nvGrpSpPr>
+          <p:cNvPr id="9" name="Group 8">
+            <a:extLst>
+              <a:ext uri="{FF2B5EF4-FFF2-40B4-BE49-F238E27FC236}">
+                <a16:creationId xmlns:a16="http://schemas.microsoft.com/office/drawing/2014/main" id="{D834F42D-6B5E-C90D-4684-C1B861F0E418}"/>
+              </a:ext>
+            </a:extLst>
+          </p:cNvPr>
+          <p:cNvGrpSpPr/>
+          <p:nvPr/>
+        </p:nvGrpSpPr>
+        <p:grpSpPr>
+          <a:xfrm>
+            <a:off x="787713" y="2805153"/>
+            <a:ext cx="530000" cy="530000"/>
+            <a:chOff x="466957" y="1741282"/>
+            <a:chExt cx="530000" cy="530000"/>
+          </a:xfrm>
+        </p:grpSpPr>
+        <p:sp>
+          <p:nvSpPr>
+            <p:cNvPr id="10" name="Shape1_20240823_150448">
+              <a:extLst>
+                <a:ext uri="{FF2B5EF4-FFF2-40B4-BE49-F238E27FC236}">
+                  <a16:creationId xmlns:a16="http://schemas.microsoft.com/office/drawing/2014/main" id="{18BBDE8A-5BF2-8035-1FF1-2ABD7D012299}"/>
+                </a:ext>
+              </a:extLst>
+            </p:cNvPr>
+            <p:cNvSpPr>
+              <a:spLocks noChangeAspect="1"/>
+            </p:cNvSpPr>
+            <p:nvPr/>
+          </p:nvSpPr>
+          <p:spPr>
+            <a:xfrm>
+              <a:off x="466957" y="1741282"/>
+              <a:ext cx="530000" cy="530000"/>
+            </a:xfrm>
+            <a:prstGeom prst="ellipse">
+              <a:avLst/>
+            </a:prstGeom>
+            <a:solidFill>
+              <a:schemeClr val="accent2"/>
+            </a:solidFill>
+            <a:ln w="76200">
+              <a:noFill/>
+            </a:ln>
+            <a:effectLst>
+              <a:softEdge rad="0"/>
+            </a:effectLst>
+          </p:spPr>
+          <p:style>
+            <a:lnRef idx="2">
+              <a:schemeClr val="accent1">
+                <a:shade val="50000"/>
+              </a:schemeClr>
+            </a:lnRef>
+            <a:fillRef idx="1">
+              <a:schemeClr val="accent1"/>
+            </a:fillRef>
+            <a:effectRef idx="0">
+              <a:schemeClr val="accent1"/>
+            </a:effectRef>
+            <a:fontRef idx="minor">
+              <a:schemeClr val="lt1"/>
+            </a:fontRef>
+          </p:style>
+          <p:txBody>
+            <a:bodyPr wrap="square" rtlCol="0" anchor="ctr">
+              <a:noAutofit/>
+            </a:bodyPr>
+            <a:lstStyle/>
+            <a:p>
+              <a:pPr algn="ctr"/>
+              <a:endParaRPr lang="en-IN">
+                <a:latin typeface="Arial" panose="020B0604020202020204" pitchFamily="34" charset="0"/>
+                <a:cs typeface="Arial" panose="020B0604020202020204" pitchFamily="34" charset="0"/>
+              </a:endParaRPr>
+            </a:p>
+          </p:txBody>
+        </p:sp>
+        <p:sp>
+          <p:nvSpPr>
+            <p:cNvPr id="76" name="Freeform: Shape 75">
+              <a:extLst>
+                <a:ext uri="{FF2B5EF4-FFF2-40B4-BE49-F238E27FC236}">
+                  <a16:creationId xmlns:a16="http://schemas.microsoft.com/office/drawing/2014/main" id="{2B4349AE-989E-39BD-9281-A1BFDE89A1AC}"/>
+                </a:ext>
+              </a:extLst>
+            </p:cNvPr>
+            <p:cNvSpPr/>
+            <p:nvPr/>
+          </p:nvSpPr>
+          <p:spPr>
+            <a:xfrm>
+              <a:off x="639930" y="1899952"/>
+              <a:ext cx="184991" cy="230012"/>
+            </a:xfrm>
+            <a:custGeom>
+              <a:avLst/>
+              <a:gdLst>
+                <a:gd name="connsiteX0" fmla="*/ 3547906 w 3631461"/>
+                <a:gd name="connsiteY0" fmla="*/ 4515225 h 4515224"/>
+                <a:gd name="connsiteX1" fmla="*/ 80342 w 3631461"/>
+                <a:gd name="connsiteY1" fmla="*/ 4515225 h 4515224"/>
+                <a:gd name="connsiteX2" fmla="*/ 0 w 3631461"/>
+                <a:gd name="connsiteY2" fmla="*/ 4434883 h 4515224"/>
+                <a:gd name="connsiteX3" fmla="*/ 0 w 3631461"/>
+                <a:gd name="connsiteY3" fmla="*/ 80342 h 4515224"/>
+                <a:gd name="connsiteX4" fmla="*/ 80342 w 3631461"/>
+                <a:gd name="connsiteY4" fmla="*/ 0 h 4515224"/>
+                <a:gd name="connsiteX5" fmla="*/ 2731631 w 3631461"/>
+                <a:gd name="connsiteY5" fmla="*/ 0 h 4515224"/>
+                <a:gd name="connsiteX6" fmla="*/ 2811973 w 3631461"/>
+                <a:gd name="connsiteY6" fmla="*/ 80342 h 4515224"/>
+                <a:gd name="connsiteX7" fmla="*/ 2731631 w 3631461"/>
+                <a:gd name="connsiteY7" fmla="*/ 160684 h 4515224"/>
+                <a:gd name="connsiteX8" fmla="*/ 154257 w 3631461"/>
+                <a:gd name="connsiteY8" fmla="*/ 160684 h 4515224"/>
+                <a:gd name="connsiteX9" fmla="*/ 154257 w 3631461"/>
+                <a:gd name="connsiteY9" fmla="*/ 4364182 h 4515224"/>
+                <a:gd name="connsiteX10" fmla="*/ 3470778 w 3631461"/>
+                <a:gd name="connsiteY10" fmla="*/ 4364182 h 4515224"/>
+                <a:gd name="connsiteX11" fmla="*/ 3470778 w 3631461"/>
+                <a:gd name="connsiteY11" fmla="*/ 3753582 h 4515224"/>
+                <a:gd name="connsiteX12" fmla="*/ 3551120 w 3631461"/>
+                <a:gd name="connsiteY12" fmla="*/ 3673240 h 4515224"/>
+                <a:gd name="connsiteX13" fmla="*/ 3631462 w 3631461"/>
+                <a:gd name="connsiteY13" fmla="*/ 3753582 h 4515224"/>
+                <a:gd name="connsiteX14" fmla="*/ 3631462 w 3631461"/>
+                <a:gd name="connsiteY14" fmla="*/ 4441310 h 4515224"/>
+                <a:gd name="connsiteX15" fmla="*/ 3547906 w 3631461"/>
+                <a:gd name="connsiteY15" fmla="*/ 4515225 h 4515224"/>
+                <a:gd name="connsiteX16" fmla="*/ 3547906 w 3631461"/>
+                <a:gd name="connsiteY16" fmla="*/ 1924996 h 4515224"/>
+                <a:gd name="connsiteX17" fmla="*/ 3467564 w 3631461"/>
+                <a:gd name="connsiteY17" fmla="*/ 1844654 h 4515224"/>
+                <a:gd name="connsiteX18" fmla="*/ 3467564 w 3631461"/>
+                <a:gd name="connsiteY18" fmla="*/ 899831 h 4515224"/>
+                <a:gd name="connsiteX19" fmla="*/ 3547906 w 3631461"/>
+                <a:gd name="connsiteY19" fmla="*/ 822703 h 4515224"/>
+                <a:gd name="connsiteX20" fmla="*/ 3625035 w 3631461"/>
+                <a:gd name="connsiteY20" fmla="*/ 899831 h 4515224"/>
+                <a:gd name="connsiteX21" fmla="*/ 3625035 w 3631461"/>
+                <a:gd name="connsiteY21" fmla="*/ 1851082 h 4515224"/>
+                <a:gd name="connsiteX22" fmla="*/ 3547906 w 3631461"/>
+                <a:gd name="connsiteY22" fmla="*/ 1924996 h 4515224"/>
+              </a:gdLst>
+              <a:ahLst/>
+              <a:cxnLst>
+                <a:cxn ang="0">
+                  <a:pos x="connsiteX0" y="connsiteY0"/>
+                </a:cxn>
+                <a:cxn ang="0">
+                  <a:pos x="connsiteX1" y="connsiteY1"/>
+                </a:cxn>
+                <a:cxn ang="0">
+                  <a:pos x="connsiteX2" y="connsiteY2"/>
+                </a:cxn>
+                <a:cxn ang="0">
+                  <a:pos x="connsiteX3" y="connsiteY3"/>
+                </a:cxn>
+                <a:cxn ang="0">
+                  <a:pos x="connsiteX4" y="connsiteY4"/>
+                </a:cxn>
+                <a:cxn ang="0">
+                  <a:pos x="connsiteX5" y="connsiteY5"/>
+                </a:cxn>
+                <a:cxn ang="0">
+                  <a:pos x="connsiteX6" y="connsiteY6"/>
+                </a:cxn>
+                <a:cxn ang="0">
+                  <a:pos x="connsiteX7" y="connsiteY7"/>
+                </a:cxn>
+                <a:cxn ang="0">
+                  <a:pos x="connsiteX8" y="connsiteY8"/>
+                </a:cxn>
+                <a:cxn ang="0">
+                  <a:pos x="connsiteX9" y="connsiteY9"/>
+                </a:cxn>
+                <a:cxn ang="0">
+                  <a:pos x="connsiteX10" y="connsiteY10"/>
+                </a:cxn>
+                <a:cxn ang="0">
+                  <a:pos x="connsiteX11" y="connsiteY11"/>
+                </a:cxn>
+                <a:cxn ang="0">
+                  <a:pos x="connsiteX12" y="connsiteY12"/>
+                </a:cxn>
+                <a:cxn ang="0">
+                  <a:pos x="connsiteX13" y="connsiteY13"/>
+                </a:cxn>
+                <a:cxn ang="0">
+                  <a:pos x="connsiteX14" y="connsiteY14"/>
+                </a:cxn>
+                <a:cxn ang="0">
+                  <a:pos x="connsiteX15" y="connsiteY15"/>
+                </a:cxn>
+                <a:cxn ang="0">
+                  <a:pos x="connsiteX16" y="connsiteY16"/>
+                </a:cxn>
+                <a:cxn ang="0">
+                  <a:pos x="connsiteX17" y="connsiteY17"/>
+                </a:cxn>
+                <a:cxn ang="0">
+                  <a:pos x="connsiteX18" y="connsiteY18"/>
+                </a:cxn>
+                <a:cxn ang="0">
+                  <a:pos x="connsiteX19" y="connsiteY19"/>
+                </a:cxn>
+                <a:cxn ang="0">
+                  <a:pos x="connsiteX20" y="connsiteY20"/>
+                </a:cxn>
+                <a:cxn ang="0">
+                  <a:pos x="connsiteX21" y="connsiteY21"/>
+                </a:cxn>
+                <a:cxn ang="0">
+                  <a:pos x="connsiteX22" y="connsiteY22"/>
+                </a:cxn>
+              </a:cxnLst>
+              <a:rect l="l" t="t" r="r" b="b"/>
+              <a:pathLst>
+                <a:path w="3631461" h="4515224">
+                  <a:moveTo>
+                    <a:pt x="3547906" y="4515225"/>
+                  </a:moveTo>
+                  <a:lnTo>
+                    <a:pt x="80342" y="4515225"/>
+                  </a:lnTo>
+                  <a:cubicBezTo>
+                    <a:pt x="35351" y="4515225"/>
+                    <a:pt x="0" y="4479875"/>
+                    <a:pt x="0" y="4434883"/>
+                  </a:cubicBezTo>
+                  <a:lnTo>
+                    <a:pt x="0" y="80342"/>
+                  </a:lnTo>
+                  <a:cubicBezTo>
+                    <a:pt x="0" y="35351"/>
+                    <a:pt x="35351" y="0"/>
+                    <a:pt x="80342" y="0"/>
+                  </a:cubicBezTo>
+                  <a:lnTo>
+                    <a:pt x="2731631" y="0"/>
+                  </a:lnTo>
+                  <a:cubicBezTo>
+                    <a:pt x="2776622" y="0"/>
+                    <a:pt x="2811973" y="35351"/>
+                    <a:pt x="2811973" y="80342"/>
+                  </a:cubicBezTo>
+                  <a:cubicBezTo>
+                    <a:pt x="2811973" y="125334"/>
+                    <a:pt x="2776622" y="160684"/>
+                    <a:pt x="2731631" y="160684"/>
+                  </a:cubicBezTo>
+                  <a:lnTo>
+                    <a:pt x="154257" y="160684"/>
+                  </a:lnTo>
+                  <a:lnTo>
+                    <a:pt x="154257" y="4364182"/>
+                  </a:lnTo>
+                  <a:lnTo>
+                    <a:pt x="3470778" y="4364182"/>
+                  </a:lnTo>
+                  <a:lnTo>
+                    <a:pt x="3470778" y="3753582"/>
+                  </a:lnTo>
+                  <a:cubicBezTo>
+                    <a:pt x="3470778" y="3708591"/>
+                    <a:pt x="3506128" y="3673240"/>
+                    <a:pt x="3551120" y="3673240"/>
+                  </a:cubicBezTo>
+                  <a:cubicBezTo>
+                    <a:pt x="3596111" y="3673240"/>
+                    <a:pt x="3631462" y="3708591"/>
+                    <a:pt x="3631462" y="3753582"/>
+                  </a:cubicBezTo>
+                  <a:lnTo>
+                    <a:pt x="3631462" y="4441310"/>
+                  </a:lnTo>
+                  <a:cubicBezTo>
+                    <a:pt x="3625035" y="4479875"/>
+                    <a:pt x="3589684" y="4515225"/>
+                    <a:pt x="3547906" y="4515225"/>
+                  </a:cubicBezTo>
+                  <a:close/>
+                  <a:moveTo>
+                    <a:pt x="3547906" y="1924996"/>
+                  </a:moveTo>
+                  <a:cubicBezTo>
+                    <a:pt x="3502915" y="1924996"/>
+                    <a:pt x="3467564" y="1889646"/>
+                    <a:pt x="3467564" y="1844654"/>
+                  </a:cubicBezTo>
+                  <a:lnTo>
+                    <a:pt x="3467564" y="899831"/>
+                  </a:lnTo>
+                  <a:cubicBezTo>
+                    <a:pt x="3467564" y="858053"/>
+                    <a:pt x="3502915" y="822703"/>
+                    <a:pt x="3547906" y="822703"/>
+                  </a:cubicBezTo>
+                  <a:cubicBezTo>
+                    <a:pt x="3589684" y="822703"/>
+                    <a:pt x="3625035" y="858053"/>
+                    <a:pt x="3625035" y="899831"/>
+                  </a:cubicBezTo>
+                  <a:lnTo>
+                    <a:pt x="3625035" y="1851082"/>
+                  </a:lnTo>
+                  <a:cubicBezTo>
+                    <a:pt x="3625035" y="1889646"/>
+                    <a:pt x="3589684" y="1924996"/>
+                    <a:pt x="3547906" y="1924996"/>
+                  </a:cubicBezTo>
+                  <a:close/>
+                </a:path>
+              </a:pathLst>
+            </a:custGeom>
+            <a:solidFill>
+              <a:schemeClr val="bg1"/>
+            </a:solidFill>
+            <a:ln w="3208" cap="flat">
+              <a:noFill/>
+              <a:prstDash val="solid"/>
+              <a:miter/>
+            </a:ln>
+          </p:spPr>
+          <p:txBody>
+            <a:bodyPr rtlCol="0" anchor="ctr"/>
+            <a:lstStyle/>
+            <a:p>
+              <a:endParaRPr lang="en-IN">
+                <a:latin typeface="Arial" panose="020B0604020202020204" pitchFamily="34" charset="0"/>
+                <a:ea typeface="Calibri" panose="020F0502020204030204" pitchFamily="34" charset="0"/>
+                <a:cs typeface="Arial" panose="020B0604020202020204" pitchFamily="34" charset="0"/>
+              </a:endParaRPr>
+            </a:p>
+          </p:txBody>
+        </p:sp>
+        <p:sp>
+          <p:nvSpPr>
+            <p:cNvPr id="77" name="Freeform: Shape 76">
+              <a:extLst>
+                <a:ext uri="{FF2B5EF4-FFF2-40B4-BE49-F238E27FC236}">
+                  <a16:creationId xmlns:a16="http://schemas.microsoft.com/office/drawing/2014/main" id="{0E9205DC-6AB5-C18D-6EAB-5939B63AE9C2}"/>
+                </a:ext>
+              </a:extLst>
+            </p:cNvPr>
+            <p:cNvSpPr/>
+            <p:nvPr/>
+          </p:nvSpPr>
+          <p:spPr>
+            <a:xfrm>
+              <a:off x="774990" y="1900150"/>
+              <a:ext cx="49738" cy="49570"/>
+            </a:xfrm>
+            <a:custGeom>
+              <a:avLst/>
+              <a:gdLst>
+                <a:gd name="connsiteX0" fmla="*/ 896618 w 976385"/>
+                <a:gd name="connsiteY0" fmla="*/ 973076 h 973076"/>
+                <a:gd name="connsiteX1" fmla="*/ 80342 w 976385"/>
+                <a:gd name="connsiteY1" fmla="*/ 973076 h 973076"/>
+                <a:gd name="connsiteX2" fmla="*/ 0 w 976385"/>
+                <a:gd name="connsiteY2" fmla="*/ 892734 h 973076"/>
+                <a:gd name="connsiteX3" fmla="*/ 0 w 976385"/>
+                <a:gd name="connsiteY3" fmla="*/ 76459 h 973076"/>
+                <a:gd name="connsiteX4" fmla="*/ 48205 w 976385"/>
+                <a:gd name="connsiteY4" fmla="*/ 5758 h 973076"/>
+                <a:gd name="connsiteX5" fmla="*/ 131761 w 976385"/>
+                <a:gd name="connsiteY5" fmla="*/ 25040 h 973076"/>
+                <a:gd name="connsiteX6" fmla="*/ 954464 w 976385"/>
+                <a:gd name="connsiteY6" fmla="*/ 844529 h 973076"/>
+                <a:gd name="connsiteX7" fmla="*/ 970532 w 976385"/>
+                <a:gd name="connsiteY7" fmla="*/ 928085 h 973076"/>
+                <a:gd name="connsiteX8" fmla="*/ 896618 w 976385"/>
+                <a:gd name="connsiteY8" fmla="*/ 973076 h 973076"/>
+                <a:gd name="connsiteX9" fmla="*/ 154257 w 976385"/>
+                <a:gd name="connsiteY9" fmla="*/ 818820 h 973076"/>
+                <a:gd name="connsiteX10" fmla="*/ 707010 w 976385"/>
+                <a:gd name="connsiteY10" fmla="*/ 818820 h 973076"/>
+                <a:gd name="connsiteX11" fmla="*/ 154257 w 976385"/>
+                <a:gd name="connsiteY11" fmla="*/ 266066 h 973076"/>
+                <a:gd name="connsiteX12" fmla="*/ 154257 w 976385"/>
+                <a:gd name="connsiteY12" fmla="*/ 818820 h 973076"/>
+              </a:gdLst>
+              <a:ahLst/>
+              <a:cxnLst>
+                <a:cxn ang="0">
+                  <a:pos x="connsiteX0" y="connsiteY0"/>
+                </a:cxn>
+                <a:cxn ang="0">
+                  <a:pos x="connsiteX1" y="connsiteY1"/>
+                </a:cxn>
+                <a:cxn ang="0">
+                  <a:pos x="connsiteX2" y="connsiteY2"/>
+                </a:cxn>
+                <a:cxn ang="0">
+                  <a:pos x="connsiteX3" y="connsiteY3"/>
+                </a:cxn>
+                <a:cxn ang="0">
+                  <a:pos x="connsiteX4" y="connsiteY4"/>
+                </a:cxn>
+                <a:cxn ang="0">
+                  <a:pos x="connsiteX5" y="connsiteY5"/>
+                </a:cxn>
+                <a:cxn ang="0">
+                  <a:pos x="connsiteX6" y="connsiteY6"/>
+                </a:cxn>
+                <a:cxn ang="0">
+                  <a:pos x="connsiteX7" y="connsiteY7"/>
+                </a:cxn>
+                <a:cxn ang="0">
+                  <a:pos x="connsiteX8" y="connsiteY8"/>
+                </a:cxn>
+                <a:cxn ang="0">
+                  <a:pos x="connsiteX9" y="connsiteY9"/>
+                </a:cxn>
+                <a:cxn ang="0">
+                  <a:pos x="connsiteX10" y="connsiteY10"/>
+                </a:cxn>
+                <a:cxn ang="0">
+                  <a:pos x="connsiteX11" y="connsiteY11"/>
+                </a:cxn>
+                <a:cxn ang="0">
+                  <a:pos x="connsiteX12" y="connsiteY12"/>
+                </a:cxn>
+              </a:cxnLst>
+              <a:rect l="l" t="t" r="r" b="b"/>
+              <a:pathLst>
+                <a:path w="976385" h="973076">
+                  <a:moveTo>
+                    <a:pt x="896618" y="973076"/>
+                  </a:moveTo>
+                  <a:lnTo>
+                    <a:pt x="80342" y="973076"/>
+                  </a:lnTo>
+                  <a:cubicBezTo>
+                    <a:pt x="35351" y="973076"/>
+                    <a:pt x="0" y="937726"/>
+                    <a:pt x="0" y="892734"/>
+                  </a:cubicBezTo>
+                  <a:lnTo>
+                    <a:pt x="0" y="76459"/>
+                  </a:lnTo>
+                  <a:cubicBezTo>
+                    <a:pt x="0" y="47536"/>
+                    <a:pt x="16068" y="18612"/>
+                    <a:pt x="48205" y="5758"/>
+                  </a:cubicBezTo>
+                  <a:cubicBezTo>
+                    <a:pt x="80342" y="-7097"/>
+                    <a:pt x="109265" y="2544"/>
+                    <a:pt x="131761" y="25040"/>
+                  </a:cubicBezTo>
+                  <a:lnTo>
+                    <a:pt x="954464" y="844529"/>
+                  </a:lnTo>
+                  <a:cubicBezTo>
+                    <a:pt x="973746" y="867025"/>
+                    <a:pt x="983387" y="902375"/>
+                    <a:pt x="970532" y="928085"/>
+                  </a:cubicBezTo>
+                  <a:cubicBezTo>
+                    <a:pt x="957678" y="957008"/>
+                    <a:pt x="931968" y="973076"/>
+                    <a:pt x="896618" y="973076"/>
+                  </a:cubicBezTo>
+                  <a:close/>
+                  <a:moveTo>
+                    <a:pt x="154257" y="818820"/>
+                  </a:moveTo>
+                  <a:lnTo>
+                    <a:pt x="707010" y="818820"/>
+                  </a:lnTo>
+                  <a:lnTo>
+                    <a:pt x="154257" y="266066"/>
+                  </a:lnTo>
+                  <a:lnTo>
+                    <a:pt x="154257" y="818820"/>
+                  </a:lnTo>
+                  <a:close/>
+                </a:path>
+              </a:pathLst>
+            </a:custGeom>
+            <a:solidFill>
+              <a:schemeClr val="bg1"/>
+            </a:solidFill>
+            <a:ln w="3208" cap="flat">
+              <a:noFill/>
+              <a:prstDash val="solid"/>
+              <a:miter/>
+            </a:ln>
+          </p:spPr>
+          <p:txBody>
+            <a:bodyPr rtlCol="0" anchor="ctr"/>
+            <a:lstStyle/>
+            <a:p>
+              <a:endParaRPr lang="en-IN">
+                <a:latin typeface="Arial" panose="020B0604020202020204" pitchFamily="34" charset="0"/>
+                <a:ea typeface="Calibri" panose="020F0502020204030204" pitchFamily="34" charset="0"/>
+                <a:cs typeface="Arial" panose="020B0604020202020204" pitchFamily="34" charset="0"/>
+              </a:endParaRPr>
+            </a:p>
+          </p:txBody>
+        </p:sp>
+        <p:sp>
+          <p:nvSpPr>
+            <p:cNvPr id="78" name="Freeform: Shape 77">
+              <a:extLst>
+                <a:ext uri="{FF2B5EF4-FFF2-40B4-BE49-F238E27FC236}">
+                  <a16:creationId xmlns:a16="http://schemas.microsoft.com/office/drawing/2014/main" id="{414F67F3-F876-9FF8-A096-CC06C8AC398E}"/>
+                </a:ext>
+              </a:extLst>
+            </p:cNvPr>
+            <p:cNvSpPr/>
+            <p:nvPr/>
+          </p:nvSpPr>
+          <p:spPr>
+            <a:xfrm>
+              <a:off x="611281" y="1871630"/>
+              <a:ext cx="157324" cy="218388"/>
+            </a:xfrm>
+            <a:custGeom>
+              <a:avLst/>
+              <a:gdLst>
+                <a:gd name="connsiteX0" fmla="*/ 642737 w 3088349"/>
+                <a:gd name="connsiteY0" fmla="*/ 4287054 h 4287053"/>
+                <a:gd name="connsiteX1" fmla="*/ 80342 w 3088349"/>
+                <a:gd name="connsiteY1" fmla="*/ 4287054 h 4287053"/>
+                <a:gd name="connsiteX2" fmla="*/ 0 w 3088349"/>
+                <a:gd name="connsiteY2" fmla="*/ 4206712 h 4287053"/>
+                <a:gd name="connsiteX3" fmla="*/ 0 w 3088349"/>
+                <a:gd name="connsiteY3" fmla="*/ 80342 h 4287053"/>
+                <a:gd name="connsiteX4" fmla="*/ 80342 w 3088349"/>
+                <a:gd name="connsiteY4" fmla="*/ 0 h 4287053"/>
+                <a:gd name="connsiteX5" fmla="*/ 3008007 w 3088349"/>
+                <a:gd name="connsiteY5" fmla="*/ 0 h 4287053"/>
+                <a:gd name="connsiteX6" fmla="*/ 3088350 w 3088349"/>
+                <a:gd name="connsiteY6" fmla="*/ 80342 h 4287053"/>
+                <a:gd name="connsiteX7" fmla="*/ 3088350 w 3088349"/>
+                <a:gd name="connsiteY7" fmla="*/ 636309 h 4287053"/>
+                <a:gd name="connsiteX8" fmla="*/ 3008007 w 3088349"/>
+                <a:gd name="connsiteY8" fmla="*/ 716651 h 4287053"/>
+                <a:gd name="connsiteX9" fmla="*/ 2927665 w 3088349"/>
+                <a:gd name="connsiteY9" fmla="*/ 636309 h 4287053"/>
+                <a:gd name="connsiteX10" fmla="*/ 2927665 w 3088349"/>
+                <a:gd name="connsiteY10" fmla="*/ 157470 h 4287053"/>
+                <a:gd name="connsiteX11" fmla="*/ 160684 w 3088349"/>
+                <a:gd name="connsiteY11" fmla="*/ 157470 h 4287053"/>
+                <a:gd name="connsiteX12" fmla="*/ 160684 w 3088349"/>
+                <a:gd name="connsiteY12" fmla="*/ 4126369 h 4287053"/>
+                <a:gd name="connsiteX13" fmla="*/ 642737 w 3088349"/>
+                <a:gd name="connsiteY13" fmla="*/ 4126369 h 4287053"/>
+                <a:gd name="connsiteX14" fmla="*/ 723079 w 3088349"/>
+                <a:gd name="connsiteY14" fmla="*/ 4206712 h 4287053"/>
+                <a:gd name="connsiteX15" fmla="*/ 642737 w 3088349"/>
+                <a:gd name="connsiteY15" fmla="*/ 4287054 h 4287053"/>
+              </a:gdLst>
+              <a:ahLst/>
+              <a:cxnLst>
+                <a:cxn ang="0">
+                  <a:pos x="connsiteX0" y="connsiteY0"/>
+                </a:cxn>
+                <a:cxn ang="0">
+                  <a:pos x="connsiteX1" y="connsiteY1"/>
+                </a:cxn>
+                <a:cxn ang="0">
+                  <a:pos x="connsiteX2" y="connsiteY2"/>
+                </a:cxn>
+                <a:cxn ang="0">
+                  <a:pos x="connsiteX3" y="connsiteY3"/>
+                </a:cxn>
+                <a:cxn ang="0">
+                  <a:pos x="connsiteX4" y="connsiteY4"/>
+                </a:cxn>
+                <a:cxn ang="0">
+                  <a:pos x="connsiteX5" y="connsiteY5"/>
+                </a:cxn>
+                <a:cxn ang="0">
+                  <a:pos x="connsiteX6" y="connsiteY6"/>
+                </a:cxn>
+                <a:cxn ang="0">
+                  <a:pos x="connsiteX7" y="connsiteY7"/>
+                </a:cxn>
+                <a:cxn ang="0">
+                  <a:pos x="connsiteX8" y="connsiteY8"/>
+                </a:cxn>
+                <a:cxn ang="0">
+                  <a:pos x="connsiteX9" y="connsiteY9"/>
+                </a:cxn>
+                <a:cxn ang="0">
+                  <a:pos x="connsiteX10" y="connsiteY10"/>
+                </a:cxn>
+                <a:cxn ang="0">
+                  <a:pos x="connsiteX11" y="connsiteY11"/>
+                </a:cxn>
+                <a:cxn ang="0">
+                  <a:pos x="connsiteX12" y="connsiteY12"/>
+                </a:cxn>
+                <a:cxn ang="0">
+                  <a:pos x="connsiteX13" y="connsiteY13"/>
+                </a:cxn>
+                <a:cxn ang="0">
+                  <a:pos x="connsiteX14" y="connsiteY14"/>
+                </a:cxn>
+                <a:cxn ang="0">
+                  <a:pos x="connsiteX15" y="connsiteY15"/>
+                </a:cxn>
+              </a:cxnLst>
+              <a:rect l="l" t="t" r="r" b="b"/>
+              <a:pathLst>
+                <a:path w="3088349" h="4287053">
+                  <a:moveTo>
+                    <a:pt x="642737" y="4287054"/>
+                  </a:moveTo>
+                  <a:lnTo>
+                    <a:pt x="80342" y="4287054"/>
+                  </a:lnTo>
+                  <a:cubicBezTo>
+                    <a:pt x="35351" y="4287054"/>
+                    <a:pt x="0" y="4251703"/>
+                    <a:pt x="0" y="4206712"/>
+                  </a:cubicBezTo>
+                  <a:lnTo>
+                    <a:pt x="0" y="80342"/>
+                  </a:lnTo>
+                  <a:cubicBezTo>
+                    <a:pt x="0" y="35351"/>
+                    <a:pt x="35351" y="0"/>
+                    <a:pt x="80342" y="0"/>
+                  </a:cubicBezTo>
+                  <a:lnTo>
+                    <a:pt x="3008007" y="0"/>
+                  </a:lnTo>
+                  <a:cubicBezTo>
+                    <a:pt x="3052999" y="0"/>
+                    <a:pt x="3088350" y="35351"/>
+                    <a:pt x="3088350" y="80342"/>
+                  </a:cubicBezTo>
+                  <a:lnTo>
+                    <a:pt x="3088350" y="636309"/>
+                  </a:lnTo>
+                  <a:cubicBezTo>
+                    <a:pt x="3088350" y="681301"/>
+                    <a:pt x="3052999" y="716651"/>
+                    <a:pt x="3008007" y="716651"/>
+                  </a:cubicBezTo>
+                  <a:cubicBezTo>
+                    <a:pt x="2963016" y="716651"/>
+                    <a:pt x="2927665" y="681301"/>
+                    <a:pt x="2927665" y="636309"/>
+                  </a:cubicBezTo>
+                  <a:lnTo>
+                    <a:pt x="2927665" y="157470"/>
+                  </a:lnTo>
+                  <a:lnTo>
+                    <a:pt x="160684" y="157470"/>
+                  </a:lnTo>
+                  <a:lnTo>
+                    <a:pt x="160684" y="4126369"/>
+                  </a:lnTo>
+                  <a:lnTo>
+                    <a:pt x="642737" y="4126369"/>
+                  </a:lnTo>
+                  <a:cubicBezTo>
+                    <a:pt x="687728" y="4126369"/>
+                    <a:pt x="723079" y="4161720"/>
+                    <a:pt x="723079" y="4206712"/>
+                  </a:cubicBezTo>
+                  <a:cubicBezTo>
+                    <a:pt x="723079" y="4251703"/>
+                    <a:pt x="681301" y="4287054"/>
+                    <a:pt x="642737" y="4287054"/>
+                  </a:cubicBezTo>
+                  <a:close/>
+                </a:path>
+              </a:pathLst>
+            </a:custGeom>
+            <a:solidFill>
+              <a:schemeClr val="bg1"/>
+            </a:solidFill>
+            <a:ln w="3208" cap="flat">
+              <a:noFill/>
+              <a:prstDash val="solid"/>
+              <a:miter/>
+            </a:ln>
+          </p:spPr>
+          <p:txBody>
+            <a:bodyPr rtlCol="0" anchor="ctr"/>
+            <a:lstStyle/>
+            <a:p>
+              <a:endParaRPr lang="en-IN">
+                <a:latin typeface="Arial" panose="020B0604020202020204" pitchFamily="34" charset="0"/>
+                <a:ea typeface="Calibri" panose="020F0502020204030204" pitchFamily="34" charset="0"/>
+                <a:cs typeface="Arial" panose="020B0604020202020204" pitchFamily="34" charset="0"/>
+              </a:endParaRPr>
+            </a:p>
+          </p:txBody>
+        </p:sp>
+        <p:sp>
+          <p:nvSpPr>
+            <p:cNvPr id="96" name="Freeform: Shape 95">
+              <a:extLst>
+                <a:ext uri="{FF2B5EF4-FFF2-40B4-BE49-F238E27FC236}">
+                  <a16:creationId xmlns:a16="http://schemas.microsoft.com/office/drawing/2014/main" id="{4043A5FD-2899-2C20-6C55-916EFFEDA940}"/>
+                </a:ext>
+              </a:extLst>
+            </p:cNvPr>
+            <p:cNvSpPr/>
+            <p:nvPr/>
+          </p:nvSpPr>
+          <p:spPr>
+            <a:xfrm>
+              <a:off x="713926" y="1963880"/>
+              <a:ext cx="119221" cy="119262"/>
+            </a:xfrm>
+            <a:custGeom>
+              <a:avLst/>
+              <a:gdLst>
+                <a:gd name="connsiteX0" fmla="*/ 1169781 w 2340364"/>
+                <a:gd name="connsiteY0" fmla="*/ 2341168 h 2341168"/>
+                <a:gd name="connsiteX1" fmla="*/ 343864 w 2340364"/>
+                <a:gd name="connsiteY1" fmla="*/ 2000518 h 2341168"/>
+                <a:gd name="connsiteX2" fmla="*/ 0 w 2340364"/>
+                <a:gd name="connsiteY2" fmla="*/ 1171388 h 2341168"/>
+                <a:gd name="connsiteX3" fmla="*/ 343864 w 2340364"/>
+                <a:gd name="connsiteY3" fmla="*/ 342257 h 2341168"/>
+                <a:gd name="connsiteX4" fmla="*/ 1995697 w 2340364"/>
+                <a:gd name="connsiteY4" fmla="*/ 342257 h 2341168"/>
+                <a:gd name="connsiteX5" fmla="*/ 1995697 w 2340364"/>
+                <a:gd name="connsiteY5" fmla="*/ 2000518 h 2341168"/>
+                <a:gd name="connsiteX6" fmla="*/ 1169781 w 2340364"/>
+                <a:gd name="connsiteY6" fmla="*/ 2341168 h 2341168"/>
+                <a:gd name="connsiteX7" fmla="*/ 1169781 w 2340364"/>
+                <a:gd name="connsiteY7" fmla="*/ 159077 h 2341168"/>
+                <a:gd name="connsiteX8" fmla="*/ 453129 w 2340364"/>
+                <a:gd name="connsiteY8" fmla="*/ 451523 h 2341168"/>
+                <a:gd name="connsiteX9" fmla="*/ 453129 w 2340364"/>
+                <a:gd name="connsiteY9" fmla="*/ 1888039 h 2341168"/>
+                <a:gd name="connsiteX10" fmla="*/ 1169781 w 2340364"/>
+                <a:gd name="connsiteY10" fmla="*/ 2186912 h 2341168"/>
+                <a:gd name="connsiteX11" fmla="*/ 1889646 w 2340364"/>
+                <a:gd name="connsiteY11" fmla="*/ 1888039 h 2341168"/>
+                <a:gd name="connsiteX12" fmla="*/ 1889646 w 2340364"/>
+                <a:gd name="connsiteY12" fmla="*/ 451523 h 2341168"/>
+                <a:gd name="connsiteX13" fmla="*/ 1169781 w 2340364"/>
+                <a:gd name="connsiteY13" fmla="*/ 159077 h 2341168"/>
+              </a:gdLst>
+              <a:ahLst/>
+              <a:cxnLst>
+                <a:cxn ang="0">
+                  <a:pos x="connsiteX0" y="connsiteY0"/>
+                </a:cxn>
+                <a:cxn ang="0">
+                  <a:pos x="connsiteX1" y="connsiteY1"/>
+                </a:cxn>
+                <a:cxn ang="0">
+                  <a:pos x="connsiteX2" y="connsiteY2"/>
+                </a:cxn>
+                <a:cxn ang="0">
+                  <a:pos x="connsiteX3" y="connsiteY3"/>
+                </a:cxn>
+                <a:cxn ang="0">
+                  <a:pos x="connsiteX4" y="connsiteY4"/>
+                </a:cxn>
+                <a:cxn ang="0">
+                  <a:pos x="connsiteX5" y="connsiteY5"/>
+                </a:cxn>
+                <a:cxn ang="0">
+                  <a:pos x="connsiteX6" y="connsiteY6"/>
+                </a:cxn>
+                <a:cxn ang="0">
+                  <a:pos x="connsiteX7" y="connsiteY7"/>
+                </a:cxn>
+                <a:cxn ang="0">
+                  <a:pos x="connsiteX8" y="connsiteY8"/>
+                </a:cxn>
+                <a:cxn ang="0">
+                  <a:pos x="connsiteX9" y="connsiteY9"/>
+                </a:cxn>
+                <a:cxn ang="0">
+                  <a:pos x="connsiteX10" y="connsiteY10"/>
+                </a:cxn>
+                <a:cxn ang="0">
+                  <a:pos x="connsiteX11" y="connsiteY11"/>
+                </a:cxn>
+                <a:cxn ang="0">
+                  <a:pos x="connsiteX12" y="connsiteY12"/>
+                </a:cxn>
+                <a:cxn ang="0">
+                  <a:pos x="connsiteX13" y="connsiteY13"/>
+                </a:cxn>
+              </a:cxnLst>
+              <a:rect l="l" t="t" r="r" b="b"/>
+              <a:pathLst>
+                <a:path w="2340364" h="2341168">
+                  <a:moveTo>
+                    <a:pt x="1169781" y="2341168"/>
+                  </a:moveTo>
+                  <a:cubicBezTo>
+                    <a:pt x="858053" y="2341168"/>
+                    <a:pt x="565608" y="2222262"/>
+                    <a:pt x="343864" y="2000518"/>
+                  </a:cubicBezTo>
+                  <a:cubicBezTo>
+                    <a:pt x="118906" y="1775560"/>
+                    <a:pt x="0" y="1483115"/>
+                    <a:pt x="0" y="1171388"/>
+                  </a:cubicBezTo>
+                  <a:cubicBezTo>
+                    <a:pt x="0" y="859660"/>
+                    <a:pt x="118906" y="564001"/>
+                    <a:pt x="343864" y="342257"/>
+                  </a:cubicBezTo>
+                  <a:cubicBezTo>
+                    <a:pt x="796993" y="-114086"/>
+                    <a:pt x="1542568" y="-114086"/>
+                    <a:pt x="1995697" y="342257"/>
+                  </a:cubicBezTo>
+                  <a:cubicBezTo>
+                    <a:pt x="2455254" y="801814"/>
+                    <a:pt x="2455254" y="1544175"/>
+                    <a:pt x="1995697" y="2000518"/>
+                  </a:cubicBezTo>
+                  <a:cubicBezTo>
+                    <a:pt x="1777167" y="2222262"/>
+                    <a:pt x="1484722" y="2341168"/>
+                    <a:pt x="1169781" y="2341168"/>
+                  </a:cubicBezTo>
+                  <a:close/>
+                  <a:moveTo>
+                    <a:pt x="1169781" y="159077"/>
+                  </a:moveTo>
+                  <a:cubicBezTo>
+                    <a:pt x="912686" y="159077"/>
+                    <a:pt x="655591" y="255488"/>
+                    <a:pt x="453129" y="451523"/>
+                  </a:cubicBezTo>
+                  <a:cubicBezTo>
+                    <a:pt x="57846" y="850019"/>
+                    <a:pt x="57846" y="1492756"/>
+                    <a:pt x="453129" y="1888039"/>
+                  </a:cubicBezTo>
+                  <a:cubicBezTo>
+                    <a:pt x="645950" y="2080860"/>
+                    <a:pt x="899831" y="2186912"/>
+                    <a:pt x="1169781" y="2186912"/>
+                  </a:cubicBezTo>
+                  <a:cubicBezTo>
+                    <a:pt x="1442944" y="2186912"/>
+                    <a:pt x="1696825" y="2080860"/>
+                    <a:pt x="1889646" y="1888039"/>
+                  </a:cubicBezTo>
+                  <a:cubicBezTo>
+                    <a:pt x="2284929" y="1492756"/>
+                    <a:pt x="2284929" y="850019"/>
+                    <a:pt x="1889646" y="451523"/>
+                  </a:cubicBezTo>
+                  <a:cubicBezTo>
+                    <a:pt x="1687184" y="255488"/>
+                    <a:pt x="1430089" y="159077"/>
+                    <a:pt x="1169781" y="159077"/>
+                  </a:cubicBezTo>
+                  <a:close/>
+                </a:path>
+              </a:pathLst>
+            </a:custGeom>
+            <a:solidFill>
+              <a:schemeClr val="bg1"/>
+            </a:solidFill>
+            <a:ln w="3208" cap="flat">
+              <a:noFill/>
+              <a:prstDash val="solid"/>
+              <a:miter/>
+            </a:ln>
+          </p:spPr>
+          <p:txBody>
+            <a:bodyPr rtlCol="0" anchor="ctr"/>
+            <a:lstStyle/>
+            <a:p>
+              <a:endParaRPr lang="en-IN">
+                <a:latin typeface="Arial" panose="020B0604020202020204" pitchFamily="34" charset="0"/>
+                <a:ea typeface="Calibri" panose="020F0502020204030204" pitchFamily="34" charset="0"/>
+                <a:cs typeface="Arial" panose="020B0604020202020204" pitchFamily="34" charset="0"/>
+              </a:endParaRPr>
+            </a:p>
+          </p:txBody>
+        </p:sp>
+        <p:sp>
+          <p:nvSpPr>
+            <p:cNvPr id="97" name="Freeform: Shape 96">
+              <a:extLst>
+                <a:ext uri="{FF2B5EF4-FFF2-40B4-BE49-F238E27FC236}">
+                  <a16:creationId xmlns:a16="http://schemas.microsoft.com/office/drawing/2014/main" id="{1109D211-D7A3-C6C0-E5A2-11A52CB88A32}"/>
+                </a:ext>
+              </a:extLst>
+            </p:cNvPr>
+            <p:cNvSpPr/>
+            <p:nvPr/>
+          </p:nvSpPr>
+          <p:spPr>
+            <a:xfrm>
+              <a:off x="814280" y="2064152"/>
+              <a:ext cx="76452" cy="76780"/>
+            </a:xfrm>
+            <a:custGeom>
+              <a:avLst/>
+              <a:gdLst>
+                <a:gd name="connsiteX0" fmla="*/ 1073370 w 1500789"/>
+                <a:gd name="connsiteY0" fmla="*/ 1507217 h 1507217"/>
+                <a:gd name="connsiteX1" fmla="*/ 935182 w 1500789"/>
+                <a:gd name="connsiteY1" fmla="*/ 1449371 h 1507217"/>
+                <a:gd name="connsiteX2" fmla="*/ 57846 w 1500789"/>
+                <a:gd name="connsiteY2" fmla="*/ 568822 h 1507217"/>
+                <a:gd name="connsiteX3" fmla="*/ 0 w 1500789"/>
+                <a:gd name="connsiteY3" fmla="*/ 430634 h 1507217"/>
+                <a:gd name="connsiteX4" fmla="*/ 57846 w 1500789"/>
+                <a:gd name="connsiteY4" fmla="*/ 292445 h 1507217"/>
+                <a:gd name="connsiteX5" fmla="*/ 292445 w 1500789"/>
+                <a:gd name="connsiteY5" fmla="*/ 57846 h 1507217"/>
+                <a:gd name="connsiteX6" fmla="*/ 565608 w 1500789"/>
+                <a:gd name="connsiteY6" fmla="*/ 57846 h 1507217"/>
+                <a:gd name="connsiteX7" fmla="*/ 1442944 w 1500789"/>
+                <a:gd name="connsiteY7" fmla="*/ 935182 h 1507217"/>
+                <a:gd name="connsiteX8" fmla="*/ 1442944 w 1500789"/>
+                <a:gd name="connsiteY8" fmla="*/ 1208345 h 1507217"/>
+                <a:gd name="connsiteX9" fmla="*/ 1205131 w 1500789"/>
+                <a:gd name="connsiteY9" fmla="*/ 1442944 h 1507217"/>
+                <a:gd name="connsiteX10" fmla="*/ 1073370 w 1500789"/>
+                <a:gd name="connsiteY10" fmla="*/ 1507217 h 1507217"/>
+                <a:gd name="connsiteX11" fmla="*/ 430634 w 1500789"/>
+                <a:gd name="connsiteY11" fmla="*/ 160684 h 1507217"/>
+                <a:gd name="connsiteX12" fmla="*/ 404924 w 1500789"/>
+                <a:gd name="connsiteY12" fmla="*/ 170325 h 1507217"/>
+                <a:gd name="connsiteX13" fmla="*/ 167112 w 1500789"/>
+                <a:gd name="connsiteY13" fmla="*/ 404924 h 1507217"/>
+                <a:gd name="connsiteX14" fmla="*/ 167112 w 1500789"/>
+                <a:gd name="connsiteY14" fmla="*/ 459557 h 1507217"/>
+                <a:gd name="connsiteX15" fmla="*/ 1047661 w 1500789"/>
+                <a:gd name="connsiteY15" fmla="*/ 1336892 h 1507217"/>
+                <a:gd name="connsiteX16" fmla="*/ 1099080 w 1500789"/>
+                <a:gd name="connsiteY16" fmla="*/ 1336892 h 1507217"/>
+                <a:gd name="connsiteX17" fmla="*/ 1336892 w 1500789"/>
+                <a:gd name="connsiteY17" fmla="*/ 1099080 h 1507217"/>
+                <a:gd name="connsiteX18" fmla="*/ 1336892 w 1500789"/>
+                <a:gd name="connsiteY18" fmla="*/ 1047661 h 1507217"/>
+                <a:gd name="connsiteX19" fmla="*/ 459557 w 1500789"/>
+                <a:gd name="connsiteY19" fmla="*/ 170325 h 1507217"/>
+                <a:gd name="connsiteX20" fmla="*/ 430634 w 1500789"/>
+                <a:gd name="connsiteY20" fmla="*/ 160684 h 1507217"/>
+              </a:gdLst>
+              <a:ahLst/>
+              <a:cxnLst>
+                <a:cxn ang="0">
+                  <a:pos x="connsiteX0" y="connsiteY0"/>
+                </a:cxn>
+                <a:cxn ang="0">
+                  <a:pos x="connsiteX1" y="connsiteY1"/>
+                </a:cxn>
+                <a:cxn ang="0">
+                  <a:pos x="connsiteX2" y="connsiteY2"/>
+                </a:cxn>
+                <a:cxn ang="0">
+                  <a:pos x="connsiteX3" y="connsiteY3"/>
+                </a:cxn>
+                <a:cxn ang="0">
+                  <a:pos x="connsiteX4" y="connsiteY4"/>
+                </a:cxn>
+                <a:cxn ang="0">
+                  <a:pos x="connsiteX5" y="connsiteY5"/>
+                </a:cxn>
+                <a:cxn ang="0">
+                  <a:pos x="connsiteX6" y="connsiteY6"/>
+                </a:cxn>
+                <a:cxn ang="0">
+                  <a:pos x="connsiteX7" y="connsiteY7"/>
+                </a:cxn>
+                <a:cxn ang="0">
+                  <a:pos x="connsiteX8" y="connsiteY8"/>
+                </a:cxn>
+                <a:cxn ang="0">
+                  <a:pos x="connsiteX9" y="connsiteY9"/>
+                </a:cxn>
+                <a:cxn ang="0">
+                  <a:pos x="connsiteX10" y="connsiteY10"/>
+                </a:cxn>
+                <a:cxn ang="0">
+                  <a:pos x="connsiteX11" y="connsiteY11"/>
+                </a:cxn>
+                <a:cxn ang="0">
+                  <a:pos x="connsiteX12" y="connsiteY12"/>
+                </a:cxn>
+                <a:cxn ang="0">
+                  <a:pos x="connsiteX13" y="connsiteY13"/>
+                </a:cxn>
+                <a:cxn ang="0">
+                  <a:pos x="connsiteX14" y="connsiteY14"/>
+                </a:cxn>
+                <a:cxn ang="0">
+                  <a:pos x="connsiteX15" y="connsiteY15"/>
+                </a:cxn>
+                <a:cxn ang="0">
+                  <a:pos x="connsiteX16" y="connsiteY16"/>
+                </a:cxn>
+                <a:cxn ang="0">
+                  <a:pos x="connsiteX17" y="connsiteY17"/>
+                </a:cxn>
+                <a:cxn ang="0">
+                  <a:pos x="connsiteX18" y="connsiteY18"/>
+                </a:cxn>
+                <a:cxn ang="0">
+                  <a:pos x="connsiteX19" y="connsiteY19"/>
+                </a:cxn>
+                <a:cxn ang="0">
+                  <a:pos x="connsiteX20" y="connsiteY20"/>
+                </a:cxn>
+              </a:cxnLst>
+              <a:rect l="l" t="t" r="r" b="b"/>
+              <a:pathLst>
+                <a:path w="1500789" h="1507217">
+                  <a:moveTo>
+                    <a:pt x="1073370" y="1507217"/>
+                  </a:moveTo>
+                  <a:cubicBezTo>
+                    <a:pt x="1018738" y="1507217"/>
+                    <a:pt x="970532" y="1484722"/>
+                    <a:pt x="935182" y="1449371"/>
+                  </a:cubicBezTo>
+                  <a:lnTo>
+                    <a:pt x="57846" y="568822"/>
+                  </a:lnTo>
+                  <a:cubicBezTo>
+                    <a:pt x="22496" y="533471"/>
+                    <a:pt x="0" y="485266"/>
+                    <a:pt x="0" y="430634"/>
+                  </a:cubicBezTo>
+                  <a:cubicBezTo>
+                    <a:pt x="0" y="379215"/>
+                    <a:pt x="22496" y="331009"/>
+                    <a:pt x="57846" y="292445"/>
+                  </a:cubicBezTo>
+                  <a:lnTo>
+                    <a:pt x="292445" y="57846"/>
+                  </a:lnTo>
+                  <a:cubicBezTo>
+                    <a:pt x="369574" y="-19282"/>
+                    <a:pt x="494907" y="-19282"/>
+                    <a:pt x="565608" y="57846"/>
+                  </a:cubicBezTo>
+                  <a:lnTo>
+                    <a:pt x="1442944" y="935182"/>
+                  </a:lnTo>
+                  <a:cubicBezTo>
+                    <a:pt x="1520072" y="1012310"/>
+                    <a:pt x="1520072" y="1137644"/>
+                    <a:pt x="1442944" y="1208345"/>
+                  </a:cubicBezTo>
+                  <a:lnTo>
+                    <a:pt x="1205131" y="1442944"/>
+                  </a:lnTo>
+                  <a:cubicBezTo>
+                    <a:pt x="1176208" y="1487935"/>
+                    <a:pt x="1128003" y="1507217"/>
+                    <a:pt x="1073370" y="1507217"/>
+                  </a:cubicBezTo>
+                  <a:close/>
+                  <a:moveTo>
+                    <a:pt x="430634" y="160684"/>
+                  </a:moveTo>
+                  <a:cubicBezTo>
+                    <a:pt x="420992" y="160684"/>
+                    <a:pt x="414565" y="163898"/>
+                    <a:pt x="404924" y="170325"/>
+                  </a:cubicBezTo>
+                  <a:lnTo>
+                    <a:pt x="167112" y="404924"/>
+                  </a:lnTo>
+                  <a:cubicBezTo>
+                    <a:pt x="154257" y="417779"/>
+                    <a:pt x="154257" y="446702"/>
+                    <a:pt x="167112" y="459557"/>
+                  </a:cubicBezTo>
+                  <a:lnTo>
+                    <a:pt x="1047661" y="1336892"/>
+                  </a:lnTo>
+                  <a:cubicBezTo>
+                    <a:pt x="1060515" y="1349747"/>
+                    <a:pt x="1086225" y="1349747"/>
+                    <a:pt x="1099080" y="1336892"/>
+                  </a:cubicBezTo>
+                  <a:lnTo>
+                    <a:pt x="1336892" y="1099080"/>
+                  </a:lnTo>
+                  <a:cubicBezTo>
+                    <a:pt x="1349747" y="1086225"/>
+                    <a:pt x="1349747" y="1060516"/>
+                    <a:pt x="1336892" y="1047661"/>
+                  </a:cubicBezTo>
+                  <a:lnTo>
+                    <a:pt x="459557" y="170325"/>
+                  </a:lnTo>
+                  <a:cubicBezTo>
+                    <a:pt x="449916" y="163898"/>
+                    <a:pt x="440275" y="160684"/>
+                    <a:pt x="430634" y="160684"/>
+                  </a:cubicBezTo>
+                  <a:close/>
+                </a:path>
+              </a:pathLst>
+            </a:custGeom>
+            <a:solidFill>
+              <a:schemeClr val="bg1"/>
+            </a:solidFill>
+            <a:ln w="3208" cap="flat">
+              <a:noFill/>
+              <a:prstDash val="solid"/>
+              <a:miter/>
+            </a:ln>
+          </p:spPr>
+          <p:txBody>
+            <a:bodyPr rtlCol="0" anchor="ctr"/>
+            <a:lstStyle/>
+            <a:p>
+              <a:endParaRPr lang="en-IN">
+                <a:latin typeface="Arial" panose="020B0604020202020204" pitchFamily="34" charset="0"/>
+                <a:ea typeface="Calibri" panose="020F0502020204030204" pitchFamily="34" charset="0"/>
+                <a:cs typeface="Arial" panose="020B0604020202020204" pitchFamily="34" charset="0"/>
+              </a:endParaRPr>
+            </a:p>
+          </p:txBody>
+        </p:sp>
+        <p:sp>
+          <p:nvSpPr>
+            <p:cNvPr id="98" name="Freeform: Shape 97">
+              <a:extLst>
+                <a:ext uri="{FF2B5EF4-FFF2-40B4-BE49-F238E27FC236}">
+                  <a16:creationId xmlns:a16="http://schemas.microsoft.com/office/drawing/2014/main" id="{17A546BA-35A5-43C1-DA32-7FFC7C272776}"/>
+                </a:ext>
+              </a:extLst>
+            </p:cNvPr>
+            <p:cNvSpPr/>
+            <p:nvPr/>
+          </p:nvSpPr>
+          <p:spPr>
+            <a:xfrm>
+              <a:off x="808959" y="2058832"/>
+              <a:ext cx="21282" cy="21200"/>
+            </a:xfrm>
+            <a:custGeom>
+              <a:avLst/>
+              <a:gdLst>
+                <a:gd name="connsiteX0" fmla="*/ 335830 w 417778"/>
+                <a:gd name="connsiteY0" fmla="*/ 416172 h 416171"/>
+                <a:gd name="connsiteX1" fmla="*/ 281197 w 417778"/>
+                <a:gd name="connsiteY1" fmla="*/ 393676 h 416171"/>
+                <a:gd name="connsiteX2" fmla="*/ 24103 w 417778"/>
+                <a:gd name="connsiteY2" fmla="*/ 136582 h 416171"/>
+                <a:gd name="connsiteX3" fmla="*/ 24103 w 417778"/>
+                <a:gd name="connsiteY3" fmla="*/ 24103 h 416171"/>
+                <a:gd name="connsiteX4" fmla="*/ 133368 w 417778"/>
+                <a:gd name="connsiteY4" fmla="*/ 24103 h 416171"/>
+                <a:gd name="connsiteX5" fmla="*/ 393676 w 417778"/>
+                <a:gd name="connsiteY5" fmla="*/ 281197 h 416171"/>
+                <a:gd name="connsiteX6" fmla="*/ 393676 w 417778"/>
+                <a:gd name="connsiteY6" fmla="*/ 393676 h 416171"/>
+                <a:gd name="connsiteX7" fmla="*/ 335830 w 417778"/>
+                <a:gd name="connsiteY7" fmla="*/ 416172 h 416171"/>
+              </a:gdLst>
+              <a:ahLst/>
+              <a:cxnLst>
+                <a:cxn ang="0">
+                  <a:pos x="connsiteX0" y="connsiteY0"/>
+                </a:cxn>
+                <a:cxn ang="0">
+                  <a:pos x="connsiteX1" y="connsiteY1"/>
+                </a:cxn>
+                <a:cxn ang="0">
+                  <a:pos x="connsiteX2" y="connsiteY2"/>
+                </a:cxn>
+                <a:cxn ang="0">
+                  <a:pos x="connsiteX3" y="connsiteY3"/>
+                </a:cxn>
+                <a:cxn ang="0">
+                  <a:pos x="connsiteX4" y="connsiteY4"/>
+                </a:cxn>
+                <a:cxn ang="0">
+                  <a:pos x="connsiteX5" y="connsiteY5"/>
+                </a:cxn>
+                <a:cxn ang="0">
+                  <a:pos x="connsiteX6" y="connsiteY6"/>
+                </a:cxn>
+                <a:cxn ang="0">
+                  <a:pos x="connsiteX7" y="connsiteY7"/>
+                </a:cxn>
+              </a:cxnLst>
+              <a:rect l="l" t="t" r="r" b="b"/>
+              <a:pathLst>
+                <a:path w="417778" h="416171">
+                  <a:moveTo>
+                    <a:pt x="335830" y="416172"/>
+                  </a:moveTo>
+                  <a:cubicBezTo>
+                    <a:pt x="316548" y="416172"/>
+                    <a:pt x="294052" y="406531"/>
+                    <a:pt x="281197" y="393676"/>
+                  </a:cubicBezTo>
+                  <a:lnTo>
+                    <a:pt x="24103" y="136582"/>
+                  </a:lnTo>
+                  <a:cubicBezTo>
+                    <a:pt x="-8034" y="104445"/>
+                    <a:pt x="-8034" y="56239"/>
+                    <a:pt x="24103" y="24103"/>
+                  </a:cubicBezTo>
+                  <a:cubicBezTo>
+                    <a:pt x="53026" y="-8034"/>
+                    <a:pt x="104445" y="-8034"/>
+                    <a:pt x="133368" y="24103"/>
+                  </a:cubicBezTo>
+                  <a:lnTo>
+                    <a:pt x="393676" y="281197"/>
+                  </a:lnTo>
+                  <a:cubicBezTo>
+                    <a:pt x="425813" y="313334"/>
+                    <a:pt x="425813" y="361539"/>
+                    <a:pt x="393676" y="393676"/>
+                  </a:cubicBezTo>
+                  <a:cubicBezTo>
+                    <a:pt x="371180" y="406531"/>
+                    <a:pt x="351898" y="416172"/>
+                    <a:pt x="335830" y="416172"/>
+                  </a:cubicBezTo>
+                  <a:close/>
+                </a:path>
+              </a:pathLst>
+            </a:custGeom>
+            <a:solidFill>
+              <a:schemeClr val="bg1"/>
+            </a:solidFill>
+            <a:ln w="3208" cap="flat">
+              <a:noFill/>
+              <a:prstDash val="solid"/>
+              <a:miter/>
+            </a:ln>
+          </p:spPr>
+          <p:txBody>
+            <a:bodyPr rtlCol="0" anchor="ctr"/>
+            <a:lstStyle/>
+            <a:p>
+              <a:endParaRPr lang="en-IN">
+                <a:latin typeface="Arial" panose="020B0604020202020204" pitchFamily="34" charset="0"/>
+                <a:ea typeface="Calibri" panose="020F0502020204030204" pitchFamily="34" charset="0"/>
+                <a:cs typeface="Arial" panose="020B0604020202020204" pitchFamily="34" charset="0"/>
+              </a:endParaRPr>
+            </a:p>
+          </p:txBody>
+        </p:sp>
+        <p:sp>
+          <p:nvSpPr>
+            <p:cNvPr id="99" name="Freeform: Shape 98">
+              <a:extLst>
+                <a:ext uri="{FF2B5EF4-FFF2-40B4-BE49-F238E27FC236}">
+                  <a16:creationId xmlns:a16="http://schemas.microsoft.com/office/drawing/2014/main" id="{2A5CF624-9BF5-4BAB-BE78-D43F91381ADE}"/>
+                </a:ext>
+              </a:extLst>
+            </p:cNvPr>
+            <p:cNvSpPr/>
+            <p:nvPr/>
+          </p:nvSpPr>
+          <p:spPr>
+            <a:xfrm>
+              <a:off x="663995" y="2095093"/>
+              <a:ext cx="118853" cy="8022"/>
+            </a:xfrm>
+            <a:custGeom>
+              <a:avLst/>
+              <a:gdLst>
+                <a:gd name="connsiteX0" fmla="*/ 2252792 w 2333133"/>
+                <a:gd name="connsiteY0" fmla="*/ 157470 h 157470"/>
+                <a:gd name="connsiteX1" fmla="*/ 80342 w 2333133"/>
+                <a:gd name="connsiteY1" fmla="*/ 157470 h 157470"/>
+                <a:gd name="connsiteX2" fmla="*/ 0 w 2333133"/>
+                <a:gd name="connsiteY2" fmla="*/ 77128 h 157470"/>
+                <a:gd name="connsiteX3" fmla="*/ 80342 w 2333133"/>
+                <a:gd name="connsiteY3" fmla="*/ 0 h 157470"/>
+                <a:gd name="connsiteX4" fmla="*/ 2252792 w 2333133"/>
+                <a:gd name="connsiteY4" fmla="*/ 0 h 157470"/>
+                <a:gd name="connsiteX5" fmla="*/ 2333134 w 2333133"/>
+                <a:gd name="connsiteY5" fmla="*/ 77128 h 157470"/>
+                <a:gd name="connsiteX6" fmla="*/ 2252792 w 2333133"/>
+                <a:gd name="connsiteY6" fmla="*/ 157470 h 157470"/>
+              </a:gdLst>
+              <a:ahLst/>
+              <a:cxnLst>
+                <a:cxn ang="0">
+                  <a:pos x="connsiteX0" y="connsiteY0"/>
+                </a:cxn>
+                <a:cxn ang="0">
+                  <a:pos x="connsiteX1" y="connsiteY1"/>
+                </a:cxn>
+                <a:cxn ang="0">
+                  <a:pos x="connsiteX2" y="connsiteY2"/>
+                </a:cxn>
+                <a:cxn ang="0">
+                  <a:pos x="connsiteX3" y="connsiteY3"/>
+                </a:cxn>
+                <a:cxn ang="0">
+                  <a:pos x="connsiteX4" y="connsiteY4"/>
+                </a:cxn>
+                <a:cxn ang="0">
+                  <a:pos x="connsiteX5" y="connsiteY5"/>
+                </a:cxn>
+                <a:cxn ang="0">
+                  <a:pos x="connsiteX6" y="connsiteY6"/>
+                </a:cxn>
+              </a:cxnLst>
+              <a:rect l="l" t="t" r="r" b="b"/>
+              <a:pathLst>
+                <a:path w="2333133" h="157470">
+                  <a:moveTo>
+                    <a:pt x="2252792" y="157470"/>
+                  </a:moveTo>
+                  <a:lnTo>
+                    <a:pt x="80342" y="157470"/>
+                  </a:lnTo>
+                  <a:cubicBezTo>
+                    <a:pt x="35351" y="157470"/>
+                    <a:pt x="0" y="122120"/>
+                    <a:pt x="0" y="77128"/>
+                  </a:cubicBezTo>
+                  <a:cubicBezTo>
+                    <a:pt x="0" y="35351"/>
+                    <a:pt x="35351" y="0"/>
+                    <a:pt x="80342" y="0"/>
+                  </a:cubicBezTo>
+                  <a:lnTo>
+                    <a:pt x="2252792" y="0"/>
+                  </a:lnTo>
+                  <a:cubicBezTo>
+                    <a:pt x="2297784" y="0"/>
+                    <a:pt x="2333134" y="35351"/>
+                    <a:pt x="2333134" y="77128"/>
+                  </a:cubicBezTo>
+                  <a:cubicBezTo>
+                    <a:pt x="2333134" y="122120"/>
+                    <a:pt x="2297784" y="157470"/>
+                    <a:pt x="2252792" y="157470"/>
+                  </a:cubicBezTo>
+                  <a:close/>
+                </a:path>
+              </a:pathLst>
+            </a:custGeom>
+            <a:solidFill>
+              <a:schemeClr val="bg1"/>
+            </a:solidFill>
+            <a:ln w="3208" cap="flat">
+              <a:noFill/>
+              <a:prstDash val="solid"/>
+              <a:miter/>
+            </a:ln>
+          </p:spPr>
+          <p:txBody>
+            <a:bodyPr rtlCol="0" anchor="ctr"/>
+            <a:lstStyle/>
+            <a:p>
+              <a:endParaRPr lang="en-IN">
+                <a:latin typeface="Arial" panose="020B0604020202020204" pitchFamily="34" charset="0"/>
+                <a:ea typeface="Calibri" panose="020F0502020204030204" pitchFamily="34" charset="0"/>
+                <a:cs typeface="Arial" panose="020B0604020202020204" pitchFamily="34" charset="0"/>
+              </a:endParaRPr>
+            </a:p>
+          </p:txBody>
+        </p:sp>
+        <p:sp>
+          <p:nvSpPr>
+            <p:cNvPr id="100" name="Freeform: Shape 99">
+              <a:extLst>
+                <a:ext uri="{FF2B5EF4-FFF2-40B4-BE49-F238E27FC236}">
+                  <a16:creationId xmlns:a16="http://schemas.microsoft.com/office/drawing/2014/main" id="{8C75BA7D-165A-07B7-F997-C2432DA1EAE1}"/>
+                </a:ext>
+              </a:extLst>
+            </p:cNvPr>
+            <p:cNvSpPr/>
+            <p:nvPr/>
+          </p:nvSpPr>
+          <p:spPr>
+            <a:xfrm>
+              <a:off x="663995" y="2064807"/>
+              <a:ext cx="45184" cy="8185"/>
+            </a:xfrm>
+            <a:custGeom>
+              <a:avLst/>
+              <a:gdLst>
+                <a:gd name="connsiteX0" fmla="*/ 809848 w 886976"/>
+                <a:gd name="connsiteY0" fmla="*/ 160684 h 160684"/>
+                <a:gd name="connsiteX1" fmla="*/ 80342 w 886976"/>
+                <a:gd name="connsiteY1" fmla="*/ 160684 h 160684"/>
+                <a:gd name="connsiteX2" fmla="*/ 0 w 886976"/>
+                <a:gd name="connsiteY2" fmla="*/ 80342 h 160684"/>
+                <a:gd name="connsiteX3" fmla="*/ 80342 w 886976"/>
+                <a:gd name="connsiteY3" fmla="*/ 0 h 160684"/>
+                <a:gd name="connsiteX4" fmla="*/ 806634 w 886976"/>
+                <a:gd name="connsiteY4" fmla="*/ 0 h 160684"/>
+                <a:gd name="connsiteX5" fmla="*/ 886977 w 886976"/>
+                <a:gd name="connsiteY5" fmla="*/ 80342 h 160684"/>
+                <a:gd name="connsiteX6" fmla="*/ 809848 w 886976"/>
+                <a:gd name="connsiteY6" fmla="*/ 160684 h 160684"/>
+              </a:gdLst>
+              <a:ahLst/>
+              <a:cxnLst>
+                <a:cxn ang="0">
+                  <a:pos x="connsiteX0" y="connsiteY0"/>
+                </a:cxn>
+                <a:cxn ang="0">
+                  <a:pos x="connsiteX1" y="connsiteY1"/>
+                </a:cxn>
+                <a:cxn ang="0">
+                  <a:pos x="connsiteX2" y="connsiteY2"/>
+                </a:cxn>
+                <a:cxn ang="0">
+                  <a:pos x="connsiteX3" y="connsiteY3"/>
+                </a:cxn>
+                <a:cxn ang="0">
+                  <a:pos x="connsiteX4" y="connsiteY4"/>
+                </a:cxn>
+                <a:cxn ang="0">
+                  <a:pos x="connsiteX5" y="connsiteY5"/>
+                </a:cxn>
+                <a:cxn ang="0">
+                  <a:pos x="connsiteX6" y="connsiteY6"/>
+                </a:cxn>
+              </a:cxnLst>
+              <a:rect l="l" t="t" r="r" b="b"/>
+              <a:pathLst>
+                <a:path w="886976" h="160684">
+                  <a:moveTo>
+                    <a:pt x="809848" y="160684"/>
+                  </a:moveTo>
+                  <a:lnTo>
+                    <a:pt x="80342" y="160684"/>
+                  </a:lnTo>
+                  <a:cubicBezTo>
+                    <a:pt x="35351" y="160684"/>
+                    <a:pt x="0" y="125334"/>
+                    <a:pt x="0" y="80342"/>
+                  </a:cubicBezTo>
+                  <a:cubicBezTo>
+                    <a:pt x="0" y="35351"/>
+                    <a:pt x="35351" y="0"/>
+                    <a:pt x="80342" y="0"/>
+                  </a:cubicBezTo>
+                  <a:lnTo>
+                    <a:pt x="806634" y="0"/>
+                  </a:lnTo>
+                  <a:cubicBezTo>
+                    <a:pt x="851626" y="0"/>
+                    <a:pt x="886977" y="35351"/>
+                    <a:pt x="886977" y="80342"/>
+                  </a:cubicBezTo>
+                  <a:cubicBezTo>
+                    <a:pt x="886977" y="125334"/>
+                    <a:pt x="851626" y="160684"/>
+                    <a:pt x="809848" y="160684"/>
+                  </a:cubicBezTo>
+                  <a:close/>
+                </a:path>
+              </a:pathLst>
+            </a:custGeom>
+            <a:solidFill>
+              <a:schemeClr val="bg1"/>
+            </a:solidFill>
+            <a:ln w="3208" cap="flat">
+              <a:noFill/>
+              <a:prstDash val="solid"/>
+              <a:miter/>
+            </a:ln>
+          </p:spPr>
+          <p:txBody>
+            <a:bodyPr rtlCol="0" anchor="ctr"/>
+            <a:lstStyle/>
+            <a:p>
+              <a:endParaRPr lang="en-IN">
+                <a:latin typeface="Arial" panose="020B0604020202020204" pitchFamily="34" charset="0"/>
+                <a:ea typeface="Calibri" panose="020F0502020204030204" pitchFamily="34" charset="0"/>
+                <a:cs typeface="Arial" panose="020B0604020202020204" pitchFamily="34" charset="0"/>
+              </a:endParaRPr>
+            </a:p>
+          </p:txBody>
+        </p:sp>
+        <p:sp>
+          <p:nvSpPr>
+            <p:cNvPr id="101" name="Freeform: Shape 100">
+              <a:extLst>
+                <a:ext uri="{FF2B5EF4-FFF2-40B4-BE49-F238E27FC236}">
+                  <a16:creationId xmlns:a16="http://schemas.microsoft.com/office/drawing/2014/main" id="{B496B943-749F-074F-C968-F497116AFAEB}"/>
+                </a:ext>
+              </a:extLst>
+            </p:cNvPr>
+            <p:cNvSpPr/>
+            <p:nvPr/>
+          </p:nvSpPr>
+          <p:spPr>
+            <a:xfrm>
+              <a:off x="663995" y="2034685"/>
+              <a:ext cx="45184" cy="8185"/>
+            </a:xfrm>
+            <a:custGeom>
+              <a:avLst/>
+              <a:gdLst>
+                <a:gd name="connsiteX0" fmla="*/ 809848 w 886976"/>
+                <a:gd name="connsiteY0" fmla="*/ 160684 h 160684"/>
+                <a:gd name="connsiteX1" fmla="*/ 80342 w 886976"/>
+                <a:gd name="connsiteY1" fmla="*/ 160684 h 160684"/>
+                <a:gd name="connsiteX2" fmla="*/ 0 w 886976"/>
+                <a:gd name="connsiteY2" fmla="*/ 80342 h 160684"/>
+                <a:gd name="connsiteX3" fmla="*/ 80342 w 886976"/>
+                <a:gd name="connsiteY3" fmla="*/ 0 h 160684"/>
+                <a:gd name="connsiteX4" fmla="*/ 806634 w 886976"/>
+                <a:gd name="connsiteY4" fmla="*/ 0 h 160684"/>
+                <a:gd name="connsiteX5" fmla="*/ 886977 w 886976"/>
+                <a:gd name="connsiteY5" fmla="*/ 80342 h 160684"/>
+                <a:gd name="connsiteX6" fmla="*/ 809848 w 886976"/>
+                <a:gd name="connsiteY6" fmla="*/ 160684 h 160684"/>
+              </a:gdLst>
+              <a:ahLst/>
+              <a:cxnLst>
+                <a:cxn ang="0">
+                  <a:pos x="connsiteX0" y="connsiteY0"/>
+                </a:cxn>
+                <a:cxn ang="0">
+                  <a:pos x="connsiteX1" y="connsiteY1"/>
+                </a:cxn>
+                <a:cxn ang="0">
+                  <a:pos x="connsiteX2" y="connsiteY2"/>
+                </a:cxn>
+                <a:cxn ang="0">
+                  <a:pos x="connsiteX3" y="connsiteY3"/>
+                </a:cxn>
+                <a:cxn ang="0">
+                  <a:pos x="connsiteX4" y="connsiteY4"/>
+                </a:cxn>
+                <a:cxn ang="0">
+                  <a:pos x="connsiteX5" y="connsiteY5"/>
+                </a:cxn>
+                <a:cxn ang="0">
+                  <a:pos x="connsiteX6" y="connsiteY6"/>
+                </a:cxn>
+              </a:cxnLst>
+              <a:rect l="l" t="t" r="r" b="b"/>
+              <a:pathLst>
+                <a:path w="886976" h="160684">
+                  <a:moveTo>
+                    <a:pt x="809848" y="160684"/>
+                  </a:moveTo>
+                  <a:lnTo>
+                    <a:pt x="80342" y="160684"/>
+                  </a:lnTo>
+                  <a:cubicBezTo>
+                    <a:pt x="35351" y="160684"/>
+                    <a:pt x="0" y="122120"/>
+                    <a:pt x="0" y="80342"/>
+                  </a:cubicBezTo>
+                  <a:cubicBezTo>
+                    <a:pt x="0" y="35351"/>
+                    <a:pt x="35351" y="0"/>
+                    <a:pt x="80342" y="0"/>
+                  </a:cubicBezTo>
+                  <a:lnTo>
+                    <a:pt x="806634" y="0"/>
+                  </a:lnTo>
+                  <a:cubicBezTo>
+                    <a:pt x="851626" y="0"/>
+                    <a:pt x="886977" y="35351"/>
+                    <a:pt x="886977" y="80342"/>
+                  </a:cubicBezTo>
+                  <a:cubicBezTo>
+                    <a:pt x="886977" y="122120"/>
+                    <a:pt x="851626" y="160684"/>
+                    <a:pt x="809848" y="160684"/>
+                  </a:cubicBezTo>
+                  <a:close/>
+                </a:path>
+              </a:pathLst>
+            </a:custGeom>
+            <a:solidFill>
+              <a:schemeClr val="bg1"/>
+            </a:solidFill>
+            <a:ln w="3208" cap="flat">
+              <a:noFill/>
+              <a:prstDash val="solid"/>
+              <a:miter/>
+            </a:ln>
+          </p:spPr>
+          <p:txBody>
+            <a:bodyPr rtlCol="0" anchor="ctr"/>
+            <a:lstStyle/>
+            <a:p>
+              <a:endParaRPr lang="en-IN">
+                <a:latin typeface="Arial" panose="020B0604020202020204" pitchFamily="34" charset="0"/>
+                <a:ea typeface="Calibri" panose="020F0502020204030204" pitchFamily="34" charset="0"/>
+                <a:cs typeface="Arial" panose="020B0604020202020204" pitchFamily="34" charset="0"/>
+              </a:endParaRPr>
+            </a:p>
+          </p:txBody>
+        </p:sp>
+        <p:sp>
+          <p:nvSpPr>
+            <p:cNvPr id="102" name="Freeform: Shape 101">
+              <a:extLst>
+                <a:ext uri="{FF2B5EF4-FFF2-40B4-BE49-F238E27FC236}">
+                  <a16:creationId xmlns:a16="http://schemas.microsoft.com/office/drawing/2014/main" id="{AA638ADE-6F23-AC24-BBB2-89ED8F04D2E8}"/>
+                </a:ext>
+              </a:extLst>
+            </p:cNvPr>
+            <p:cNvSpPr/>
+            <p:nvPr/>
+          </p:nvSpPr>
+          <p:spPr>
+            <a:xfrm>
+              <a:off x="663995" y="2004398"/>
+              <a:ext cx="45184" cy="8185"/>
+            </a:xfrm>
+            <a:custGeom>
+              <a:avLst/>
+              <a:gdLst>
+                <a:gd name="connsiteX0" fmla="*/ 809848 w 886976"/>
+                <a:gd name="connsiteY0" fmla="*/ 160684 h 160684"/>
+                <a:gd name="connsiteX1" fmla="*/ 80342 w 886976"/>
+                <a:gd name="connsiteY1" fmla="*/ 160684 h 160684"/>
+                <a:gd name="connsiteX2" fmla="*/ 0 w 886976"/>
+                <a:gd name="connsiteY2" fmla="*/ 80342 h 160684"/>
+                <a:gd name="connsiteX3" fmla="*/ 80342 w 886976"/>
+                <a:gd name="connsiteY3" fmla="*/ 0 h 160684"/>
+                <a:gd name="connsiteX4" fmla="*/ 806634 w 886976"/>
+                <a:gd name="connsiteY4" fmla="*/ 0 h 160684"/>
+                <a:gd name="connsiteX5" fmla="*/ 886977 w 886976"/>
+                <a:gd name="connsiteY5" fmla="*/ 80342 h 160684"/>
+                <a:gd name="connsiteX6" fmla="*/ 809848 w 886976"/>
+                <a:gd name="connsiteY6" fmla="*/ 160684 h 160684"/>
+              </a:gdLst>
+              <a:ahLst/>
+              <a:cxnLst>
+                <a:cxn ang="0">
+                  <a:pos x="connsiteX0" y="connsiteY0"/>
+                </a:cxn>
+                <a:cxn ang="0">
+                  <a:pos x="connsiteX1" y="connsiteY1"/>
+                </a:cxn>
+                <a:cxn ang="0">
+                  <a:pos x="connsiteX2" y="connsiteY2"/>
+                </a:cxn>
+                <a:cxn ang="0">
+                  <a:pos x="connsiteX3" y="connsiteY3"/>
+                </a:cxn>
+                <a:cxn ang="0">
+                  <a:pos x="connsiteX4" y="connsiteY4"/>
+                </a:cxn>
+                <a:cxn ang="0">
+                  <a:pos x="connsiteX5" y="connsiteY5"/>
+                </a:cxn>
+                <a:cxn ang="0">
+                  <a:pos x="connsiteX6" y="connsiteY6"/>
+                </a:cxn>
+              </a:cxnLst>
+              <a:rect l="l" t="t" r="r" b="b"/>
+              <a:pathLst>
+                <a:path w="886976" h="160684">
+                  <a:moveTo>
+                    <a:pt x="809848" y="160684"/>
+                  </a:moveTo>
+                  <a:lnTo>
+                    <a:pt x="80342" y="160684"/>
+                  </a:lnTo>
+                  <a:cubicBezTo>
+                    <a:pt x="35351" y="160684"/>
+                    <a:pt x="0" y="125334"/>
+                    <a:pt x="0" y="80342"/>
+                  </a:cubicBezTo>
+                  <a:cubicBezTo>
+                    <a:pt x="0" y="35351"/>
+                    <a:pt x="35351" y="0"/>
+                    <a:pt x="80342" y="0"/>
+                  </a:cubicBezTo>
+                  <a:lnTo>
+                    <a:pt x="806634" y="0"/>
+                  </a:lnTo>
+                  <a:cubicBezTo>
+                    <a:pt x="851626" y="0"/>
+                    <a:pt x="886977" y="35351"/>
+                    <a:pt x="886977" y="80342"/>
+                  </a:cubicBezTo>
+                  <a:cubicBezTo>
+                    <a:pt x="886977" y="125334"/>
+                    <a:pt x="851626" y="160684"/>
+                    <a:pt x="809848" y="160684"/>
+                  </a:cubicBezTo>
+                  <a:close/>
+                </a:path>
+              </a:pathLst>
+            </a:custGeom>
+            <a:solidFill>
+              <a:schemeClr val="bg1"/>
+            </a:solidFill>
+            <a:ln w="3208" cap="flat">
+              <a:noFill/>
+              <a:prstDash val="solid"/>
+              <a:miter/>
+            </a:ln>
+          </p:spPr>
+          <p:txBody>
+            <a:bodyPr rtlCol="0" anchor="ctr"/>
+            <a:lstStyle/>
+            <a:p>
+              <a:endParaRPr lang="en-IN">
+                <a:latin typeface="Arial" panose="020B0604020202020204" pitchFamily="34" charset="0"/>
+                <a:ea typeface="Calibri" panose="020F0502020204030204" pitchFamily="34" charset="0"/>
+                <a:cs typeface="Arial" panose="020B0604020202020204" pitchFamily="34" charset="0"/>
+              </a:endParaRPr>
+            </a:p>
+          </p:txBody>
+        </p:sp>
+        <p:sp>
+          <p:nvSpPr>
+            <p:cNvPr id="103" name="Freeform: Shape 102">
+              <a:extLst>
+                <a:ext uri="{FF2B5EF4-FFF2-40B4-BE49-F238E27FC236}">
+                  <a16:creationId xmlns:a16="http://schemas.microsoft.com/office/drawing/2014/main" id="{B5590D86-6D3C-C549-2B14-10A1AE9515BF}"/>
+                </a:ext>
+              </a:extLst>
+            </p:cNvPr>
+            <p:cNvSpPr/>
+            <p:nvPr/>
+          </p:nvSpPr>
+          <p:spPr>
+            <a:xfrm>
+              <a:off x="663995" y="1973948"/>
+              <a:ext cx="45184" cy="8185"/>
+            </a:xfrm>
+            <a:custGeom>
+              <a:avLst/>
+              <a:gdLst>
+                <a:gd name="connsiteX0" fmla="*/ 809848 w 886976"/>
+                <a:gd name="connsiteY0" fmla="*/ 160684 h 160684"/>
+                <a:gd name="connsiteX1" fmla="*/ 80342 w 886976"/>
+                <a:gd name="connsiteY1" fmla="*/ 160684 h 160684"/>
+                <a:gd name="connsiteX2" fmla="*/ 0 w 886976"/>
+                <a:gd name="connsiteY2" fmla="*/ 80342 h 160684"/>
+                <a:gd name="connsiteX3" fmla="*/ 80342 w 886976"/>
+                <a:gd name="connsiteY3" fmla="*/ 0 h 160684"/>
+                <a:gd name="connsiteX4" fmla="*/ 806634 w 886976"/>
+                <a:gd name="connsiteY4" fmla="*/ 0 h 160684"/>
+                <a:gd name="connsiteX5" fmla="*/ 886977 w 886976"/>
+                <a:gd name="connsiteY5" fmla="*/ 80342 h 160684"/>
+                <a:gd name="connsiteX6" fmla="*/ 809848 w 886976"/>
+                <a:gd name="connsiteY6" fmla="*/ 160684 h 160684"/>
+              </a:gdLst>
+              <a:ahLst/>
+              <a:cxnLst>
+                <a:cxn ang="0">
+                  <a:pos x="connsiteX0" y="connsiteY0"/>
+                </a:cxn>
+                <a:cxn ang="0">
+                  <a:pos x="connsiteX1" y="connsiteY1"/>
+                </a:cxn>
+                <a:cxn ang="0">
+                  <a:pos x="connsiteX2" y="connsiteY2"/>
+                </a:cxn>
+                <a:cxn ang="0">
+                  <a:pos x="connsiteX3" y="connsiteY3"/>
+                </a:cxn>
+                <a:cxn ang="0">
+                  <a:pos x="connsiteX4" y="connsiteY4"/>
+                </a:cxn>
+                <a:cxn ang="0">
+                  <a:pos x="connsiteX5" y="connsiteY5"/>
+                </a:cxn>
+                <a:cxn ang="0">
+                  <a:pos x="connsiteX6" y="connsiteY6"/>
+                </a:cxn>
+              </a:cxnLst>
+              <a:rect l="l" t="t" r="r" b="b"/>
+              <a:pathLst>
+                <a:path w="886976" h="160684">
+                  <a:moveTo>
+                    <a:pt x="809848" y="160684"/>
+                  </a:moveTo>
+                  <a:lnTo>
+                    <a:pt x="80342" y="160684"/>
+                  </a:lnTo>
+                  <a:cubicBezTo>
+                    <a:pt x="35351" y="160684"/>
+                    <a:pt x="0" y="125334"/>
+                    <a:pt x="0" y="80342"/>
+                  </a:cubicBezTo>
+                  <a:cubicBezTo>
+                    <a:pt x="0" y="38564"/>
+                    <a:pt x="35351" y="0"/>
+                    <a:pt x="80342" y="0"/>
+                  </a:cubicBezTo>
+                  <a:lnTo>
+                    <a:pt x="806634" y="0"/>
+                  </a:lnTo>
+                  <a:cubicBezTo>
+                    <a:pt x="851626" y="0"/>
+                    <a:pt x="886977" y="38564"/>
+                    <a:pt x="886977" y="80342"/>
+                  </a:cubicBezTo>
+                  <a:cubicBezTo>
+                    <a:pt x="886977" y="125334"/>
+                    <a:pt x="851626" y="160684"/>
+                    <a:pt x="809848" y="160684"/>
+                  </a:cubicBezTo>
+                  <a:close/>
+                </a:path>
+              </a:pathLst>
+            </a:custGeom>
+            <a:solidFill>
+              <a:schemeClr val="bg1"/>
+            </a:solidFill>
+            <a:ln w="3208" cap="flat">
+              <a:noFill/>
+              <a:prstDash val="solid"/>
+              <a:miter/>
+            </a:ln>
+          </p:spPr>
+          <p:txBody>
+            <a:bodyPr rtlCol="0" anchor="ctr"/>
+            <a:lstStyle/>
+            <a:p>
+              <a:endParaRPr lang="en-IN">
+                <a:latin typeface="Arial" panose="020B0604020202020204" pitchFamily="34" charset="0"/>
+                <a:ea typeface="Calibri" panose="020F0502020204030204" pitchFamily="34" charset="0"/>
+                <a:cs typeface="Arial" panose="020B0604020202020204" pitchFamily="34" charset="0"/>
+              </a:endParaRPr>
+            </a:p>
+          </p:txBody>
+        </p:sp>
+        <p:sp>
+          <p:nvSpPr>
+            <p:cNvPr id="104" name="Freeform: Shape 103">
+              <a:extLst>
+                <a:ext uri="{FF2B5EF4-FFF2-40B4-BE49-F238E27FC236}">
+                  <a16:creationId xmlns:a16="http://schemas.microsoft.com/office/drawing/2014/main" id="{6FC12949-9A55-45A9-4160-ECC1116C5B17}"/>
+                </a:ext>
+              </a:extLst>
+            </p:cNvPr>
+            <p:cNvSpPr/>
+            <p:nvPr/>
+          </p:nvSpPr>
+          <p:spPr>
+            <a:xfrm>
+              <a:off x="663995" y="1943335"/>
+              <a:ext cx="97407" cy="8185"/>
+            </a:xfrm>
+            <a:custGeom>
+              <a:avLst/>
+              <a:gdLst>
+                <a:gd name="connsiteX0" fmla="*/ 1831799 w 1912141"/>
+                <a:gd name="connsiteY0" fmla="*/ 160684 h 160684"/>
+                <a:gd name="connsiteX1" fmla="*/ 80342 w 1912141"/>
+                <a:gd name="connsiteY1" fmla="*/ 160684 h 160684"/>
+                <a:gd name="connsiteX2" fmla="*/ 0 w 1912141"/>
+                <a:gd name="connsiteY2" fmla="*/ 80342 h 160684"/>
+                <a:gd name="connsiteX3" fmla="*/ 80342 w 1912141"/>
+                <a:gd name="connsiteY3" fmla="*/ 0 h 160684"/>
+                <a:gd name="connsiteX4" fmla="*/ 1831799 w 1912141"/>
+                <a:gd name="connsiteY4" fmla="*/ 0 h 160684"/>
+                <a:gd name="connsiteX5" fmla="*/ 1912141 w 1912141"/>
+                <a:gd name="connsiteY5" fmla="*/ 80342 h 160684"/>
+                <a:gd name="connsiteX6" fmla="*/ 1831799 w 1912141"/>
+                <a:gd name="connsiteY6" fmla="*/ 160684 h 160684"/>
+              </a:gdLst>
+              <a:ahLst/>
+              <a:cxnLst>
+                <a:cxn ang="0">
+                  <a:pos x="connsiteX0" y="connsiteY0"/>
+                </a:cxn>
+                <a:cxn ang="0">
+                  <a:pos x="connsiteX1" y="connsiteY1"/>
+                </a:cxn>
+                <a:cxn ang="0">
+                  <a:pos x="connsiteX2" y="connsiteY2"/>
+                </a:cxn>
+                <a:cxn ang="0">
+                  <a:pos x="connsiteX3" y="connsiteY3"/>
+                </a:cxn>
+                <a:cxn ang="0">
+                  <a:pos x="connsiteX4" y="connsiteY4"/>
+                </a:cxn>
+                <a:cxn ang="0">
+                  <a:pos x="connsiteX5" y="connsiteY5"/>
+                </a:cxn>
+                <a:cxn ang="0">
+                  <a:pos x="connsiteX6" y="connsiteY6"/>
+                </a:cxn>
+              </a:cxnLst>
+              <a:rect l="l" t="t" r="r" b="b"/>
+              <a:pathLst>
+                <a:path w="1912141" h="160684">
+                  <a:moveTo>
+                    <a:pt x="1831799" y="160684"/>
+                  </a:moveTo>
+                  <a:lnTo>
+                    <a:pt x="80342" y="160684"/>
+                  </a:lnTo>
+                  <a:cubicBezTo>
+                    <a:pt x="35351" y="160684"/>
+                    <a:pt x="0" y="125334"/>
+                    <a:pt x="0" y="80342"/>
+                  </a:cubicBezTo>
+                  <a:cubicBezTo>
+                    <a:pt x="0" y="35351"/>
+                    <a:pt x="35351" y="0"/>
+                    <a:pt x="80342" y="0"/>
+                  </a:cubicBezTo>
+                  <a:lnTo>
+                    <a:pt x="1831799" y="0"/>
+                  </a:lnTo>
+                  <a:cubicBezTo>
+                    <a:pt x="1876791" y="0"/>
+                    <a:pt x="1912141" y="35351"/>
+                    <a:pt x="1912141" y="80342"/>
+                  </a:cubicBezTo>
+                  <a:cubicBezTo>
+                    <a:pt x="1912141" y="125334"/>
+                    <a:pt x="1876791" y="160684"/>
+                    <a:pt x="1831799" y="160684"/>
+                  </a:cubicBezTo>
+                  <a:close/>
+                </a:path>
+              </a:pathLst>
+            </a:custGeom>
+            <a:solidFill>
+              <a:schemeClr val="bg1"/>
+            </a:solidFill>
+            <a:ln w="3208" cap="flat">
+              <a:noFill/>
+              <a:prstDash val="solid"/>
+              <a:miter/>
+            </a:ln>
+          </p:spPr>
+          <p:txBody>
+            <a:bodyPr rtlCol="0" anchor="ctr"/>
+            <a:lstStyle/>
+            <a:p>
+              <a:endParaRPr lang="en-IN">
+                <a:latin typeface="Arial" panose="020B0604020202020204" pitchFamily="34" charset="0"/>
+                <a:ea typeface="Calibri" panose="020F0502020204030204" pitchFamily="34" charset="0"/>
+                <a:cs typeface="Arial" panose="020B0604020202020204" pitchFamily="34" charset="0"/>
+              </a:endParaRPr>
+            </a:p>
+          </p:txBody>
+        </p:sp>
+        <p:sp>
+          <p:nvSpPr>
+            <p:cNvPr id="105" name="Freeform: Shape 104">
+              <a:extLst>
+                <a:ext uri="{FF2B5EF4-FFF2-40B4-BE49-F238E27FC236}">
+                  <a16:creationId xmlns:a16="http://schemas.microsoft.com/office/drawing/2014/main" id="{3DC85267-9299-55EC-74C3-0861D18F720A}"/>
                 </a:ext>
               </a:extLst>
             </p:cNvPr>
@@ -17168,4 +17822,319 @@
     </a:ext>
   </a:extLst>
 </a:theme>
+</file>
+
+<file path=ppt/theme/theme2.xml><?xml version="1.0" encoding="utf-8"?>
+<a:theme xmlns:a="http://schemas.openxmlformats.org/drawingml/2006/main" name="Office Theme">
+  <a:themeElements>
+    <a:clrScheme name="Office">
+      <a:dk1>
+        <a:sysClr val="windowText" lastClr="000000"/>
+      </a:dk1>
+      <a:lt1>
+        <a:sysClr val="window" lastClr="FFFFFF"/>
+      </a:lt1>
+      <a:dk2>
+        <a:srgbClr val="0E2841"/>
+      </a:dk2>
+      <a:lt2>
+        <a:srgbClr val="E8E8E8"/>
+      </a:lt2>
+      <a:accent1>
+        <a:srgbClr val="156082"/>
+      </a:accent1>
+      <a:accent2>
+        <a:srgbClr val="E97132"/>
+      </a:accent2>
+      <a:accent3>
+        <a:srgbClr val="196B24"/>
+      </a:accent3>
+      <a:accent4>
+        <a:srgbClr val="0F9ED5"/>
+      </a:accent4>
+      <a:accent5>
+        <a:srgbClr val="A02B93"/>
+      </a:accent5>
+      <a:accent6>
+        <a:srgbClr val="4EA72E"/>
+      </a:accent6>
+      <a:hlink>
+        <a:srgbClr val="467886"/>
+      </a:hlink>
+      <a:folHlink>
+        <a:srgbClr val="96607D"/>
+      </a:folHlink>
+    </a:clrScheme>
+    <a:fontScheme name="Office">
+      <a:majorFont>
+        <a:latin typeface="Aptos Display" panose="02110004020202020204"/>
+        <a:ea typeface=""/>
+        <a:cs typeface=""/>
+        <a:font script="Jpan" typeface="游ゴシック Light"/>
+        <a:font script="Hang" typeface="맑은 고딕"/>
+        <a:font script="Hans" typeface="等线 Light"/>
+        <a:font script="Hant" typeface="新細明體"/>
+        <a:font script="Arab" typeface="Times New Roman"/>
+        <a:font script="Hebr" typeface="Times New Roman"/>
+        <a:font script="Thai" typeface="Angsana New"/>
+        <a:font script="Ethi" typeface="Nyala"/>
+        <a:font script="Beng" typeface="Vrinda"/>
+        <a:font script="Gujr" typeface="Shruti"/>
+        <a:font script="Khmr" typeface="MoolBoran"/>
+        <a:font script="Knda" typeface="Tunga"/>
+        <a:font script="Guru" typeface="Raavi"/>
+        <a:font script="Cans" typeface="Euphemia"/>
+        <a:font script="Cher" typeface="Plantagenet Cherokee"/>
+        <a:font script="Yiii" typeface="Microsoft Yi Baiti"/>
+        <a:font script="Tibt" typeface="Microsoft Himalaya"/>
+        <a:font script="Thaa" typeface="MV Boli"/>
+        <a:font script="Deva" typeface="Mangal"/>
+        <a:font script="Telu" typeface="Gautami"/>
+        <a:font script="Taml" typeface="Latha"/>
+        <a:font script="Syrc" typeface="Estrangelo Edessa"/>
+        <a:font script="Orya" typeface="Kalinga"/>
+        <a:font script="Mlym" typeface="Kartika"/>
+        <a:font script="Laoo" typeface="DokChampa"/>
+        <a:font script="Sinh" typeface="Iskoola Pota"/>
+        <a:font script="Mong" typeface="Mongolian Baiti"/>
+        <a:font script="Viet" typeface="Times New Roman"/>
+        <a:font script="Uigh" typeface="Microsoft Uighur"/>
+        <a:font script="Geor" typeface="Sylfaen"/>
+        <a:font script="Armn" typeface="Arial"/>
+        <a:font script="Bugi" typeface="Leelawadee UI"/>
+        <a:font script="Bopo" typeface="Microsoft JhengHei"/>
+        <a:font script="Java" typeface="Javanese Text"/>
+        <a:font script="Lisu" typeface="Segoe UI"/>
+        <a:font script="Mymr" typeface="Myanmar Text"/>
+        <a:font script="Nkoo" typeface="Ebrima"/>
+        <a:font script="Olck" typeface="Nirmala UI"/>
+        <a:font script="Osma" typeface="Ebrima"/>
+        <a:font script="Phag" typeface="Phagspa"/>
+        <a:font script="Syrn" typeface="Estrangelo Edessa"/>
+        <a:font script="Syrj" typeface="Estrangelo Edessa"/>
+        <a:font script="Syre" typeface="Estrangelo Edessa"/>
+        <a:font script="Sora" typeface="Nirmala UI"/>
+        <a:font script="Tale" typeface="Microsoft Tai Le"/>
+        <a:font script="Talu" typeface="Microsoft New Tai Lue"/>
+        <a:font script="Tfng" typeface="Ebrima"/>
+      </a:majorFont>
+      <a:minorFont>
+        <a:latin typeface="Aptos" panose="02110004020202020204"/>
+        <a:ea typeface=""/>
+        <a:cs typeface=""/>
+        <a:font script="Jpan" typeface="游ゴシック"/>
+        <a:font script="Hang" typeface="맑은 고딕"/>
+        <a:font script="Hans" typeface="等线"/>
+        <a:font script="Hant" typeface="新細明體"/>
+        <a:font script="Arab" typeface="Arial"/>
+        <a:font script="Hebr" typeface="Arial"/>
+        <a:font script="Thai" typeface="Cordia New"/>
+        <a:font script="Ethi" typeface="Nyala"/>
+        <a:font script="Beng" typeface="Vrinda"/>
+        <a:font script="Gujr" typeface="Shruti"/>
+        <a:font script="Khmr" typeface="DaunPenh"/>
+        <a:font script="Knda" typeface="Tunga"/>
+        <a:font script="Guru" typeface="Raavi"/>
+        <a:font script="Cans" typeface="Euphemia"/>
+        <a:font script="Cher" typeface="Plantagenet Cherokee"/>
+        <a:font script="Yiii" typeface="Microsoft Yi Baiti"/>
+        <a:font script="Tibt" typeface="Microsoft Himalaya"/>
+        <a:font script="Thaa" typeface="MV Boli"/>
+        <a:font script="Deva" typeface="Mangal"/>
+        <a:font script="Telu" typeface="Gautami"/>
+        <a:font script="Taml" typeface="Latha"/>
+        <a:font script="Syrc" typeface="Estrangelo Edessa"/>
+        <a:font script="Orya" typeface="Kalinga"/>
+        <a:font script="Mlym" typeface="Kartika"/>
+        <a:font script="Laoo" typeface="DokChampa"/>
+        <a:font script="Sinh" typeface="Iskoola Pota"/>
+        <a:font script="Mong" typeface="Mongolian Baiti"/>
+        <a:font script="Viet" typeface="Arial"/>
+        <a:font script="Uigh" typeface="Microsoft Uighur"/>
+        <a:font script="Geor" typeface="Sylfaen"/>
+        <a:font script="Armn" typeface="Arial"/>
+        <a:font script="Bugi" typeface="Leelawadee UI"/>
+        <a:font script="Bopo" typeface="Microsoft JhengHei"/>
+        <a:font script="Java" typeface="Javanese Text"/>
+        <a:font script="Lisu" typeface="Segoe UI"/>
+        <a:font script="Mymr" typeface="Myanmar Text"/>
+        <a:font script="Nkoo" typeface="Ebrima"/>
+        <a:font script="Olck" typeface="Nirmala UI"/>
+        <a:font script="Osma" typeface="Ebrima"/>
+        <a:font script="Phag" typeface="Phagspa"/>
+        <a:font script="Syrn" typeface="Estrangelo Edessa"/>
+        <a:font script="Syrj" typeface="Estrangelo Edessa"/>
+        <a:font script="Syre" typeface="Estrangelo Edessa"/>
+        <a:font script="Sora" typeface="Nirmala UI"/>
+        <a:font script="Tale" typeface="Microsoft Tai Le"/>
+        <a:font script="Talu" typeface="Microsoft New Tai Lue"/>
+        <a:font script="Tfng" typeface="Ebrima"/>
+      </a:minorFont>
+    </a:fontScheme>
+    <a:fmtScheme name="Office">
+      <a:fillStyleLst>
+        <a:solidFill>
+          <a:schemeClr val="phClr"/>
+        </a:solidFill>
+        <a:gradFill rotWithShape="1">
+          <a:gsLst>
+            <a:gs pos="0">
+              <a:schemeClr val="phClr">
+                <a:lumMod val="110000"/>
+                <a:satMod val="105000"/>
+                <a:tint val="67000"/>
+              </a:schemeClr>
+            </a:gs>
+            <a:gs pos="50000">
+              <a:schemeClr val="phClr">
+                <a:lumMod val="105000"/>
+                <a:satMod val="103000"/>
+                <a:tint val="73000"/>
+              </a:schemeClr>
+            </a:gs>
+            <a:gs pos="100000">
+              <a:schemeClr val="phClr">
+                <a:lumMod val="105000"/>
+                <a:satMod val="109000"/>
+                <a:tint val="81000"/>
+              </a:schemeClr>
+            </a:gs>
+          </a:gsLst>
+          <a:lin ang="5400000" scaled="0"/>
+        </a:gradFill>
+        <a:gradFill rotWithShape="1">
+          <a:gsLst>
+            <a:gs pos="0">
+              <a:schemeClr val="phClr">
+                <a:satMod val="103000"/>
+                <a:lumMod val="102000"/>
+                <a:tint val="94000"/>
+              </a:schemeClr>
+            </a:gs>
+            <a:gs pos="50000">
+              <a:schemeClr val="phClr">
+                <a:satMod val="110000"/>
+                <a:lumMod val="100000"/>
+                <a:shade val="100000"/>
+              </a:schemeClr>
+            </a:gs>
+            <a:gs pos="100000">
+              <a:schemeClr val="phClr">
+                <a:lumMod val="99000"/>
+                <a:satMod val="120000"/>
+                <a:shade val="78000"/>
+              </a:schemeClr>
+            </a:gs>
+          </a:gsLst>
+          <a:lin ang="5400000" scaled="0"/>
+        </a:gradFill>
+      </a:fillStyleLst>
+      <a:lnStyleLst>
+        <a:ln w="12700" cap="flat" cmpd="sng" algn="ctr">
+          <a:solidFill>
+            <a:schemeClr val="phClr"/>
+          </a:solidFill>
+          <a:prstDash val="solid"/>
+          <a:miter lim="800000"/>
+        </a:ln>
+        <a:ln w="19050" cap="flat" cmpd="sng" algn="ctr">
+          <a:solidFill>
+            <a:schemeClr val="phClr"/>
+          </a:solidFill>
+          <a:prstDash val="solid"/>
+          <a:miter lim="800000"/>
+        </a:ln>
+        <a:ln w="25400" cap="flat" cmpd="sng" algn="ctr">
+          <a:solidFill>
+            <a:schemeClr val="phClr"/>
+          </a:solidFill>
+          <a:prstDash val="solid"/>
+          <a:miter lim="800000"/>
+        </a:ln>
+      </a:lnStyleLst>
+      <a:effectStyleLst>
+        <a:effectStyle>
+          <a:effectLst/>
+        </a:effectStyle>
+        <a:effectStyle>
+          <a:effectLst/>
+        </a:effectStyle>
+        <a:effectStyle>
+          <a:effectLst>
+            <a:outerShdw blurRad="57150" dist="19050" dir="5400000" algn="ctr" rotWithShape="0">
+              <a:srgbClr val="000000">
+                <a:alpha val="63000"/>
+              </a:srgbClr>
+            </a:outerShdw>
+          </a:effectLst>
+        </a:effectStyle>
+      </a:effectStyleLst>
+      <a:bgFillStyleLst>
+        <a:solidFill>
+          <a:schemeClr val="phClr"/>
+        </a:solidFill>
+        <a:solidFill>
+          <a:schemeClr val="phClr">
+            <a:tint val="95000"/>
+            <a:satMod val="170000"/>
+          </a:schemeClr>
+        </a:solidFill>
+        <a:gradFill rotWithShape="1">
+          <a:gsLst>
+            <a:gs pos="0">
+              <a:schemeClr val="phClr">
+                <a:tint val="93000"/>
+                <a:satMod val="150000"/>
+                <a:shade val="98000"/>
+                <a:lumMod val="102000"/>
+              </a:schemeClr>
+            </a:gs>
+            <a:gs pos="50000">
+              <a:schemeClr val="phClr">
+                <a:tint val="98000"/>
+                <a:satMod val="130000"/>
+                <a:shade val="90000"/>
+                <a:lumMod val="103000"/>
+              </a:schemeClr>
+            </a:gs>
+            <a:gs pos="100000">
+              <a:schemeClr val="phClr">
+                <a:shade val="63000"/>
+                <a:satMod val="120000"/>
+              </a:schemeClr>
+            </a:gs>
+          </a:gsLst>
+          <a:lin ang="5400000" scaled="0"/>
+        </a:gradFill>
+      </a:bgFillStyleLst>
+    </a:fmtScheme>
+  </a:themeElements>
+  <a:objectDefaults>
+    <a:lnDef>
+      <a:spPr/>
+      <a:bodyPr/>
+      <a:lstStyle/>
+      <a:style>
+        <a:lnRef idx="2">
+          <a:schemeClr val="accent1"/>
+        </a:lnRef>
+        <a:fillRef idx="0">
+          <a:schemeClr val="accent1"/>
+        </a:fillRef>
+        <a:effectRef idx="1">
+          <a:schemeClr val="accent1"/>
+        </a:effectRef>
+        <a:fontRef idx="minor">
+          <a:schemeClr val="tx1"/>
+        </a:fontRef>
+      </a:style>
+    </a:lnDef>
+  </a:objectDefaults>
+  <a:extraClrSchemeLst/>
+  <a:extLst>
+    <a:ext uri="{05A4C25C-085E-4340-85A3-A5531E510DB2}">
+      <thm15:themeFamily xmlns:thm15="http://schemas.microsoft.com/office/thememl/2012/main" name="Office Theme" id="{2E142A2C-CD16-42D6-873A-C26D2A0506FA}" vid="{1BDDFF52-6CD6-40A5-AB3C-68EB2F1E4D0A}"/>
+    </a:ext>
+  </a:extLst>
+</a:theme>
 </file>